--- a/Documentação/pptx/Essa perfeição é impossível de se alcançar.pptx
+++ b/Documentação/pptx/Essa perfeição é impossível de se alcançar.pptx
@@ -259,7 +259,7 @@
           <a:p>
             <a:fld id="{6F0ECE50-F05A-4844-9255-4C18ACA97B8B}" type="datetimeFigureOut">
               <a:rPr lang="pt-BR" smtClean="0"/>
-              <a:t>02/10/2018</a:t>
+              <a:t>03/10/2018</a:t>
             </a:fld>
             <a:endParaRPr lang="pt-BR"/>
           </a:p>
@@ -457,7 +457,7 @@
           <a:p>
             <a:fld id="{6F0ECE50-F05A-4844-9255-4C18ACA97B8B}" type="datetimeFigureOut">
               <a:rPr lang="pt-BR" smtClean="0"/>
-              <a:t>02/10/2018</a:t>
+              <a:t>03/10/2018</a:t>
             </a:fld>
             <a:endParaRPr lang="pt-BR"/>
           </a:p>
@@ -665,7 +665,7 @@
           <a:p>
             <a:fld id="{6F0ECE50-F05A-4844-9255-4C18ACA97B8B}" type="datetimeFigureOut">
               <a:rPr lang="pt-BR" smtClean="0"/>
-              <a:t>02/10/2018</a:t>
+              <a:t>03/10/2018</a:t>
             </a:fld>
             <a:endParaRPr lang="pt-BR"/>
           </a:p>
@@ -863,7 +863,7 @@
           <a:p>
             <a:fld id="{6F0ECE50-F05A-4844-9255-4C18ACA97B8B}" type="datetimeFigureOut">
               <a:rPr lang="pt-BR" smtClean="0"/>
-              <a:t>02/10/2018</a:t>
+              <a:t>03/10/2018</a:t>
             </a:fld>
             <a:endParaRPr lang="pt-BR"/>
           </a:p>
@@ -1138,7 +1138,7 @@
           <a:p>
             <a:fld id="{6F0ECE50-F05A-4844-9255-4C18ACA97B8B}" type="datetimeFigureOut">
               <a:rPr lang="pt-BR" smtClean="0"/>
-              <a:t>02/10/2018</a:t>
+              <a:t>03/10/2018</a:t>
             </a:fld>
             <a:endParaRPr lang="pt-BR"/>
           </a:p>
@@ -1403,7 +1403,7 @@
           <a:p>
             <a:fld id="{6F0ECE50-F05A-4844-9255-4C18ACA97B8B}" type="datetimeFigureOut">
               <a:rPr lang="pt-BR" smtClean="0"/>
-              <a:t>02/10/2018</a:t>
+              <a:t>03/10/2018</a:t>
             </a:fld>
             <a:endParaRPr lang="pt-BR"/>
           </a:p>
@@ -1815,7 +1815,7 @@
           <a:p>
             <a:fld id="{6F0ECE50-F05A-4844-9255-4C18ACA97B8B}" type="datetimeFigureOut">
               <a:rPr lang="pt-BR" smtClean="0"/>
-              <a:t>02/10/2018</a:t>
+              <a:t>03/10/2018</a:t>
             </a:fld>
             <a:endParaRPr lang="pt-BR"/>
           </a:p>
@@ -1956,7 +1956,7 @@
           <a:p>
             <a:fld id="{6F0ECE50-F05A-4844-9255-4C18ACA97B8B}" type="datetimeFigureOut">
               <a:rPr lang="pt-BR" smtClean="0"/>
-              <a:t>02/10/2018</a:t>
+              <a:t>03/10/2018</a:t>
             </a:fld>
             <a:endParaRPr lang="pt-BR"/>
           </a:p>
@@ -2069,7 +2069,7 @@
           <a:p>
             <a:fld id="{6F0ECE50-F05A-4844-9255-4C18ACA97B8B}" type="datetimeFigureOut">
               <a:rPr lang="pt-BR" smtClean="0"/>
-              <a:t>02/10/2018</a:t>
+              <a:t>03/10/2018</a:t>
             </a:fld>
             <a:endParaRPr lang="pt-BR"/>
           </a:p>
@@ -2380,7 +2380,7 @@
           <a:p>
             <a:fld id="{6F0ECE50-F05A-4844-9255-4C18ACA97B8B}" type="datetimeFigureOut">
               <a:rPr lang="pt-BR" smtClean="0"/>
-              <a:t>02/10/2018</a:t>
+              <a:t>03/10/2018</a:t>
             </a:fld>
             <a:endParaRPr lang="pt-BR"/>
           </a:p>
@@ -2668,7 +2668,7 @@
           <a:p>
             <a:fld id="{6F0ECE50-F05A-4844-9255-4C18ACA97B8B}" type="datetimeFigureOut">
               <a:rPr lang="pt-BR" smtClean="0"/>
-              <a:t>02/10/2018</a:t>
+              <a:t>03/10/2018</a:t>
             </a:fld>
             <a:endParaRPr lang="pt-BR"/>
           </a:p>
@@ -2909,7 +2909,7 @@
           <a:p>
             <a:fld id="{6F0ECE50-F05A-4844-9255-4C18ACA97B8B}" type="datetimeFigureOut">
               <a:rPr lang="pt-BR" smtClean="0"/>
-              <a:t>02/10/2018</a:t>
+              <a:t>03/10/2018</a:t>
             </a:fld>
             <a:endParaRPr lang="pt-BR"/>
           </a:p>
@@ -3328,6 +3328,72 @@
       </p:grpSpPr>
       <p:sp>
         <p:nvSpPr>
+          <p:cNvPr id="278" name="Fundo">
+            <a:extLst>
+              <a:ext uri="{FF2B5EF4-FFF2-40B4-BE49-F238E27FC236}">
+                <a16:creationId xmlns:a16="http://schemas.microsoft.com/office/drawing/2014/main" id="{1EDB58EF-096C-4262-8B5C-D2FBF69B9177}"/>
+              </a:ext>
+            </a:extLst>
+          </p:cNvPr>
+          <p:cNvSpPr/>
+          <p:nvPr/>
+        </p:nvSpPr>
+        <p:spPr>
+          <a:xfrm>
+            <a:off x="0" y="0"/>
+            <a:ext cx="12192000" cy="7022969"/>
+          </a:xfrm>
+          <a:prstGeom prst="rect">
+            <a:avLst/>
+          </a:prstGeom>
+          <a:gradFill flip="none" rotWithShape="1">
+            <a:gsLst>
+              <a:gs pos="0">
+                <a:schemeClr val="bg2">
+                  <a:lumMod val="25000"/>
+                </a:schemeClr>
+              </a:gs>
+              <a:gs pos="94000">
+                <a:schemeClr val="tx1">
+                  <a:lumMod val="95000"/>
+                  <a:lumOff val="5000"/>
+                </a:schemeClr>
+              </a:gs>
+            </a:gsLst>
+            <a:lin ang="2700000" scaled="1"/>
+            <a:tileRect/>
+          </a:gradFill>
+          <a:ln>
+            <a:noFill/>
+          </a:ln>
+        </p:spPr>
+        <p:style>
+          <a:lnRef idx="2">
+            <a:schemeClr val="accent1">
+              <a:shade val="50000"/>
+            </a:schemeClr>
+          </a:lnRef>
+          <a:fillRef idx="1">
+            <a:schemeClr val="accent1"/>
+          </a:fillRef>
+          <a:effectRef idx="0">
+            <a:schemeClr val="accent1"/>
+          </a:effectRef>
+          <a:fontRef idx="minor">
+            <a:schemeClr val="lt1"/>
+          </a:fontRef>
+        </p:style>
+        <p:txBody>
+          <a:bodyPr rtlCol="0" anchor="ctr"/>
+          <a:lstStyle/>
+          <a:p>
+            <a:pPr algn="ctr"/>
+            <a:endParaRPr lang="pt-BR" dirty="0"/>
+          </a:p>
+        </p:txBody>
+      </p:sp>
+      <p:sp>
+        <p:nvSpPr>
           <p:cNvPr id="2" name="Text">
             <a:extLst>
               <a:ext uri="{FF2B5EF4-FFF2-40B4-BE49-F238E27FC236}">
@@ -3361,6 +3427,9 @@
           <a:p>
             <a:r>
               <a:rPr lang="pt-BR" sz="7200" dirty="0">
+                <a:solidFill>
+                  <a:srgbClr val="747474"/>
+                </a:solidFill>
                 <a:latin typeface="Alex Brush" panose="02000400000000000000" pitchFamily="2" charset="0"/>
               </a:rPr>
               <a:t>“Essa perfeição é impossível de conseguir, o que não é desculpa para não lutar por ela.”</a:t>
@@ -3389,11 +3458,11 @@
             <a:avLst/>
           </a:prstGeom>
           <a:solidFill>
-            <a:schemeClr val="bg1"/>
+            <a:srgbClr val="2D2B2B"/>
           </a:solidFill>
           <a:ln w="25400">
             <a:solidFill>
-              <a:schemeClr val="bg1"/>
+              <a:srgbClr val="2D2B2B"/>
             </a:solidFill>
           </a:ln>
         </p:spPr>
@@ -3443,11 +3512,11 @@
             <a:avLst/>
           </a:prstGeom>
           <a:solidFill>
-            <a:schemeClr val="bg1"/>
+            <a:srgbClr val="2D2B2B"/>
           </a:solidFill>
           <a:ln w="25400">
             <a:solidFill>
-              <a:schemeClr val="bg1"/>
+              <a:srgbClr val="2D2B2B"/>
             </a:solidFill>
           </a:ln>
         </p:spPr>
@@ -3497,11 +3566,11 @@
             <a:avLst/>
           </a:prstGeom>
           <a:solidFill>
-            <a:schemeClr val="bg1"/>
+            <a:srgbClr val="2E2C2C"/>
           </a:solidFill>
           <a:ln w="25400">
             <a:solidFill>
-              <a:schemeClr val="bg1"/>
+              <a:srgbClr val="2E2C2C"/>
             </a:solidFill>
           </a:ln>
         </p:spPr>
@@ -3551,11 +3620,11 @@
             <a:avLst/>
           </a:prstGeom>
           <a:solidFill>
-            <a:schemeClr val="bg1"/>
+            <a:srgbClr val="2E2C2C"/>
           </a:solidFill>
           <a:ln>
             <a:solidFill>
-              <a:schemeClr val="bg1"/>
+              <a:srgbClr val="2E2C2C"/>
             </a:solidFill>
           </a:ln>
         </p:spPr>
@@ -3608,11 +3677,11 @@
             </a:avLst>
           </a:prstGeom>
           <a:solidFill>
-            <a:schemeClr val="bg1"/>
+            <a:srgbClr val="2D2B2B"/>
           </a:solidFill>
           <a:ln w="38100">
             <a:solidFill>
-              <a:schemeClr val="bg1"/>
+              <a:srgbClr val="2E2C2C"/>
             </a:solidFill>
           </a:ln>
         </p:spPr>
@@ -3664,7 +3733,7 @@
           </a:solidFill>
           <a:ln w="57150">
             <a:solidFill>
-              <a:schemeClr val="bg1"/>
+              <a:srgbClr val="2D2B2B"/>
             </a:solidFill>
           </a:ln>
         </p:spPr>
@@ -3715,11 +3784,11 @@
             </a:avLst>
           </a:prstGeom>
           <a:solidFill>
-            <a:schemeClr val="bg1"/>
+            <a:srgbClr val="2D2B2B"/>
           </a:solidFill>
           <a:ln w="38100">
             <a:solidFill>
-              <a:schemeClr val="bg1"/>
+              <a:srgbClr val="2D2B2B"/>
             </a:solidFill>
           </a:ln>
         </p:spPr>
@@ -3770,11 +3839,11 @@
             </a:avLst>
           </a:prstGeom>
           <a:solidFill>
-            <a:schemeClr val="bg1"/>
+            <a:srgbClr val="2D2B2B"/>
           </a:solidFill>
           <a:ln w="38100">
             <a:solidFill>
-              <a:schemeClr val="bg1"/>
+              <a:srgbClr val="2D2B2B"/>
             </a:solidFill>
           </a:ln>
         </p:spPr>
@@ -3825,11 +3894,11 @@
             </a:avLst>
           </a:prstGeom>
           <a:solidFill>
-            <a:schemeClr val="bg1"/>
+            <a:srgbClr val="2D2B2B"/>
           </a:solidFill>
           <a:ln w="57150">
             <a:solidFill>
-              <a:schemeClr val="bg1"/>
+              <a:srgbClr val="2D2B2B"/>
             </a:solidFill>
           </a:ln>
         </p:spPr>
@@ -3880,11 +3949,11 @@
             </a:avLst>
           </a:prstGeom>
           <a:solidFill>
-            <a:schemeClr val="bg1"/>
+            <a:srgbClr val="2D2B2B"/>
           </a:solidFill>
           <a:ln w="57150">
             <a:solidFill>
-              <a:schemeClr val="bg1"/>
+              <a:srgbClr val="2D2B2B"/>
             </a:solidFill>
           </a:ln>
         </p:spPr>
@@ -3935,11 +4004,11 @@
             </a:avLst>
           </a:prstGeom>
           <a:solidFill>
-            <a:schemeClr val="bg1"/>
+            <a:srgbClr val="2C2A2A"/>
           </a:solidFill>
           <a:ln w="57150">
             <a:solidFill>
-              <a:schemeClr val="bg1"/>
+              <a:srgbClr val="2C2A2A"/>
             </a:solidFill>
           </a:ln>
         </p:spPr>
@@ -3987,11 +4056,11 @@
             <a:avLst/>
           </a:prstGeom>
           <a:solidFill>
-            <a:schemeClr val="bg1"/>
+            <a:srgbClr val="2C2A2A"/>
           </a:solidFill>
           <a:ln>
             <a:solidFill>
-              <a:schemeClr val="bg1"/>
+              <a:srgbClr val="2C2A2A"/>
             </a:solidFill>
           </a:ln>
         </p:spPr>
@@ -4041,11 +4110,11 @@
             <a:avLst/>
           </a:prstGeom>
           <a:solidFill>
-            <a:schemeClr val="bg1"/>
+            <a:srgbClr val="2C2A2A"/>
           </a:solidFill>
           <a:ln>
             <a:solidFill>
-              <a:schemeClr val="bg1"/>
+              <a:srgbClr val="2C2A2A"/>
             </a:solidFill>
           </a:ln>
         </p:spPr>
@@ -4095,11 +4164,11 @@
             <a:avLst/>
           </a:prstGeom>
           <a:solidFill>
-            <a:schemeClr val="bg1"/>
+            <a:srgbClr val="2C2A2A"/>
           </a:solidFill>
           <a:ln>
             <a:solidFill>
-              <a:schemeClr val="bg1"/>
+              <a:srgbClr val="2C2A2A"/>
             </a:solidFill>
           </a:ln>
         </p:spPr>
@@ -4149,11 +4218,11 @@
             <a:avLst/>
           </a:prstGeom>
           <a:solidFill>
-            <a:schemeClr val="bg1"/>
+            <a:srgbClr val="2C2A2A"/>
           </a:solidFill>
           <a:ln>
             <a:solidFill>
-              <a:schemeClr val="bg1"/>
+              <a:srgbClr val="2C2A2A"/>
             </a:solidFill>
           </a:ln>
         </p:spPr>
@@ -4203,11 +4272,11 @@
             <a:avLst/>
           </a:prstGeom>
           <a:solidFill>
-            <a:schemeClr val="bg1"/>
+            <a:srgbClr val="2C2A2A"/>
           </a:solidFill>
           <a:ln>
             <a:solidFill>
-              <a:schemeClr val="bg1"/>
+              <a:srgbClr val="2C2A2A"/>
             </a:solidFill>
           </a:ln>
         </p:spPr>
@@ -4257,11 +4326,11 @@
             <a:avLst/>
           </a:prstGeom>
           <a:solidFill>
-            <a:schemeClr val="bg1"/>
+            <a:srgbClr val="2C2A2A"/>
           </a:solidFill>
           <a:ln>
             <a:solidFill>
-              <a:schemeClr val="bg1"/>
+              <a:srgbClr val="2C2A2A"/>
             </a:solidFill>
           </a:ln>
         </p:spPr>
@@ -4314,7 +4383,7 @@
           </a:prstGeom>
           <a:ln w="44450">
             <a:solidFill>
-              <a:schemeClr val="bg1"/>
+              <a:srgbClr val="2C2A2A"/>
             </a:solidFill>
           </a:ln>
         </p:spPr>
@@ -4357,7 +4426,7 @@
           </a:prstGeom>
           <a:ln w="50800">
             <a:solidFill>
-              <a:schemeClr val="bg1"/>
+              <a:srgbClr val="2C2A2A"/>
             </a:solidFill>
           </a:ln>
         </p:spPr>
@@ -4399,9 +4468,12 @@
               <a:gd name="adj2" fmla="val 1906730"/>
             </a:avLst>
           </a:prstGeom>
+          <a:solidFill>
+            <a:srgbClr val="2C2A2A"/>
+          </a:solidFill>
           <a:ln w="57150">
             <a:solidFill>
-              <a:schemeClr val="bg1"/>
+              <a:srgbClr val="2C2A2A"/>
             </a:solidFill>
           </a:ln>
         </p:spPr>
@@ -4452,7 +4524,7 @@
           </a:prstGeom>
           <a:ln w="63500">
             <a:solidFill>
-              <a:schemeClr val="bg1"/>
+              <a:srgbClr val="2C2A2A"/>
             </a:solidFill>
           </a:ln>
         </p:spPr>
@@ -4495,7 +4567,7 @@
           </a:prstGeom>
           <a:ln w="50800">
             <a:solidFill>
-              <a:schemeClr val="bg1"/>
+              <a:srgbClr val="2C2A2A"/>
             </a:solidFill>
           </a:ln>
         </p:spPr>
@@ -4537,9 +4609,12 @@
               <a:gd name="adj2" fmla="val 1906730"/>
             </a:avLst>
           </a:prstGeom>
+          <a:solidFill>
+            <a:srgbClr val="2B2929"/>
+          </a:solidFill>
           <a:ln w="50800">
             <a:solidFill>
-              <a:schemeClr val="bg1"/>
+              <a:srgbClr val="2B2929"/>
             </a:solidFill>
           </a:ln>
         </p:spPr>
@@ -4590,7 +4665,7 @@
           </a:prstGeom>
           <a:ln w="76200">
             <a:solidFill>
-              <a:schemeClr val="bg1"/>
+              <a:srgbClr val="2B2929"/>
             </a:solidFill>
           </a:ln>
         </p:spPr>
@@ -4633,7 +4708,7 @@
           </a:prstGeom>
           <a:ln w="76200">
             <a:solidFill>
-              <a:schemeClr val="bg1"/>
+              <a:srgbClr val="2B2929"/>
             </a:solidFill>
           </a:ln>
         </p:spPr>
@@ -4676,7 +4751,7 @@
           </a:prstGeom>
           <a:ln w="76200">
             <a:solidFill>
-              <a:schemeClr val="bg1"/>
+              <a:srgbClr val="2B2929"/>
             </a:solidFill>
           </a:ln>
         </p:spPr>
@@ -4718,9 +4793,12 @@
               <a:gd name="adj2" fmla="val 19485612"/>
             </a:avLst>
           </a:prstGeom>
+          <a:solidFill>
+            <a:srgbClr val="2A2929"/>
+          </a:solidFill>
           <a:ln w="57150">
             <a:solidFill>
-              <a:schemeClr val="bg1"/>
+              <a:srgbClr val="2A2929"/>
             </a:solidFill>
           </a:ln>
         </p:spPr>
@@ -4771,7 +4849,7 @@
           </a:prstGeom>
           <a:ln w="57150">
             <a:solidFill>
-              <a:schemeClr val="bg1"/>
+              <a:srgbClr val="2B2929"/>
             </a:solidFill>
           </a:ln>
         </p:spPr>
@@ -4814,7 +4892,7 @@
           </a:prstGeom>
           <a:ln w="76200">
             <a:solidFill>
-              <a:schemeClr val="bg1"/>
+              <a:srgbClr val="2B2929"/>
             </a:solidFill>
           </a:ln>
         </p:spPr>
@@ -4857,7 +4935,7 @@
           </a:prstGeom>
           <a:ln w="76200">
             <a:solidFill>
-              <a:schemeClr val="bg1"/>
+              <a:srgbClr val="2A2828"/>
             </a:solidFill>
           </a:ln>
         </p:spPr>
@@ -4899,9 +4977,10 @@
               <a:gd name="adj2" fmla="val 4517427"/>
             </a:avLst>
           </a:prstGeom>
+          <a:noFill/>
           <a:ln w="76200">
             <a:solidFill>
-              <a:schemeClr val="bg1"/>
+              <a:srgbClr val="2A2828"/>
             </a:solidFill>
           </a:ln>
         </p:spPr>
@@ -4951,9 +5030,10 @@
               <a:gd name="adj2" fmla="val 1219243"/>
             </a:avLst>
           </a:prstGeom>
+          <a:noFill/>
           <a:ln w="57150">
             <a:solidFill>
-              <a:schemeClr val="bg1"/>
+              <a:srgbClr val="2A2828"/>
             </a:solidFill>
           </a:ln>
         </p:spPr>
@@ -5003,9 +5083,10 @@
               <a:gd name="adj2" fmla="val 905053"/>
             </a:avLst>
           </a:prstGeom>
+          <a:noFill/>
           <a:ln w="76200">
             <a:solidFill>
-              <a:schemeClr val="bg1"/>
+              <a:srgbClr val="292828"/>
             </a:solidFill>
           </a:ln>
         </p:spPr>
@@ -5055,9 +5136,10 @@
               <a:gd name="adj2" fmla="val 0"/>
             </a:avLst>
           </a:prstGeom>
+          <a:noFill/>
           <a:ln w="76200">
             <a:solidFill>
-              <a:schemeClr val="bg1"/>
+              <a:srgbClr val="292727"/>
             </a:solidFill>
           </a:ln>
         </p:spPr>
@@ -5109,7 +5191,7 @@
           </a:prstGeom>
           <a:ln w="76200">
             <a:solidFill>
-              <a:schemeClr val="bg1"/>
+              <a:srgbClr val="292727"/>
             </a:solidFill>
           </a:ln>
         </p:spPr>
@@ -5161,7 +5243,7 @@
           </a:prstGeom>
           <a:ln w="57150">
             <a:solidFill>
-              <a:schemeClr val="bg1"/>
+              <a:srgbClr val="292727"/>
             </a:solidFill>
           </a:ln>
         </p:spPr>
@@ -5213,7 +5295,7 @@
           </a:prstGeom>
           <a:ln w="57150">
             <a:solidFill>
-              <a:schemeClr val="bg1"/>
+              <a:srgbClr val="292727"/>
             </a:solidFill>
           </a:ln>
         </p:spPr>
@@ -5255,9 +5337,10 @@
               <a:gd name="adj2" fmla="val 348390"/>
             </a:avLst>
           </a:prstGeom>
+          <a:noFill/>
           <a:ln w="76200">
             <a:solidFill>
-              <a:schemeClr val="bg1"/>
+              <a:srgbClr val="292727"/>
             </a:solidFill>
           </a:ln>
         </p:spPr>
@@ -5309,7 +5392,7 @@
           </a:prstGeom>
           <a:ln w="76200">
             <a:solidFill>
-              <a:schemeClr val="bg1"/>
+              <a:srgbClr val="282727"/>
             </a:solidFill>
           </a:ln>
         </p:spPr>
@@ -5358,7 +5441,7 @@
           </a:prstGeom>
           <a:ln w="28575">
             <a:solidFill>
-              <a:schemeClr val="bg1"/>
+              <a:srgbClr val="282626"/>
             </a:solidFill>
           </a:ln>
         </p:spPr>
@@ -5401,7 +5484,7 @@
           </a:prstGeom>
           <a:ln w="76200">
             <a:solidFill>
-              <a:schemeClr val="bg1"/>
+              <a:srgbClr val="292727"/>
             </a:solidFill>
           </a:ln>
         </p:spPr>
@@ -5444,7 +5527,7 @@
           </a:prstGeom>
           <a:ln w="76200">
             <a:solidFill>
-              <a:schemeClr val="bg1"/>
+              <a:srgbClr val="292727"/>
             </a:solidFill>
           </a:ln>
         </p:spPr>
@@ -5487,7 +5570,7 @@
           </a:prstGeom>
           <a:ln w="88900">
             <a:solidFill>
-              <a:schemeClr val="bg1"/>
+              <a:srgbClr val="272525"/>
             </a:solidFill>
           </a:ln>
         </p:spPr>
@@ -5530,7 +5613,7 @@
           </a:prstGeom>
           <a:ln w="76200">
             <a:solidFill>
-              <a:schemeClr val="bg1"/>
+              <a:srgbClr val="292727"/>
             </a:solidFill>
           </a:ln>
         </p:spPr>
@@ -5572,9 +5655,10 @@
               <a:gd name="adj2" fmla="val 0"/>
             </a:avLst>
           </a:prstGeom>
+          <a:noFill/>
           <a:ln w="38100">
             <a:solidFill>
-              <a:schemeClr val="bg1"/>
+              <a:srgbClr val="282626"/>
             </a:solidFill>
           </a:ln>
         </p:spPr>
@@ -5626,7 +5710,7 @@
           </a:prstGeom>
           <a:ln w="57150">
             <a:solidFill>
-              <a:schemeClr val="bg1"/>
+              <a:srgbClr val="282626"/>
             </a:solidFill>
           </a:ln>
         </p:spPr>
@@ -5676,9 +5760,10 @@
               <a:gd name="adj2" fmla="val 2474161"/>
             </a:avLst>
           </a:prstGeom>
+          <a:noFill/>
           <a:ln w="76200">
             <a:solidFill>
-              <a:schemeClr val="bg1"/>
+              <a:srgbClr val="272626"/>
             </a:solidFill>
           </a:ln>
         </p:spPr>
@@ -5729,7 +5814,7 @@
           </a:prstGeom>
           <a:ln w="76200">
             <a:solidFill>
-              <a:schemeClr val="bg1"/>
+              <a:srgbClr val="272626"/>
             </a:solidFill>
           </a:ln>
         </p:spPr>
@@ -5770,7 +5855,7 @@
           </a:prstGeom>
           <a:ln w="76200">
             <a:solidFill>
-              <a:schemeClr val="bg1"/>
+              <a:srgbClr val="282626"/>
             </a:solidFill>
           </a:ln>
         </p:spPr>
@@ -5813,7 +5898,7 @@
           </a:prstGeom>
           <a:ln w="57150">
             <a:solidFill>
-              <a:schemeClr val="bg1"/>
+              <a:srgbClr val="272626"/>
             </a:solidFill>
           </a:ln>
         </p:spPr>
@@ -5856,7 +5941,7 @@
           </a:prstGeom>
           <a:ln w="57150">
             <a:solidFill>
-              <a:schemeClr val="bg1"/>
+              <a:srgbClr val="272525"/>
             </a:solidFill>
           </a:ln>
         </p:spPr>
@@ -5899,7 +5984,7 @@
           </a:prstGeom>
           <a:ln w="76200">
             <a:solidFill>
-              <a:schemeClr val="bg1"/>
+              <a:srgbClr val="272525"/>
             </a:solidFill>
           </a:ln>
         </p:spPr>
@@ -5943,7 +6028,7 @@
           </a:prstGeom>
           <a:ln w="76200">
             <a:solidFill>
-              <a:schemeClr val="bg1"/>
+              <a:srgbClr val="272525"/>
             </a:solidFill>
           </a:ln>
         </p:spPr>
@@ -5994,7 +6079,7 @@
           </a:prstGeom>
           <a:ln w="152400">
             <a:solidFill>
-              <a:schemeClr val="bg1"/>
+              <a:srgbClr val="262525"/>
             </a:solidFill>
           </a:ln>
         </p:spPr>
@@ -6037,7 +6122,7 @@
           </a:prstGeom>
           <a:ln w="82550">
             <a:solidFill>
-              <a:schemeClr val="bg1"/>
+              <a:srgbClr val="272525"/>
             </a:solidFill>
           </a:ln>
         </p:spPr>
@@ -6079,9 +6164,10 @@
               <a:gd name="adj2" fmla="val 4041046"/>
             </a:avLst>
           </a:prstGeom>
+          <a:noFill/>
           <a:ln w="57150">
             <a:solidFill>
-              <a:schemeClr val="bg1"/>
+              <a:srgbClr val="262525"/>
             </a:solidFill>
           </a:ln>
         </p:spPr>
@@ -6132,7 +6218,7 @@
           </a:prstGeom>
           <a:ln w="76200">
             <a:solidFill>
-              <a:schemeClr val="bg1"/>
+              <a:srgbClr val="262525"/>
             </a:solidFill>
           </a:ln>
         </p:spPr>
@@ -6176,7 +6262,7 @@
           </a:prstGeom>
           <a:ln w="76200">
             <a:solidFill>
-              <a:schemeClr val="bg1"/>
+              <a:srgbClr val="262424"/>
             </a:solidFill>
           </a:ln>
         </p:spPr>
@@ -6228,7 +6314,7 @@
           </a:prstGeom>
           <a:ln w="76200">
             <a:solidFill>
-              <a:schemeClr val="bg1"/>
+              <a:srgbClr val="262424"/>
             </a:solidFill>
           </a:ln>
         </p:spPr>
@@ -6279,7 +6365,7 @@
           </a:prstGeom>
           <a:ln w="76200">
             <a:solidFill>
-              <a:schemeClr val="bg1"/>
+              <a:srgbClr val="262424"/>
             </a:solidFill>
           </a:ln>
         </p:spPr>
@@ -6322,7 +6408,7 @@
           </a:prstGeom>
           <a:ln w="76200">
             <a:solidFill>
-              <a:schemeClr val="bg1"/>
+              <a:srgbClr val="272525"/>
             </a:solidFill>
           </a:ln>
         </p:spPr>
@@ -6366,7 +6452,7 @@
           </a:prstGeom>
           <a:ln w="38100">
             <a:solidFill>
-              <a:schemeClr val="bg1"/>
+              <a:srgbClr val="252323"/>
             </a:solidFill>
           </a:ln>
         </p:spPr>
@@ -6418,7 +6504,7 @@
           </a:prstGeom>
           <a:ln w="57150">
             <a:solidFill>
-              <a:schemeClr val="bg1"/>
+              <a:srgbClr val="252323"/>
             </a:solidFill>
           </a:ln>
         </p:spPr>
@@ -6470,7 +6556,7 @@
           </a:prstGeom>
           <a:ln w="76200">
             <a:solidFill>
-              <a:schemeClr val="bg1"/>
+              <a:srgbClr val="252323"/>
             </a:solidFill>
           </a:ln>
         </p:spPr>
@@ -6521,7 +6607,7 @@
           </a:prstGeom>
           <a:ln w="76200">
             <a:solidFill>
-              <a:schemeClr val="bg1"/>
+              <a:srgbClr val="252323"/>
             </a:solidFill>
           </a:ln>
         </p:spPr>
@@ -6562,7 +6648,7 @@
           </a:prstGeom>
           <a:ln w="44450">
             <a:solidFill>
-              <a:schemeClr val="bg1"/>
+              <a:srgbClr val="252424"/>
             </a:solidFill>
           </a:ln>
         </p:spPr>
@@ -6605,7 +6691,7 @@
           </a:prstGeom>
           <a:ln w="57150">
             <a:solidFill>
-              <a:schemeClr val="bg1"/>
+              <a:srgbClr val="252323"/>
             </a:solidFill>
           </a:ln>
         </p:spPr>
@@ -6648,7 +6734,7 @@
           </a:prstGeom>
           <a:ln w="76200">
             <a:solidFill>
-              <a:schemeClr val="bg1"/>
+              <a:srgbClr val="252323"/>
             </a:solidFill>
           </a:ln>
         </p:spPr>
@@ -6691,7 +6777,7 @@
           </a:prstGeom>
           <a:ln w="76200">
             <a:solidFill>
-              <a:schemeClr val="bg1"/>
+              <a:srgbClr val="242323"/>
             </a:solidFill>
           </a:ln>
         </p:spPr>
@@ -6734,7 +6820,7 @@
           </a:prstGeom>
           <a:ln w="76200">
             <a:solidFill>
-              <a:schemeClr val="bg1"/>
+              <a:srgbClr val="242323"/>
             </a:solidFill>
           </a:ln>
         </p:spPr>
@@ -6777,7 +6863,7 @@
           </a:prstGeom>
           <a:ln w="76200">
             <a:solidFill>
-              <a:schemeClr val="bg1"/>
+              <a:srgbClr val="242222"/>
             </a:solidFill>
           </a:ln>
         </p:spPr>
@@ -6820,7 +6906,7 @@
           </a:prstGeom>
           <a:ln w="76200">
             <a:solidFill>
-              <a:schemeClr val="bg1"/>
+              <a:srgbClr val="242222"/>
             </a:solidFill>
           </a:ln>
         </p:spPr>
@@ -6863,7 +6949,7 @@
           </a:prstGeom>
           <a:ln w="76200">
             <a:solidFill>
-              <a:schemeClr val="bg1"/>
+              <a:srgbClr val="242222"/>
             </a:solidFill>
           </a:ln>
         </p:spPr>
@@ -6906,7 +6992,7 @@
           </a:prstGeom>
           <a:ln w="76200">
             <a:solidFill>
-              <a:schemeClr val="bg1"/>
+              <a:srgbClr val="242222"/>
             </a:solidFill>
           </a:ln>
         </p:spPr>
@@ -6949,7 +7035,7 @@
           </a:prstGeom>
           <a:ln w="76200">
             <a:solidFill>
-              <a:schemeClr val="bg1"/>
+              <a:srgbClr val="232222"/>
             </a:solidFill>
           </a:ln>
         </p:spPr>
@@ -6992,7 +7078,7 @@
           </a:prstGeom>
           <a:ln w="82550">
             <a:solidFill>
-              <a:schemeClr val="bg1"/>
+              <a:srgbClr val="232121"/>
             </a:solidFill>
           </a:ln>
         </p:spPr>
@@ -7035,7 +7121,7 @@
           </a:prstGeom>
           <a:ln w="57150">
             <a:solidFill>
-              <a:schemeClr val="bg1"/>
+              <a:srgbClr val="232121"/>
             </a:solidFill>
           </a:ln>
         </p:spPr>
@@ -7078,7 +7164,7 @@
           </a:prstGeom>
           <a:ln w="76200">
             <a:solidFill>
-              <a:schemeClr val="bg1"/>
+              <a:srgbClr val="232121"/>
             </a:solidFill>
           </a:ln>
         </p:spPr>
@@ -7121,7 +7207,7 @@
           </a:prstGeom>
           <a:ln w="57150">
             <a:solidFill>
-              <a:schemeClr val="bg1"/>
+              <a:srgbClr val="222121"/>
             </a:solidFill>
           </a:ln>
         </p:spPr>
@@ -7165,7 +7251,7 @@
           </a:prstGeom>
           <a:ln w="76200">
             <a:solidFill>
-              <a:schemeClr val="bg1"/>
+              <a:srgbClr val="222020"/>
             </a:solidFill>
           </a:ln>
         </p:spPr>
@@ -7216,7 +7302,7 @@
           </a:prstGeom>
           <a:ln w="76200">
             <a:solidFill>
-              <a:schemeClr val="bg1"/>
+              <a:srgbClr val="222020"/>
             </a:solidFill>
           </a:ln>
         </p:spPr>
@@ -7259,7 +7345,7 @@
           </a:prstGeom>
           <a:ln w="76200">
             <a:solidFill>
-              <a:schemeClr val="bg1"/>
+              <a:srgbClr val="222121"/>
             </a:solidFill>
           </a:ln>
         </p:spPr>
@@ -7302,7 +7388,7 @@
           </a:prstGeom>
           <a:ln w="76200">
             <a:solidFill>
-              <a:schemeClr val="bg1"/>
+              <a:srgbClr val="212020"/>
             </a:solidFill>
           </a:ln>
         </p:spPr>
@@ -7345,7 +7431,7 @@
           </a:prstGeom>
           <a:ln w="57150">
             <a:solidFill>
-              <a:schemeClr val="bg1"/>
+              <a:srgbClr val="212020"/>
             </a:solidFill>
           </a:ln>
         </p:spPr>
@@ -7388,7 +7474,7 @@
           </a:prstGeom>
           <a:ln w="76200">
             <a:solidFill>
-              <a:schemeClr val="bg1"/>
+              <a:srgbClr val="212020"/>
             </a:solidFill>
           </a:ln>
         </p:spPr>
@@ -7431,7 +7517,7 @@
           </a:prstGeom>
           <a:ln w="76200">
             <a:solidFill>
-              <a:schemeClr val="bg1"/>
+              <a:srgbClr val="212020"/>
             </a:solidFill>
           </a:ln>
         </p:spPr>
@@ -7474,7 +7560,7 @@
           </a:prstGeom>
           <a:ln w="76200">
             <a:solidFill>
-              <a:schemeClr val="bg1"/>
+              <a:srgbClr val="212020"/>
             </a:solidFill>
           </a:ln>
         </p:spPr>
@@ -7517,7 +7603,7 @@
           </a:prstGeom>
           <a:ln w="76200">
             <a:solidFill>
-              <a:schemeClr val="bg1"/>
+              <a:srgbClr val="211F1F"/>
             </a:solidFill>
           </a:ln>
         </p:spPr>
@@ -7560,7 +7646,7 @@
           </a:prstGeom>
           <a:ln w="76200">
             <a:solidFill>
-              <a:schemeClr val="bg1"/>
+              <a:srgbClr val="212020"/>
             </a:solidFill>
           </a:ln>
         </p:spPr>
@@ -7603,7 +7689,7 @@
           </a:prstGeom>
           <a:ln w="79375">
             <a:solidFill>
-              <a:schemeClr val="bg1"/>
+              <a:srgbClr val="201F1F"/>
             </a:solidFill>
           </a:ln>
         </p:spPr>
@@ -7646,7 +7732,7 @@
           </a:prstGeom>
           <a:ln w="76200">
             <a:solidFill>
-              <a:schemeClr val="bg1"/>
+              <a:srgbClr val="201F1F"/>
             </a:solidFill>
           </a:ln>
         </p:spPr>
@@ -7689,7 +7775,7 @@
           </a:prstGeom>
           <a:ln w="76200">
             <a:solidFill>
-              <a:schemeClr val="bg1"/>
+              <a:srgbClr val="201F1F"/>
             </a:solidFill>
           </a:ln>
         </p:spPr>
@@ -7732,7 +7818,7 @@
           </a:prstGeom>
           <a:ln w="76200">
             <a:solidFill>
-              <a:schemeClr val="bg1"/>
+              <a:srgbClr val="201F1F"/>
             </a:solidFill>
           </a:ln>
         </p:spPr>
@@ -7775,7 +7861,7 @@
           </a:prstGeom>
           <a:ln w="76200">
             <a:solidFill>
-              <a:schemeClr val="bg1"/>
+              <a:srgbClr val="201F1F"/>
             </a:solidFill>
           </a:ln>
         </p:spPr>
@@ -7817,9 +7903,10 @@
               <a:gd name="adj2" fmla="val 0"/>
             </a:avLst>
           </a:prstGeom>
+          <a:noFill/>
           <a:ln w="38100">
             <a:solidFill>
-              <a:schemeClr val="bg1"/>
+              <a:srgbClr val="201E1E"/>
             </a:solidFill>
           </a:ln>
         </p:spPr>
@@ -7871,7 +7958,7 @@
           </a:prstGeom>
           <a:ln w="57150">
             <a:solidFill>
-              <a:schemeClr val="bg1"/>
+              <a:srgbClr val="201E1E"/>
             </a:solidFill>
           </a:ln>
         </p:spPr>
@@ -7923,7 +8010,7 @@
           </a:prstGeom>
           <a:ln w="76200">
             <a:solidFill>
-              <a:schemeClr val="bg1"/>
+              <a:srgbClr val="1F1E1E"/>
             </a:solidFill>
           </a:ln>
         </p:spPr>
@@ -7974,7 +8061,7 @@
           </a:prstGeom>
           <a:ln w="79375">
             <a:solidFill>
-              <a:schemeClr val="bg1"/>
+              <a:srgbClr val="201E1E"/>
             </a:solidFill>
           </a:ln>
         </p:spPr>
@@ -8017,7 +8104,7 @@
           </a:prstGeom>
           <a:ln w="76200">
             <a:solidFill>
-              <a:schemeClr val="bg1"/>
+              <a:srgbClr val="201E1E"/>
             </a:solidFill>
           </a:ln>
         </p:spPr>
@@ -8060,7 +8147,7 @@
           </a:prstGeom>
           <a:ln w="76200">
             <a:solidFill>
-              <a:schemeClr val="bg1"/>
+              <a:srgbClr val="1F1E1E"/>
             </a:solidFill>
           </a:ln>
         </p:spPr>
@@ -8103,7 +8190,7 @@
           </a:prstGeom>
           <a:ln w="76200">
             <a:solidFill>
-              <a:schemeClr val="bg1"/>
+              <a:srgbClr val="1F1E1E"/>
             </a:solidFill>
           </a:ln>
         </p:spPr>
@@ -8146,7 +8233,7 @@
           </a:prstGeom>
           <a:ln w="76200">
             <a:solidFill>
-              <a:schemeClr val="bg1"/>
+              <a:srgbClr val="1E1D1D"/>
             </a:solidFill>
           </a:ln>
         </p:spPr>
@@ -8189,7 +8276,7 @@
           </a:prstGeom>
           <a:ln w="76200">
             <a:solidFill>
-              <a:schemeClr val="bg1"/>
+              <a:srgbClr val="1F1E1E"/>
             </a:solidFill>
           </a:ln>
         </p:spPr>
@@ -8232,7 +8319,7 @@
           </a:prstGeom>
           <a:ln w="76200">
             <a:solidFill>
-              <a:schemeClr val="bg1"/>
+              <a:srgbClr val="1E1D1D"/>
             </a:solidFill>
           </a:ln>
         </p:spPr>
@@ -8275,7 +8362,7 @@
           </a:prstGeom>
           <a:ln w="79375">
             <a:solidFill>
-              <a:schemeClr val="bg1"/>
+              <a:srgbClr val="1E1D1D"/>
             </a:solidFill>
           </a:ln>
         </p:spPr>
@@ -8318,7 +8405,7 @@
           </a:prstGeom>
           <a:ln w="76200">
             <a:solidFill>
-              <a:schemeClr val="bg1"/>
+              <a:srgbClr val="1E1D1D"/>
             </a:solidFill>
           </a:ln>
         </p:spPr>
@@ -8361,7 +8448,7 @@
           </a:prstGeom>
           <a:ln w="76200">
             <a:solidFill>
-              <a:schemeClr val="bg1"/>
+              <a:srgbClr val="1E1D1D"/>
             </a:solidFill>
           </a:ln>
         </p:spPr>
@@ -8404,7 +8491,7 @@
           </a:prstGeom>
           <a:ln w="76200">
             <a:solidFill>
-              <a:schemeClr val="bg1"/>
+              <a:srgbClr val="1D1C1C"/>
             </a:solidFill>
           </a:ln>
         </p:spPr>
@@ -8447,7 +8534,7 @@
           </a:prstGeom>
           <a:ln w="76200">
             <a:solidFill>
-              <a:schemeClr val="bg1"/>
+              <a:srgbClr val="252323"/>
             </a:solidFill>
           </a:ln>
         </p:spPr>
@@ -8491,7 +8578,7 @@
           </a:prstGeom>
           <a:ln w="76200">
             <a:solidFill>
-              <a:schemeClr val="bg1"/>
+              <a:srgbClr val="242323"/>
             </a:solidFill>
           </a:ln>
         </p:spPr>
@@ -8542,7 +8629,7 @@
           </a:prstGeom>
           <a:ln w="76200">
             <a:solidFill>
-              <a:schemeClr val="bg1"/>
+              <a:srgbClr val="242323"/>
             </a:solidFill>
           </a:ln>
         </p:spPr>
@@ -8585,7 +8672,7 @@
           </a:prstGeom>
           <a:ln w="76200">
             <a:solidFill>
-              <a:schemeClr val="bg1"/>
+              <a:srgbClr val="232222"/>
             </a:solidFill>
           </a:ln>
         </p:spPr>
@@ -8628,7 +8715,7 @@
           </a:prstGeom>
           <a:ln w="76200">
             <a:solidFill>
-              <a:schemeClr val="bg1"/>
+              <a:srgbClr val="242222"/>
             </a:solidFill>
           </a:ln>
         </p:spPr>
@@ -8671,7 +8758,7 @@
           </a:prstGeom>
           <a:ln w="76200">
             <a:solidFill>
-              <a:schemeClr val="bg1"/>
+              <a:srgbClr val="242323"/>
             </a:solidFill>
           </a:ln>
         </p:spPr>
@@ -8714,7 +8801,7 @@
           </a:prstGeom>
           <a:ln w="76200">
             <a:solidFill>
-              <a:schemeClr val="bg1"/>
+              <a:srgbClr val="242323"/>
             </a:solidFill>
           </a:ln>
         </p:spPr>
@@ -8757,7 +8844,7 @@
           </a:prstGeom>
           <a:ln w="76200">
             <a:solidFill>
-              <a:schemeClr val="bg1"/>
+              <a:srgbClr val="232222"/>
             </a:solidFill>
           </a:ln>
         </p:spPr>
@@ -8800,7 +8887,7 @@
           </a:prstGeom>
           <a:ln w="76200">
             <a:solidFill>
-              <a:schemeClr val="bg1"/>
+              <a:srgbClr val="232121"/>
             </a:solidFill>
           </a:ln>
         </p:spPr>
@@ -8843,7 +8930,7 @@
           </a:prstGeom>
           <a:ln w="76200">
             <a:solidFill>
-              <a:schemeClr val="bg1"/>
+              <a:srgbClr val="232121"/>
             </a:solidFill>
           </a:ln>
         </p:spPr>
@@ -8886,7 +8973,7 @@
           </a:prstGeom>
           <a:ln w="76200">
             <a:solidFill>
-              <a:schemeClr val="bg1"/>
+              <a:srgbClr val="242222"/>
             </a:solidFill>
           </a:ln>
         </p:spPr>
@@ -8929,7 +9016,7 @@
           </a:prstGeom>
           <a:ln w="76200">
             <a:solidFill>
-              <a:schemeClr val="bg1"/>
+              <a:srgbClr val="232222"/>
             </a:solidFill>
           </a:ln>
         </p:spPr>
@@ -8972,7 +9059,7 @@
           </a:prstGeom>
           <a:ln w="76200">
             <a:solidFill>
-              <a:schemeClr val="bg1"/>
+              <a:srgbClr val="232222"/>
             </a:solidFill>
           </a:ln>
         </p:spPr>
@@ -9015,7 +9102,7 @@
           </a:prstGeom>
           <a:ln w="76200">
             <a:solidFill>
-              <a:schemeClr val="bg1"/>
+              <a:srgbClr val="232121"/>
             </a:solidFill>
           </a:ln>
         </p:spPr>
@@ -9058,7 +9145,7 @@
           </a:prstGeom>
           <a:ln w="76200">
             <a:solidFill>
-              <a:schemeClr val="bg1"/>
+              <a:srgbClr val="232121"/>
             </a:solidFill>
           </a:ln>
         </p:spPr>
@@ -9101,7 +9188,7 @@
           </a:prstGeom>
           <a:ln w="76200">
             <a:solidFill>
-              <a:schemeClr val="bg1"/>
+              <a:srgbClr val="222121"/>
             </a:solidFill>
           </a:ln>
         </p:spPr>
@@ -9144,7 +9231,7 @@
           </a:prstGeom>
           <a:ln w="76200">
             <a:solidFill>
-              <a:schemeClr val="bg1"/>
+              <a:srgbClr val="232121"/>
             </a:solidFill>
           </a:ln>
         </p:spPr>
@@ -9187,7 +9274,7 @@
           </a:prstGeom>
           <a:ln w="76200">
             <a:solidFill>
-              <a:schemeClr val="bg1"/>
+              <a:srgbClr val="222121"/>
             </a:solidFill>
           </a:ln>
         </p:spPr>
@@ -9230,7 +9317,7 @@
           </a:prstGeom>
           <a:ln w="76200">
             <a:solidFill>
-              <a:schemeClr val="bg1"/>
+              <a:srgbClr val="222121"/>
             </a:solidFill>
           </a:ln>
         </p:spPr>
@@ -9273,7 +9360,7 @@
           </a:prstGeom>
           <a:ln w="76200">
             <a:solidFill>
-              <a:schemeClr val="bg1"/>
+              <a:srgbClr val="222121"/>
             </a:solidFill>
           </a:ln>
         </p:spPr>
@@ -9316,7 +9403,7 @@
           </a:prstGeom>
           <a:ln w="76200">
             <a:solidFill>
-              <a:schemeClr val="bg1"/>
+              <a:srgbClr val="222121"/>
             </a:solidFill>
           </a:ln>
         </p:spPr>
@@ -9359,7 +9446,7 @@
           </a:prstGeom>
           <a:ln w="76200">
             <a:solidFill>
-              <a:schemeClr val="bg1"/>
+              <a:srgbClr val="222121"/>
             </a:solidFill>
           </a:ln>
         </p:spPr>
@@ -9402,7 +9489,7 @@
           </a:prstGeom>
           <a:ln w="76200">
             <a:solidFill>
-              <a:schemeClr val="bg1"/>
+              <a:srgbClr val="212020"/>
             </a:solidFill>
           </a:ln>
         </p:spPr>
@@ -9445,7 +9532,7 @@
           </a:prstGeom>
           <a:ln w="76200">
             <a:solidFill>
-              <a:schemeClr val="bg1"/>
+              <a:srgbClr val="212020"/>
             </a:solidFill>
           </a:ln>
         </p:spPr>
@@ -9488,7 +9575,7 @@
           </a:prstGeom>
           <a:ln w="82550">
             <a:solidFill>
-              <a:schemeClr val="bg1"/>
+              <a:srgbClr val="212020"/>
             </a:solidFill>
           </a:ln>
         </p:spPr>
@@ -9531,7 +9618,7 @@
           </a:prstGeom>
           <a:ln w="76200">
             <a:solidFill>
-              <a:schemeClr val="bg1"/>
+              <a:srgbClr val="212020"/>
             </a:solidFill>
           </a:ln>
         </p:spPr>
@@ -9574,7 +9661,7 @@
           </a:prstGeom>
           <a:ln w="76200">
             <a:solidFill>
-              <a:schemeClr val="bg1"/>
+              <a:srgbClr val="211F1F"/>
             </a:solidFill>
           </a:ln>
         </p:spPr>
@@ -9618,7 +9705,7 @@
           </a:prstGeom>
           <a:ln w="82550">
             <a:solidFill>
-              <a:schemeClr val="bg1"/>
+              <a:srgbClr val="201F1F"/>
             </a:solidFill>
           </a:ln>
         </p:spPr>
@@ -9669,7 +9756,7 @@
           </a:prstGeom>
           <a:ln w="76200">
             <a:solidFill>
-              <a:schemeClr val="bg1"/>
+              <a:srgbClr val="201F1F"/>
             </a:solidFill>
           </a:ln>
         </p:spPr>
@@ -9712,7 +9799,7 @@
           </a:prstGeom>
           <a:ln w="76200">
             <a:solidFill>
-              <a:schemeClr val="bg1"/>
+              <a:srgbClr val="222020"/>
             </a:solidFill>
           </a:ln>
         </p:spPr>
@@ -9755,7 +9842,7 @@
           </a:prstGeom>
           <a:ln w="76200">
             <a:solidFill>
-              <a:schemeClr val="bg1"/>
+              <a:srgbClr val="1F1E1E"/>
             </a:solidFill>
           </a:ln>
         </p:spPr>
@@ -9798,7 +9885,7 @@
           </a:prstGeom>
           <a:ln w="76200">
             <a:solidFill>
-              <a:schemeClr val="bg1"/>
+              <a:srgbClr val="201F1F"/>
             </a:solidFill>
           </a:ln>
         </p:spPr>
@@ -9841,7 +9928,7 @@
           </a:prstGeom>
           <a:ln w="76200">
             <a:solidFill>
-              <a:schemeClr val="bg1"/>
+              <a:srgbClr val="1F1E1E"/>
             </a:solidFill>
           </a:ln>
         </p:spPr>
@@ -9884,7 +9971,7 @@
           </a:prstGeom>
           <a:ln w="76200">
             <a:solidFill>
-              <a:schemeClr val="bg1"/>
+              <a:srgbClr val="1F1E1E"/>
             </a:solidFill>
           </a:ln>
         </p:spPr>
@@ -9927,7 +10014,7 @@
           </a:prstGeom>
           <a:ln w="76200">
             <a:solidFill>
-              <a:schemeClr val="bg1"/>
+              <a:srgbClr val="201F1F"/>
             </a:solidFill>
           </a:ln>
         </p:spPr>
@@ -9970,7 +10057,7 @@
           </a:prstGeom>
           <a:ln w="92075">
             <a:solidFill>
-              <a:schemeClr val="bg1"/>
+              <a:srgbClr val="252424"/>
             </a:solidFill>
           </a:ln>
         </p:spPr>
@@ -10013,7 +10100,7 @@
           </a:prstGeom>
           <a:ln w="92075">
             <a:solidFill>
-              <a:schemeClr val="bg1"/>
+              <a:srgbClr val="262424"/>
             </a:solidFill>
           </a:ln>
         </p:spPr>
@@ -10056,7 +10143,7 @@
           </a:prstGeom>
           <a:ln w="92075">
             <a:solidFill>
-              <a:schemeClr val="bg1"/>
+              <a:srgbClr val="252424"/>
             </a:solidFill>
           </a:ln>
         </p:spPr>
@@ -10099,7 +10186,7 @@
           </a:prstGeom>
           <a:ln w="92075">
             <a:solidFill>
-              <a:schemeClr val="bg1"/>
+              <a:srgbClr val="252424"/>
             </a:solidFill>
           </a:ln>
         </p:spPr>
@@ -10142,7 +10229,7 @@
           </a:prstGeom>
           <a:ln w="92075">
             <a:solidFill>
-              <a:schemeClr val="bg1"/>
+              <a:srgbClr val="252424"/>
             </a:solidFill>
           </a:ln>
         </p:spPr>
@@ -10185,7 +10272,7 @@
           </a:prstGeom>
           <a:ln w="92075">
             <a:solidFill>
-              <a:schemeClr val="bg1"/>
+              <a:srgbClr val="252424"/>
             </a:solidFill>
           </a:ln>
         </p:spPr>
@@ -10228,7 +10315,7 @@
           </a:prstGeom>
           <a:ln w="92075">
             <a:solidFill>
-              <a:schemeClr val="bg1"/>
+              <a:srgbClr val="252424"/>
             </a:solidFill>
           </a:ln>
         </p:spPr>
@@ -10271,7 +10358,7 @@
           </a:prstGeom>
           <a:ln w="92075">
             <a:solidFill>
-              <a:schemeClr val="bg1"/>
+              <a:srgbClr val="252424"/>
             </a:solidFill>
           </a:ln>
         </p:spPr>
@@ -10314,7 +10401,7 @@
           </a:prstGeom>
           <a:ln w="92075">
             <a:solidFill>
-              <a:schemeClr val="bg1"/>
+              <a:srgbClr val="252424"/>
             </a:solidFill>
           </a:ln>
         </p:spPr>
@@ -10357,7 +10444,7 @@
           </a:prstGeom>
           <a:ln w="92075">
             <a:solidFill>
-              <a:schemeClr val="bg1"/>
+              <a:srgbClr val="252323"/>
             </a:solidFill>
           </a:ln>
         </p:spPr>
@@ -10400,7 +10487,7 @@
           </a:prstGeom>
           <a:ln w="92075">
             <a:solidFill>
-              <a:schemeClr val="bg1"/>
+              <a:srgbClr val="252323"/>
             </a:solidFill>
           </a:ln>
         </p:spPr>
@@ -10443,7 +10530,7 @@
           </a:prstGeom>
           <a:ln w="92075">
             <a:solidFill>
-              <a:schemeClr val="bg1"/>
+              <a:srgbClr val="252323"/>
             </a:solidFill>
           </a:ln>
         </p:spPr>
@@ -10486,7 +10573,7 @@
           </a:prstGeom>
           <a:ln w="92075">
             <a:solidFill>
-              <a:schemeClr val="bg1"/>
+              <a:srgbClr val="242222"/>
             </a:solidFill>
           </a:ln>
         </p:spPr>
@@ -10529,7 +10616,7 @@
           </a:prstGeom>
           <a:ln w="92075">
             <a:solidFill>
-              <a:schemeClr val="bg1"/>
+              <a:srgbClr val="242222"/>
             </a:solidFill>
           </a:ln>
         </p:spPr>
@@ -10572,7 +10659,7 @@
           </a:prstGeom>
           <a:ln w="92075">
             <a:solidFill>
-              <a:schemeClr val="bg1"/>
+              <a:srgbClr val="232222"/>
             </a:solidFill>
           </a:ln>
         </p:spPr>
@@ -10615,7 +10702,7 @@
           </a:prstGeom>
           <a:ln w="92075">
             <a:solidFill>
-              <a:schemeClr val="bg1"/>
+              <a:srgbClr val="242222"/>
             </a:solidFill>
           </a:ln>
         </p:spPr>
@@ -10658,7 +10745,7 @@
           </a:prstGeom>
           <a:ln w="95250">
             <a:solidFill>
-              <a:schemeClr val="bg1"/>
+              <a:srgbClr val="232222"/>
             </a:solidFill>
           </a:ln>
         </p:spPr>
@@ -10701,7 +10788,7 @@
           </a:prstGeom>
           <a:ln w="92075">
             <a:solidFill>
-              <a:schemeClr val="bg1"/>
+              <a:srgbClr val="232222"/>
             </a:solidFill>
           </a:ln>
         </p:spPr>
@@ -10744,7 +10831,7 @@
           </a:prstGeom>
           <a:ln w="92075">
             <a:solidFill>
-              <a:schemeClr val="bg1"/>
+              <a:srgbClr val="232222"/>
             </a:solidFill>
           </a:ln>
         </p:spPr>
@@ -10787,7 +10874,7 @@
           </a:prstGeom>
           <a:ln w="92075">
             <a:solidFill>
-              <a:schemeClr val="bg1"/>
+              <a:srgbClr val="232121"/>
             </a:solidFill>
           </a:ln>
         </p:spPr>
@@ -10830,7 +10917,7 @@
           </a:prstGeom>
           <a:ln w="92075">
             <a:solidFill>
-              <a:schemeClr val="bg1"/>
+              <a:srgbClr val="232121"/>
             </a:solidFill>
           </a:ln>
         </p:spPr>
@@ -10873,7 +10960,7 @@
           </a:prstGeom>
           <a:ln w="92075">
             <a:solidFill>
-              <a:schemeClr val="bg1"/>
+              <a:srgbClr val="222121"/>
             </a:solidFill>
           </a:ln>
         </p:spPr>
@@ -10916,7 +11003,7 @@
           </a:prstGeom>
           <a:ln w="92075">
             <a:solidFill>
-              <a:schemeClr val="bg1"/>
+              <a:srgbClr val="222020"/>
             </a:solidFill>
           </a:ln>
         </p:spPr>
@@ -10959,7 +11046,7 @@
           </a:prstGeom>
           <a:ln w="92075">
             <a:solidFill>
-              <a:schemeClr val="bg1"/>
+              <a:srgbClr val="222121"/>
             </a:solidFill>
           </a:ln>
         </p:spPr>
@@ -11002,7 +11089,7 @@
           </a:prstGeom>
           <a:ln w="92075">
             <a:solidFill>
-              <a:schemeClr val="bg1"/>
+              <a:srgbClr val="212020"/>
             </a:solidFill>
           </a:ln>
         </p:spPr>
@@ -11035,7 +11122,7 @@
         </p:nvSpPr>
         <p:spPr>
           <a:xfrm rot="7719709">
-            <a:off x="5085618" y="4379141"/>
+            <a:off x="5076094" y="4379141"/>
             <a:ext cx="303548" cy="142609"/>
           </a:xfrm>
           <a:prstGeom prst="arc">
@@ -11046,7 +11133,7 @@
           </a:prstGeom>
           <a:ln w="76200">
             <a:solidFill>
-              <a:schemeClr val="bg1"/>
+              <a:srgbClr val="212020"/>
             </a:solidFill>
           </a:ln>
         </p:spPr>
@@ -11097,7 +11184,7 @@
           </a:prstGeom>
           <a:ln w="92075">
             <a:solidFill>
-              <a:schemeClr val="bg1"/>
+              <a:srgbClr val="212020"/>
             </a:solidFill>
           </a:ln>
         </p:spPr>
@@ -11132,15 +11219,15 @@
         </p:nvCxnSpPr>
         <p:spPr>
           <a:xfrm>
-            <a:off x="4986025" y="4236722"/>
-            <a:ext cx="158961" cy="2797"/>
+            <a:off x="4970548" y="4239519"/>
+            <a:ext cx="174438" cy="0"/>
           </a:xfrm>
           <a:prstGeom prst="line">
             <a:avLst/>
           </a:prstGeom>
           <a:ln w="92075">
             <a:solidFill>
-              <a:schemeClr val="bg1"/>
+              <a:srgbClr val="222121"/>
             </a:solidFill>
           </a:ln>
         </p:spPr>
@@ -11183,7 +11270,7 @@
           </a:prstGeom>
           <a:ln w="92075">
             <a:solidFill>
-              <a:schemeClr val="bg1"/>
+              <a:srgbClr val="212020"/>
             </a:solidFill>
           </a:ln>
         </p:spPr>
@@ -11226,7 +11313,7 @@
           </a:prstGeom>
           <a:ln w="92075">
             <a:solidFill>
-              <a:schemeClr val="bg1"/>
+              <a:srgbClr val="201F1F"/>
             </a:solidFill>
           </a:ln>
         </p:spPr>
@@ -11269,7 +11356,7 @@
           </a:prstGeom>
           <a:ln w="92075">
             <a:solidFill>
-              <a:schemeClr val="bg1"/>
+              <a:srgbClr val="201F1F"/>
             </a:solidFill>
           </a:ln>
         </p:spPr>
@@ -11312,7 +11399,7 @@
           </a:prstGeom>
           <a:ln w="92075">
             <a:solidFill>
-              <a:schemeClr val="bg1"/>
+              <a:srgbClr val="201F1F"/>
             </a:solidFill>
           </a:ln>
         </p:spPr>
@@ -11355,7 +11442,7 @@
           </a:prstGeom>
           <a:ln w="92075">
             <a:solidFill>
-              <a:schemeClr val="bg1"/>
+              <a:srgbClr val="201F1F"/>
             </a:solidFill>
           </a:ln>
         </p:spPr>
@@ -11398,7 +11485,7 @@
           </a:prstGeom>
           <a:ln w="123825">
             <a:solidFill>
-              <a:schemeClr val="bg1"/>
+              <a:srgbClr val="201F1F"/>
             </a:solidFill>
           </a:ln>
         </p:spPr>
@@ -11441,7 +11528,7 @@
           </a:prstGeom>
           <a:ln w="57150">
             <a:solidFill>
-              <a:schemeClr val="bg1"/>
+              <a:srgbClr val="201F1F"/>
             </a:solidFill>
           </a:ln>
         </p:spPr>
@@ -11484,7 +11571,7 @@
           </a:prstGeom>
           <a:ln w="95250">
             <a:solidFill>
-              <a:schemeClr val="bg1"/>
+              <a:srgbClr val="1F1E1E"/>
             </a:solidFill>
           </a:ln>
         </p:spPr>
@@ -11527,7 +11614,7 @@
           </a:prstGeom>
           <a:ln w="92075">
             <a:solidFill>
-              <a:schemeClr val="bg1"/>
+              <a:srgbClr val="1F1E1E"/>
             </a:solidFill>
           </a:ln>
         </p:spPr>
@@ -11570,7 +11657,7 @@
           </a:prstGeom>
           <a:ln w="92075">
             <a:solidFill>
-              <a:schemeClr val="bg1"/>
+              <a:srgbClr val="1E1D1D"/>
             </a:solidFill>
           </a:ln>
         </p:spPr>
@@ -11613,7 +11700,7 @@
           </a:prstGeom>
           <a:ln w="92075">
             <a:solidFill>
-              <a:schemeClr val="bg1"/>
+              <a:srgbClr val="1E1D1D"/>
             </a:solidFill>
           </a:ln>
         </p:spPr>
@@ -11656,7 +11743,7 @@
           </a:prstGeom>
           <a:ln w="92075">
             <a:solidFill>
-              <a:schemeClr val="bg1"/>
+              <a:srgbClr val="1E1D1D"/>
             </a:solidFill>
           </a:ln>
         </p:spPr>
@@ -11691,7 +11778,7 @@
         </p:nvCxnSpPr>
         <p:spPr>
           <a:xfrm>
-            <a:off x="6751631" y="4361726"/>
+            <a:off x="6751631" y="4354583"/>
             <a:ext cx="130614" cy="24272"/>
           </a:xfrm>
           <a:prstGeom prst="line">
@@ -11699,7 +11786,7 @@
           </a:prstGeom>
           <a:ln w="92075">
             <a:solidFill>
-              <a:schemeClr val="bg1"/>
+              <a:srgbClr val="1E1D1D"/>
             </a:solidFill>
           </a:ln>
         </p:spPr>
@@ -11742,7 +11829,7 @@
           </a:prstGeom>
           <a:ln w="92075">
             <a:solidFill>
-              <a:schemeClr val="bg1"/>
+              <a:srgbClr val="1E1D1D"/>
             </a:solidFill>
           </a:ln>
         </p:spPr>
@@ -11785,7 +11872,7 @@
           </a:prstGeom>
           <a:ln w="92075">
             <a:solidFill>
-              <a:schemeClr val="bg1"/>
+              <a:srgbClr val="1E1D1D"/>
             </a:solidFill>
           </a:ln>
         </p:spPr>
@@ -11828,7 +11915,7 @@
           </a:prstGeom>
           <a:ln w="92075">
             <a:solidFill>
-              <a:schemeClr val="bg1"/>
+              <a:srgbClr val="1D1C1C"/>
             </a:solidFill>
           </a:ln>
         </p:spPr>
@@ -11871,7 +11958,7 @@
           </a:prstGeom>
           <a:ln w="92075">
             <a:solidFill>
-              <a:schemeClr val="bg1"/>
+              <a:srgbClr val="1D1C1C"/>
             </a:solidFill>
           </a:ln>
         </p:spPr>
@@ -11914,7 +12001,7 @@
           </a:prstGeom>
           <a:ln w="92075">
             <a:solidFill>
-              <a:schemeClr val="bg1"/>
+              <a:srgbClr val="1D1C1C"/>
             </a:solidFill>
           </a:ln>
         </p:spPr>
@@ -11957,7 +12044,7 @@
           </a:prstGeom>
           <a:ln w="92075">
             <a:solidFill>
-              <a:schemeClr val="bg1"/>
+              <a:srgbClr val="1D1C1C"/>
             </a:solidFill>
           </a:ln>
         </p:spPr>
@@ -12000,7 +12087,7 @@
           </a:prstGeom>
           <a:ln w="92075">
             <a:solidFill>
-              <a:schemeClr val="bg1"/>
+              <a:srgbClr val="1D1C1C"/>
             </a:solidFill>
           </a:ln>
         </p:spPr>
@@ -12044,7 +12131,7 @@
           </a:prstGeom>
           <a:ln w="76200">
             <a:solidFill>
-              <a:schemeClr val="bg1"/>
+              <a:srgbClr val="1C1B1B"/>
             </a:solidFill>
           </a:ln>
         </p:spPr>
@@ -12095,7 +12182,7 @@
           </a:prstGeom>
           <a:ln w="92075">
             <a:solidFill>
-              <a:schemeClr val="bg1"/>
+              <a:srgbClr val="1C1B1B"/>
             </a:solidFill>
           </a:ln>
         </p:spPr>
@@ -12138,7 +12225,7 @@
           </a:prstGeom>
           <a:ln w="92075">
             <a:solidFill>
-              <a:schemeClr val="bg1"/>
+              <a:srgbClr val="1C1B1B"/>
             </a:solidFill>
           </a:ln>
         </p:spPr>
@@ -12181,7 +12268,7 @@
           </a:prstGeom>
           <a:ln w="92075">
             <a:solidFill>
-              <a:schemeClr val="bg1"/>
+              <a:srgbClr val="1C1B1B"/>
             </a:solidFill>
           </a:ln>
         </p:spPr>
@@ -12224,7 +12311,7 @@
           </a:prstGeom>
           <a:ln w="92075">
             <a:solidFill>
-              <a:schemeClr val="bg1"/>
+              <a:srgbClr val="1C1B1B"/>
             </a:solidFill>
           </a:ln>
         </p:spPr>
@@ -12267,7 +12354,7 @@
           </a:prstGeom>
           <a:ln w="92075">
             <a:solidFill>
-              <a:schemeClr val="bg1"/>
+              <a:srgbClr val="1C1B1B"/>
             </a:solidFill>
           </a:ln>
         </p:spPr>
@@ -12310,7 +12397,7 @@
           </a:prstGeom>
           <a:ln w="92075">
             <a:solidFill>
-              <a:schemeClr val="bg1"/>
+              <a:srgbClr val="1B1A1A"/>
             </a:solidFill>
           </a:ln>
         </p:spPr>
@@ -12353,7 +12440,7 @@
           </a:prstGeom>
           <a:ln w="92075">
             <a:solidFill>
-              <a:schemeClr val="bg1"/>
+              <a:srgbClr val="1B1A1A"/>
             </a:solidFill>
           </a:ln>
         </p:spPr>
@@ -12396,7 +12483,7 @@
           </a:prstGeom>
           <a:ln w="92075">
             <a:solidFill>
-              <a:schemeClr val="bg1"/>
+              <a:srgbClr val="1B1A1A"/>
             </a:solidFill>
           </a:ln>
         </p:spPr>
@@ -12439,7 +12526,7 @@
           </a:prstGeom>
           <a:ln w="92075">
             <a:solidFill>
-              <a:schemeClr val="bg1"/>
+              <a:srgbClr val="1B1A1A"/>
             </a:solidFill>
           </a:ln>
         </p:spPr>
@@ -12474,15 +12561,15 @@
         </p:nvCxnSpPr>
         <p:spPr>
           <a:xfrm flipV="1">
-            <a:off x="8417260" y="4189633"/>
-            <a:ext cx="209528" cy="216738"/>
+            <a:off x="8417260" y="4143375"/>
+            <a:ext cx="212105" cy="262996"/>
           </a:xfrm>
           <a:prstGeom prst="line">
             <a:avLst/>
           </a:prstGeom>
           <a:ln w="92075">
             <a:solidFill>
-              <a:schemeClr val="bg1"/>
+              <a:srgbClr val="1B1A1A"/>
             </a:solidFill>
           </a:ln>
         </p:spPr>
@@ -12525,7 +12612,7 @@
           </a:prstGeom>
           <a:ln w="92075">
             <a:solidFill>
-              <a:schemeClr val="bg1"/>
+              <a:srgbClr val="1A1919"/>
             </a:solidFill>
           </a:ln>
         </p:spPr>
@@ -12560,7 +12647,7 @@
         </p:nvCxnSpPr>
         <p:spPr>
           <a:xfrm flipV="1">
-            <a:off x="8424100" y="4306266"/>
+            <a:off x="8424100" y="4301504"/>
             <a:ext cx="396175" cy="277250"/>
           </a:xfrm>
           <a:prstGeom prst="line">
@@ -12568,7 +12655,7 @@
           </a:prstGeom>
           <a:ln w="92075">
             <a:solidFill>
-              <a:schemeClr val="bg1"/>
+              <a:srgbClr val="1A1A1A"/>
             </a:solidFill>
           </a:ln>
         </p:spPr>
@@ -12611,7 +12698,7 @@
           </a:prstGeom>
           <a:ln w="92075">
             <a:solidFill>
-              <a:schemeClr val="bg1"/>
+              <a:srgbClr val="1A1919"/>
             </a:solidFill>
           </a:ln>
         </p:spPr>
@@ -12654,7 +12741,7 @@
           </a:prstGeom>
           <a:ln w="92075">
             <a:solidFill>
-              <a:schemeClr val="bg1"/>
+              <a:srgbClr val="1A1919"/>
             </a:solidFill>
           </a:ln>
         </p:spPr>
@@ -12697,7 +12784,7 @@
           </a:prstGeom>
           <a:ln w="92075">
             <a:solidFill>
-              <a:schemeClr val="bg1"/>
+              <a:srgbClr val="1A1919"/>
             </a:solidFill>
           </a:ln>
         </p:spPr>
@@ -12740,7 +12827,7 @@
           </a:prstGeom>
           <a:ln w="92075">
             <a:solidFill>
-              <a:schemeClr val="bg1"/>
+              <a:srgbClr val="1A1919"/>
             </a:solidFill>
           </a:ln>
         </p:spPr>
@@ -12783,7 +12870,7 @@
           </a:prstGeom>
           <a:ln w="92075">
             <a:solidFill>
-              <a:schemeClr val="bg1"/>
+              <a:srgbClr val="191818"/>
             </a:solidFill>
           </a:ln>
         </p:spPr>
@@ -12826,7 +12913,7 @@
           </a:prstGeom>
           <a:ln w="76200">
             <a:solidFill>
-              <a:schemeClr val="bg1"/>
+              <a:srgbClr val="2A2828"/>
             </a:solidFill>
           </a:ln>
         </p:spPr>
@@ -12869,7 +12956,7 @@
           </a:prstGeom>
           <a:ln w="76200">
             <a:solidFill>
-              <a:schemeClr val="bg1"/>
+              <a:srgbClr val="2A2929"/>
             </a:solidFill>
           </a:ln>
         </p:spPr>
@@ -12912,7 +12999,7 @@
           </a:prstGeom>
           <a:ln w="76200">
             <a:solidFill>
-              <a:schemeClr val="bg1"/>
+              <a:srgbClr val="2A2828"/>
             </a:solidFill>
           </a:ln>
         </p:spPr>
@@ -12955,7 +13042,7 @@
           </a:prstGeom>
           <a:ln w="76200">
             <a:solidFill>
-              <a:schemeClr val="bg1"/>
+              <a:srgbClr val="2A2828"/>
             </a:solidFill>
           </a:ln>
         </p:spPr>
@@ -12998,7 +13085,7 @@
           </a:prstGeom>
           <a:ln w="76200">
             <a:solidFill>
-              <a:schemeClr val="bg1"/>
+              <a:srgbClr val="2A2828"/>
             </a:solidFill>
           </a:ln>
         </p:spPr>
@@ -13042,7 +13129,7 @@
           </a:prstGeom>
           <a:ln w="76200">
             <a:solidFill>
-              <a:schemeClr val="bg1"/>
+              <a:srgbClr val="2A2828"/>
             </a:solidFill>
           </a:ln>
         </p:spPr>
@@ -13093,7 +13180,7 @@
           </a:prstGeom>
           <a:ln w="76200">
             <a:solidFill>
-              <a:schemeClr val="bg1"/>
+              <a:srgbClr val="2A2828"/>
             </a:solidFill>
           </a:ln>
         </p:spPr>
@@ -13136,7 +13223,7 @@
           </a:prstGeom>
           <a:ln w="76200">
             <a:solidFill>
-              <a:schemeClr val="bg1"/>
+              <a:srgbClr val="2A2828"/>
             </a:solidFill>
           </a:ln>
         </p:spPr>
@@ -13179,7 +13266,7 @@
           </a:prstGeom>
           <a:ln w="76200">
             <a:solidFill>
-              <a:schemeClr val="bg1"/>
+              <a:srgbClr val="2A2828"/>
             </a:solidFill>
           </a:ln>
         </p:spPr>
@@ -13222,7 +13309,7 @@
           </a:prstGeom>
           <a:ln w="76200">
             <a:solidFill>
-              <a:schemeClr val="bg1"/>
+              <a:srgbClr val="292727"/>
             </a:solidFill>
           </a:ln>
         </p:spPr>
@@ -13265,7 +13352,7 @@
           </a:prstGeom>
           <a:ln w="76200">
             <a:solidFill>
-              <a:schemeClr val="bg1"/>
+              <a:srgbClr val="292727"/>
             </a:solidFill>
           </a:ln>
         </p:spPr>
@@ -13308,7 +13395,7 @@
           </a:prstGeom>
           <a:ln w="76200">
             <a:solidFill>
-              <a:schemeClr val="bg1"/>
+              <a:srgbClr val="292727"/>
             </a:solidFill>
           </a:ln>
         </p:spPr>
@@ -13351,7 +13438,7 @@
           </a:prstGeom>
           <a:ln w="76200">
             <a:solidFill>
-              <a:schemeClr val="bg1"/>
+              <a:srgbClr val="282727"/>
             </a:solidFill>
           </a:ln>
         </p:spPr>
@@ -13394,7 +13481,7 @@
           </a:prstGeom>
           <a:ln w="76200">
             <a:solidFill>
-              <a:schemeClr val="bg1"/>
+              <a:srgbClr val="292727"/>
             </a:solidFill>
           </a:ln>
         </p:spPr>
@@ -13437,7 +13524,7 @@
           </a:prstGeom>
           <a:ln w="76200">
             <a:solidFill>
-              <a:schemeClr val="bg1"/>
+              <a:srgbClr val="282626"/>
             </a:solidFill>
           </a:ln>
         </p:spPr>
@@ -13480,7 +13567,7 @@
           </a:prstGeom>
           <a:ln w="76200">
             <a:solidFill>
-              <a:schemeClr val="bg1"/>
+              <a:srgbClr val="282727"/>
             </a:solidFill>
           </a:ln>
         </p:spPr>
@@ -13523,7 +13610,7 @@
           </a:prstGeom>
           <a:ln w="76200">
             <a:solidFill>
-              <a:schemeClr val="bg1"/>
+              <a:srgbClr val="282626"/>
             </a:solidFill>
           </a:ln>
         </p:spPr>
@@ -13566,7 +13653,7 @@
           </a:prstGeom>
           <a:ln w="76200">
             <a:solidFill>
-              <a:schemeClr val="bg1"/>
+              <a:srgbClr val="282626"/>
             </a:solidFill>
           </a:ln>
         </p:spPr>
@@ -13609,7 +13696,7 @@
           </a:prstGeom>
           <a:ln w="76200">
             <a:solidFill>
-              <a:schemeClr val="bg1"/>
+              <a:srgbClr val="282626"/>
             </a:solidFill>
           </a:ln>
         </p:spPr>
@@ -13652,7 +13739,7 @@
           </a:prstGeom>
           <a:ln w="76200">
             <a:solidFill>
-              <a:schemeClr val="bg1"/>
+              <a:srgbClr val="272626"/>
             </a:solidFill>
           </a:ln>
         </p:spPr>
@@ -13695,7 +13782,7 @@
           </a:prstGeom>
           <a:ln w="76200">
             <a:solidFill>
-              <a:schemeClr val="bg1"/>
+              <a:srgbClr val="272626"/>
             </a:solidFill>
           </a:ln>
         </p:spPr>
@@ -13738,7 +13825,7 @@
           </a:prstGeom>
           <a:ln w="76200">
             <a:solidFill>
-              <a:schemeClr val="bg1"/>
+              <a:srgbClr val="272525"/>
             </a:solidFill>
           </a:ln>
         </p:spPr>
@@ -13781,7 +13868,7 @@
           </a:prstGeom>
           <a:ln w="76200">
             <a:solidFill>
-              <a:schemeClr val="bg1"/>
+              <a:srgbClr val="272525"/>
             </a:solidFill>
           </a:ln>
         </p:spPr>
@@ -13824,7 +13911,7 @@
           </a:prstGeom>
           <a:ln w="76200">
             <a:solidFill>
-              <a:schemeClr val="bg1"/>
+              <a:srgbClr val="272626"/>
             </a:solidFill>
           </a:ln>
         </p:spPr>
@@ -13867,7 +13954,7 @@
           </a:prstGeom>
           <a:ln w="76200">
             <a:solidFill>
-              <a:schemeClr val="bg1"/>
+              <a:srgbClr val="272525"/>
             </a:solidFill>
           </a:ln>
         </p:spPr>
@@ -13910,7 +13997,7 @@
           </a:prstGeom>
           <a:ln w="76200">
             <a:solidFill>
-              <a:schemeClr val="bg1"/>
+              <a:srgbClr val="272525"/>
             </a:solidFill>
           </a:ln>
         </p:spPr>
@@ -13953,7 +14040,7 @@
           </a:prstGeom>
           <a:ln w="76200">
             <a:solidFill>
-              <a:schemeClr val="bg1"/>
+              <a:srgbClr val="272525"/>
             </a:solidFill>
           </a:ln>
         </p:spPr>
@@ -13996,7 +14083,7 @@
           </a:prstGeom>
           <a:ln w="76200">
             <a:solidFill>
-              <a:schemeClr val="bg1"/>
+              <a:srgbClr val="272525"/>
             </a:solidFill>
           </a:ln>
         </p:spPr>
@@ -14039,7 +14126,7 @@
           </a:prstGeom>
           <a:ln w="76200">
             <a:solidFill>
-              <a:schemeClr val="bg1"/>
+              <a:srgbClr val="272525"/>
             </a:solidFill>
           </a:ln>
         </p:spPr>
@@ -14082,7 +14169,7 @@
           </a:prstGeom>
           <a:ln w="76200">
             <a:solidFill>
-              <a:schemeClr val="bg1"/>
+              <a:srgbClr val="262525"/>
             </a:solidFill>
           </a:ln>
         </p:spPr>
@@ -14125,7 +14212,7 @@
           </a:prstGeom>
           <a:ln w="76200">
             <a:solidFill>
-              <a:schemeClr val="bg1"/>
+              <a:srgbClr val="262424"/>
             </a:solidFill>
           </a:ln>
         </p:spPr>
@@ -14168,7 +14255,7 @@
           </a:prstGeom>
           <a:ln w="76200">
             <a:solidFill>
-              <a:schemeClr val="bg1"/>
+              <a:srgbClr val="262525"/>
             </a:solidFill>
           </a:ln>
         </p:spPr>
@@ -14211,7 +14298,7 @@
           </a:prstGeom>
           <a:ln w="76200">
             <a:solidFill>
-              <a:schemeClr val="bg1"/>
+              <a:srgbClr val="262525"/>
             </a:solidFill>
           </a:ln>
         </p:spPr>
@@ -14254,7 +14341,7 @@
           </a:prstGeom>
           <a:ln w="76200">
             <a:solidFill>
-              <a:schemeClr val="bg1"/>
+              <a:srgbClr val="262525"/>
             </a:solidFill>
           </a:ln>
         </p:spPr>
@@ -14297,7 +14384,7 @@
           </a:prstGeom>
           <a:ln w="76200">
             <a:solidFill>
-              <a:schemeClr val="bg1"/>
+              <a:srgbClr val="252424"/>
             </a:solidFill>
           </a:ln>
         </p:spPr>
@@ -14340,7 +14427,7 @@
           </a:prstGeom>
           <a:ln w="76200">
             <a:solidFill>
-              <a:schemeClr val="bg1"/>
+              <a:srgbClr val="252424"/>
             </a:solidFill>
           </a:ln>
         </p:spPr>
@@ -14383,7 +14470,7 @@
           </a:prstGeom>
           <a:ln w="92075">
             <a:solidFill>
-              <a:schemeClr val="bg1"/>
+              <a:srgbClr val="1F1E1E"/>
             </a:solidFill>
           </a:ln>
         </p:spPr>
@@ -14426,7 +14513,7 @@
           </a:prstGeom>
           <a:ln w="76200">
             <a:solidFill>
-              <a:schemeClr val="bg1"/>
+              <a:srgbClr val="1F1E1E"/>
             </a:solidFill>
           </a:ln>
         </p:spPr>
@@ -14469,7 +14556,7 @@
           </a:prstGeom>
           <a:ln w="76200">
             <a:solidFill>
-              <a:schemeClr val="bg1"/>
+              <a:srgbClr val="1F1E1E"/>
             </a:solidFill>
           </a:ln>
         </p:spPr>
@@ -14512,7 +14599,7 @@
           </a:prstGeom>
           <a:ln w="76200">
             <a:solidFill>
-              <a:schemeClr val="bg1"/>
+              <a:srgbClr val="1E1D1D"/>
             </a:solidFill>
           </a:ln>
         </p:spPr>
@@ -14555,7 +14642,7 @@
           </a:prstGeom>
           <a:ln w="76200">
             <a:solidFill>
-              <a:schemeClr val="bg1"/>
+              <a:srgbClr val="1E1D1D"/>
             </a:solidFill>
           </a:ln>
         </p:spPr>
@@ -14598,7 +14685,7 @@
           </a:prstGeom>
           <a:ln w="76200">
             <a:solidFill>
-              <a:schemeClr val="bg1"/>
+              <a:srgbClr val="1E1D1D"/>
             </a:solidFill>
           </a:ln>
         </p:spPr>
@@ -14641,7 +14728,7 @@
           </a:prstGeom>
           <a:ln w="76200">
             <a:solidFill>
-              <a:schemeClr val="bg1"/>
+              <a:srgbClr val="1E1D1D"/>
             </a:solidFill>
           </a:ln>
         </p:spPr>
@@ -14684,7 +14771,7 @@
           </a:prstGeom>
           <a:ln w="76200">
             <a:solidFill>
-              <a:schemeClr val="bg1"/>
+              <a:srgbClr val="1E1D1D"/>
             </a:solidFill>
           </a:ln>
         </p:spPr>
@@ -14727,7 +14814,7 @@
           </a:prstGeom>
           <a:ln w="76200">
             <a:solidFill>
-              <a:schemeClr val="bg1"/>
+              <a:srgbClr val="1E1D1D"/>
             </a:solidFill>
           </a:ln>
         </p:spPr>
@@ -14770,7 +14857,7 @@
           </a:prstGeom>
           <a:ln w="85725">
             <a:solidFill>
-              <a:schemeClr val="bg1"/>
+              <a:srgbClr val="1D1C1C"/>
             </a:solidFill>
           </a:ln>
         </p:spPr>
@@ -14813,7 +14900,7 @@
           </a:prstGeom>
           <a:ln w="76200">
             <a:solidFill>
-              <a:schemeClr val="bg1"/>
+              <a:srgbClr val="1D1C1C"/>
             </a:solidFill>
           </a:ln>
         </p:spPr>
@@ -14856,7 +14943,7 @@
           </a:prstGeom>
           <a:ln w="76200">
             <a:solidFill>
-              <a:schemeClr val="bg1"/>
+              <a:srgbClr val="1D1C1C"/>
             </a:solidFill>
           </a:ln>
         </p:spPr>
@@ -14899,7 +14986,7 @@
           </a:prstGeom>
           <a:ln w="76200">
             <a:solidFill>
-              <a:schemeClr val="bg1"/>
+              <a:srgbClr val="1D1C1C"/>
             </a:solidFill>
           </a:ln>
         </p:spPr>
@@ -14942,7 +15029,7 @@
           </a:prstGeom>
           <a:ln w="76200">
             <a:solidFill>
-              <a:schemeClr val="bg1"/>
+              <a:srgbClr val="1D1C1C"/>
             </a:solidFill>
           </a:ln>
         </p:spPr>
@@ -14985,7 +15072,7 @@
           </a:prstGeom>
           <a:ln w="76200">
             <a:solidFill>
-              <a:schemeClr val="bg1"/>
+              <a:srgbClr val="1D1C1C"/>
             </a:solidFill>
           </a:ln>
         </p:spPr>
@@ -15028,7 +15115,7 @@
           </a:prstGeom>
           <a:ln w="76200">
             <a:solidFill>
-              <a:schemeClr val="bg1"/>
+              <a:srgbClr val="1D1C1C"/>
             </a:solidFill>
           </a:ln>
         </p:spPr>
@@ -15071,7 +15158,7 @@
           </a:prstGeom>
           <a:ln w="76200">
             <a:solidFill>
-              <a:schemeClr val="bg1"/>
+              <a:srgbClr val="1C1B1B"/>
             </a:solidFill>
           </a:ln>
         </p:spPr>
@@ -15114,7 +15201,7 @@
           </a:prstGeom>
           <a:ln w="76200">
             <a:solidFill>
-              <a:schemeClr val="bg1"/>
+              <a:srgbClr val="1D1C1C"/>
             </a:solidFill>
           </a:ln>
         </p:spPr>
@@ -15157,7 +15244,7 @@
           </a:prstGeom>
           <a:ln w="76200">
             <a:solidFill>
-              <a:schemeClr val="bg1"/>
+              <a:srgbClr val="1C1B1B"/>
             </a:solidFill>
           </a:ln>
         </p:spPr>
@@ -15200,7 +15287,7 @@
           </a:prstGeom>
           <a:ln w="76200">
             <a:solidFill>
-              <a:schemeClr val="bg1"/>
+              <a:srgbClr val="1C1B1B"/>
             </a:solidFill>
           </a:ln>
         </p:spPr>
@@ -15243,7 +15330,7 @@
           </a:prstGeom>
           <a:ln w="76200">
             <a:solidFill>
-              <a:schemeClr val="bg1"/>
+              <a:srgbClr val="1C1B1B"/>
             </a:solidFill>
           </a:ln>
         </p:spPr>
@@ -15286,7 +15373,7 @@
           </a:prstGeom>
           <a:ln w="76200">
             <a:solidFill>
-              <a:schemeClr val="bg1"/>
+              <a:srgbClr val="1B1A1A"/>
             </a:solidFill>
           </a:ln>
         </p:spPr>
@@ -15329,7 +15416,7 @@
           </a:prstGeom>
           <a:ln w="76200">
             <a:solidFill>
-              <a:schemeClr val="bg1"/>
+              <a:srgbClr val="1B1A1A"/>
             </a:solidFill>
           </a:ln>
         </p:spPr>
@@ -15372,7 +15459,7 @@
           </a:prstGeom>
           <a:ln w="76200">
             <a:solidFill>
-              <a:schemeClr val="bg1"/>
+              <a:srgbClr val="1C1B1B"/>
             </a:solidFill>
           </a:ln>
         </p:spPr>
@@ -15415,7 +15502,7 @@
           </a:prstGeom>
           <a:ln w="76200">
             <a:solidFill>
-              <a:schemeClr val="bg1"/>
+              <a:srgbClr val="1B1A1A"/>
             </a:solidFill>
           </a:ln>
         </p:spPr>
@@ -15458,7 +15545,7 @@
           </a:prstGeom>
           <a:ln w="76200">
             <a:solidFill>
-              <a:schemeClr val="bg1"/>
+              <a:srgbClr val="1B1A1A"/>
             </a:solidFill>
           </a:ln>
         </p:spPr>
@@ -15501,7 +15588,7 @@
           </a:prstGeom>
           <a:ln w="76200">
             <a:solidFill>
-              <a:schemeClr val="bg1"/>
+              <a:srgbClr val="1B1A1A"/>
             </a:solidFill>
           </a:ln>
         </p:spPr>
@@ -15544,7 +15631,7 @@
           </a:prstGeom>
           <a:ln w="76200">
             <a:solidFill>
-              <a:schemeClr val="bg1"/>
+              <a:srgbClr val="1B1A1A"/>
             </a:solidFill>
           </a:ln>
         </p:spPr>
@@ -15587,7 +15674,7 @@
           </a:prstGeom>
           <a:ln w="76200">
             <a:solidFill>
-              <a:schemeClr val="bg1"/>
+              <a:srgbClr val="1B1A1A"/>
             </a:solidFill>
           </a:ln>
         </p:spPr>
@@ -15630,7 +15717,7 @@
           </a:prstGeom>
           <a:ln w="76200">
             <a:solidFill>
-              <a:schemeClr val="bg1"/>
+              <a:srgbClr val="1A1919"/>
             </a:solidFill>
           </a:ln>
         </p:spPr>
@@ -17531,16 +17618,16 @@
                             </p:stCondLst>
                             <p:childTnLst>
                               <p:par>
-                                <p:cTn id="173" presetID="22" presetClass="exit" presetSubtype="8" fill="hold" nodeType="afterEffect">
+                                <p:cTn id="173" presetID="22" presetClass="exit" presetSubtype="4" fill="hold" nodeType="afterEffect">
                                   <p:stCondLst>
                                     <p:cond delay="0"/>
                                   </p:stCondLst>
                                   <p:childTnLst>
-                                    <p:animEffect transition="out" filter="wipe(left)">
+                                    <p:animEffect transition="out" filter="wipe(down)">
                                       <p:cBhvr>
                                         <p:cTn id="174" dur="20"/>
                                         <p:tgtEl>
-                                          <p:spTgt spid="102"/>
+                                          <p:spTgt spid="96"/>
                                         </p:tgtEl>
                                       </p:cBhvr>
                                     </p:animEffect>
@@ -17552,7 +17639,7 @@
                                           </p:stCondLst>
                                         </p:cTn>
                                         <p:tgtEl>
-                                          <p:spTgt spid="102"/>
+                                          <p:spTgt spid="96"/>
                                         </p:tgtEl>
                                         <p:attrNameLst>
                                           <p:attrName>style.visibility</p:attrName>
@@ -17575,16 +17662,16 @@
                             </p:stCondLst>
                             <p:childTnLst>
                               <p:par>
-                                <p:cTn id="177" presetID="22" presetClass="exit" presetSubtype="4" fill="hold" grpId="0" nodeType="afterEffect">
+                                <p:cTn id="177" presetID="22" presetClass="exit" presetSubtype="8" fill="hold" nodeType="afterEffect">
                                   <p:stCondLst>
                                     <p:cond delay="0"/>
                                   </p:stCondLst>
                                   <p:childTnLst>
-                                    <p:animEffect transition="out" filter="wipe(down)">
+                                    <p:animEffect transition="out" filter="wipe(left)">
                                       <p:cBhvr>
                                         <p:cTn id="178" dur="20"/>
                                         <p:tgtEl>
-                                          <p:spTgt spid="105"/>
+                                          <p:spTgt spid="102"/>
                                         </p:tgtEl>
                                       </p:cBhvr>
                                     </p:animEffect>
@@ -17596,7 +17683,7 @@
                                           </p:stCondLst>
                                         </p:cTn>
                                         <p:tgtEl>
-                                          <p:spTgt spid="105"/>
+                                          <p:spTgt spid="102"/>
                                         </p:tgtEl>
                                         <p:attrNameLst>
                                           <p:attrName>style.visibility</p:attrName>
@@ -17619,16 +17706,16 @@
                             </p:stCondLst>
                             <p:childTnLst>
                               <p:par>
-                                <p:cTn id="181" presetID="22" presetClass="exit" presetSubtype="1" fill="hold" grpId="0" nodeType="afterEffect">
+                                <p:cTn id="181" presetID="22" presetClass="exit" presetSubtype="4" fill="hold" grpId="0" nodeType="afterEffect">
                                   <p:stCondLst>
                                     <p:cond delay="0"/>
                                   </p:stCondLst>
                                   <p:childTnLst>
-                                    <p:animEffect transition="out" filter="wipe(up)">
+                                    <p:animEffect transition="out" filter="wipe(down)">
                                       <p:cBhvr>
                                         <p:cTn id="182" dur="20"/>
                                         <p:tgtEl>
-                                          <p:spTgt spid="106"/>
+                                          <p:spTgt spid="105"/>
                                         </p:tgtEl>
                                       </p:cBhvr>
                                     </p:animEffect>
@@ -17640,7 +17727,7 @@
                                           </p:stCondLst>
                                         </p:cTn>
                                         <p:tgtEl>
-                                          <p:spTgt spid="106"/>
+                                          <p:spTgt spid="105"/>
                                         </p:tgtEl>
                                         <p:attrNameLst>
                                           <p:attrName>style.visibility</p:attrName>
@@ -17663,16 +17750,16 @@
                             </p:stCondLst>
                             <p:childTnLst>
                               <p:par>
-                                <p:cTn id="185" presetID="22" presetClass="exit" presetSubtype="8" fill="hold" grpId="0" nodeType="afterEffect">
+                                <p:cTn id="185" presetID="22" presetClass="exit" presetSubtype="1" fill="hold" grpId="0" nodeType="afterEffect">
                                   <p:stCondLst>
                                     <p:cond delay="0"/>
                                   </p:stCondLst>
                                   <p:childTnLst>
-                                    <p:animEffect transition="out" filter="wipe(left)">
+                                    <p:animEffect transition="out" filter="wipe(up)">
                                       <p:cBhvr>
                                         <p:cTn id="186" dur="20"/>
                                         <p:tgtEl>
-                                          <p:spTgt spid="107"/>
+                                          <p:spTgt spid="106"/>
                                         </p:tgtEl>
                                       </p:cBhvr>
                                     </p:animEffect>
@@ -17684,7 +17771,7 @@
                                           </p:stCondLst>
                                         </p:cTn>
                                         <p:tgtEl>
-                                          <p:spTgt spid="107"/>
+                                          <p:spTgt spid="106"/>
                                         </p:tgtEl>
                                         <p:attrNameLst>
                                           <p:attrName>style.visibility</p:attrName>
@@ -17707,16 +17794,16 @@
                             </p:stCondLst>
                             <p:childTnLst>
                               <p:par>
-                                <p:cTn id="189" presetID="22" presetClass="exit" presetSubtype="4" fill="hold" nodeType="afterEffect">
+                                <p:cTn id="189" presetID="22" presetClass="exit" presetSubtype="8" fill="hold" grpId="0" nodeType="afterEffect">
                                   <p:stCondLst>
                                     <p:cond delay="0"/>
                                   </p:stCondLst>
                                   <p:childTnLst>
-                                    <p:animEffect transition="out" filter="wipe(down)">
+                                    <p:animEffect transition="out" filter="wipe(left)">
                                       <p:cBhvr>
                                         <p:cTn id="190" dur="20"/>
                                         <p:tgtEl>
-                                          <p:spTgt spid="108"/>
+                                          <p:spTgt spid="107"/>
                                         </p:tgtEl>
                                       </p:cBhvr>
                                     </p:animEffect>
@@ -17728,7 +17815,7 @@
                                           </p:stCondLst>
                                         </p:cTn>
                                         <p:tgtEl>
-                                          <p:spTgt spid="108"/>
+                                          <p:spTgt spid="107"/>
                                         </p:tgtEl>
                                         <p:attrNameLst>
                                           <p:attrName>style.visibility</p:attrName>
@@ -17760,7 +17847,7 @@
                                       <p:cBhvr>
                                         <p:cTn id="194" dur="20"/>
                                         <p:tgtEl>
-                                          <p:spTgt spid="111"/>
+                                          <p:spTgt spid="108"/>
                                         </p:tgtEl>
                                       </p:cBhvr>
                                     </p:animEffect>
@@ -17772,7 +17859,7 @@
                                           </p:stCondLst>
                                         </p:cTn>
                                         <p:tgtEl>
-                                          <p:spTgt spid="111"/>
+                                          <p:spTgt spid="108"/>
                                         </p:tgtEl>
                                         <p:attrNameLst>
                                           <p:attrName>style.visibility</p:attrName>
@@ -17795,16 +17882,16 @@
                             </p:stCondLst>
                             <p:childTnLst>
                               <p:par>
-                                <p:cTn id="197" presetID="22" presetClass="exit" presetSubtype="1" fill="hold" nodeType="afterEffect">
+                                <p:cTn id="197" presetID="22" presetClass="exit" presetSubtype="4" fill="hold" nodeType="afterEffect">
                                   <p:stCondLst>
                                     <p:cond delay="0"/>
                                   </p:stCondLst>
                                   <p:childTnLst>
-                                    <p:animEffect transition="out" filter="wipe(up)">
+                                    <p:animEffect transition="out" filter="wipe(down)">
                                       <p:cBhvr>
                                         <p:cTn id="198" dur="20"/>
                                         <p:tgtEl>
-                                          <p:spTgt spid="113"/>
+                                          <p:spTgt spid="111"/>
                                         </p:tgtEl>
                                       </p:cBhvr>
                                     </p:animEffect>
@@ -17816,7 +17903,7 @@
                                           </p:stCondLst>
                                         </p:cTn>
                                         <p:tgtEl>
-                                          <p:spTgt spid="113"/>
+                                          <p:spTgt spid="111"/>
                                         </p:tgtEl>
                                         <p:attrNameLst>
                                           <p:attrName>style.visibility</p:attrName>
@@ -17839,16 +17926,16 @@
                             </p:stCondLst>
                             <p:childTnLst>
                               <p:par>
-                                <p:cTn id="201" presetID="22" presetClass="exit" presetSubtype="4" fill="hold" nodeType="afterEffect">
+                                <p:cTn id="201" presetID="22" presetClass="exit" presetSubtype="1" fill="hold" nodeType="afterEffect">
                                   <p:stCondLst>
                                     <p:cond delay="0"/>
                                   </p:stCondLst>
                                   <p:childTnLst>
-                                    <p:animEffect transition="out" filter="wipe(down)">
+                                    <p:animEffect transition="out" filter="wipe(up)">
                                       <p:cBhvr>
                                         <p:cTn id="202" dur="20"/>
                                         <p:tgtEl>
-                                          <p:spTgt spid="116"/>
+                                          <p:spTgt spid="113"/>
                                         </p:tgtEl>
                                       </p:cBhvr>
                                     </p:animEffect>
@@ -17860,7 +17947,7 @@
                                           </p:stCondLst>
                                         </p:cTn>
                                         <p:tgtEl>
-                                          <p:spTgt spid="116"/>
+                                          <p:spTgt spid="113"/>
                                         </p:tgtEl>
                                         <p:attrNameLst>
                                           <p:attrName>style.visibility</p:attrName>
@@ -17883,16 +17970,16 @@
                             </p:stCondLst>
                             <p:childTnLst>
                               <p:par>
-                                <p:cTn id="205" presetID="22" presetClass="exit" presetSubtype="1" fill="hold" nodeType="afterEffect">
+                                <p:cTn id="205" presetID="22" presetClass="exit" presetSubtype="4" fill="hold" nodeType="afterEffect">
                                   <p:stCondLst>
                                     <p:cond delay="0"/>
                                   </p:stCondLst>
                                   <p:childTnLst>
-                                    <p:animEffect transition="out" filter="wipe(up)">
+                                    <p:animEffect transition="out" filter="wipe(down)">
                                       <p:cBhvr>
                                         <p:cTn id="206" dur="20"/>
                                         <p:tgtEl>
-                                          <p:spTgt spid="118"/>
+                                          <p:spTgt spid="116"/>
                                         </p:tgtEl>
                                       </p:cBhvr>
                                     </p:animEffect>
@@ -17904,7 +17991,7 @@
                                           </p:stCondLst>
                                         </p:cTn>
                                         <p:tgtEl>
-                                          <p:spTgt spid="118"/>
+                                          <p:spTgt spid="116"/>
                                         </p:tgtEl>
                                         <p:attrNameLst>
                                           <p:attrName>style.visibility</p:attrName>
@@ -17927,16 +18014,16 @@
                             </p:stCondLst>
                             <p:childTnLst>
                               <p:par>
-                                <p:cTn id="209" presetID="22" presetClass="exit" presetSubtype="8" fill="hold" grpId="0" nodeType="afterEffect">
+                                <p:cTn id="209" presetID="22" presetClass="exit" presetSubtype="1" fill="hold" nodeType="afterEffect">
                                   <p:stCondLst>
                                     <p:cond delay="0"/>
                                   </p:stCondLst>
                                   <p:childTnLst>
-                                    <p:animEffect transition="out" filter="wipe(left)">
+                                    <p:animEffect transition="out" filter="wipe(up)">
                                       <p:cBhvr>
                                         <p:cTn id="210" dur="20"/>
                                         <p:tgtEl>
-                                          <p:spTgt spid="121"/>
+                                          <p:spTgt spid="118"/>
                                         </p:tgtEl>
                                       </p:cBhvr>
                                     </p:animEffect>
@@ -17948,7 +18035,7 @@
                                           </p:stCondLst>
                                         </p:cTn>
                                         <p:tgtEl>
-                                          <p:spTgt spid="121"/>
+                                          <p:spTgt spid="118"/>
                                         </p:tgtEl>
                                         <p:attrNameLst>
                                           <p:attrName>style.visibility</p:attrName>
@@ -17971,16 +18058,16 @@
                             </p:stCondLst>
                             <p:childTnLst>
                               <p:par>
-                                <p:cTn id="213" presetID="22" presetClass="exit" presetSubtype="1" fill="hold" nodeType="afterEffect">
+                                <p:cTn id="213" presetID="22" presetClass="exit" presetSubtype="8" fill="hold" grpId="0" nodeType="afterEffect">
                                   <p:stCondLst>
                                     <p:cond delay="0"/>
                                   </p:stCondLst>
                                   <p:childTnLst>
-                                    <p:animEffect transition="out" filter="wipe(up)">
+                                    <p:animEffect transition="out" filter="wipe(left)">
                                       <p:cBhvr>
                                         <p:cTn id="214" dur="20"/>
                                         <p:tgtEl>
-                                          <p:spTgt spid="123"/>
+                                          <p:spTgt spid="121"/>
                                         </p:tgtEl>
                                       </p:cBhvr>
                                     </p:animEffect>
@@ -17992,7 +18079,7 @@
                                           </p:stCondLst>
                                         </p:cTn>
                                         <p:tgtEl>
-                                          <p:spTgt spid="123"/>
+                                          <p:spTgt spid="121"/>
                                         </p:tgtEl>
                                         <p:attrNameLst>
                                           <p:attrName>style.visibility</p:attrName>
@@ -18015,16 +18102,16 @@
                             </p:stCondLst>
                             <p:childTnLst>
                               <p:par>
-                                <p:cTn id="217" presetID="22" presetClass="exit" presetSubtype="4" fill="hold" nodeType="afterEffect">
+                                <p:cTn id="217" presetID="22" presetClass="exit" presetSubtype="1" fill="hold" nodeType="afterEffect">
                                   <p:stCondLst>
                                     <p:cond delay="0"/>
                                   </p:stCondLst>
                                   <p:childTnLst>
-                                    <p:animEffect transition="out" filter="wipe(down)">
+                                    <p:animEffect transition="out" filter="wipe(up)">
                                       <p:cBhvr>
                                         <p:cTn id="218" dur="20"/>
                                         <p:tgtEl>
-                                          <p:spTgt spid="127"/>
+                                          <p:spTgt spid="123"/>
                                         </p:tgtEl>
                                       </p:cBhvr>
                                     </p:animEffect>
@@ -18036,7 +18123,7 @@
                                           </p:stCondLst>
                                         </p:cTn>
                                         <p:tgtEl>
-                                          <p:spTgt spid="127"/>
+                                          <p:spTgt spid="123"/>
                                         </p:tgtEl>
                                         <p:attrNameLst>
                                           <p:attrName>style.visibility</p:attrName>
@@ -18059,16 +18146,16 @@
                             </p:stCondLst>
                             <p:childTnLst>
                               <p:par>
-                                <p:cTn id="221" presetID="22" presetClass="exit" presetSubtype="8" fill="hold" grpId="0" nodeType="afterEffect">
+                                <p:cTn id="221" presetID="22" presetClass="exit" presetSubtype="4" fill="hold" nodeType="afterEffect">
                                   <p:stCondLst>
                                     <p:cond delay="0"/>
                                   </p:stCondLst>
                                   <p:childTnLst>
-                                    <p:animEffect transition="out" filter="wipe(left)">
+                                    <p:animEffect transition="out" filter="wipe(down)">
                                       <p:cBhvr>
                                         <p:cTn id="222" dur="20"/>
                                         <p:tgtEl>
-                                          <p:spTgt spid="129"/>
+                                          <p:spTgt spid="127"/>
                                         </p:tgtEl>
                                       </p:cBhvr>
                                     </p:animEffect>
@@ -18080,7 +18167,7 @@
                                           </p:stCondLst>
                                         </p:cTn>
                                         <p:tgtEl>
-                                          <p:spTgt spid="129"/>
+                                          <p:spTgt spid="127"/>
                                         </p:tgtEl>
                                         <p:attrNameLst>
                                           <p:attrName>style.visibility</p:attrName>
@@ -18103,16 +18190,16 @@
                             </p:stCondLst>
                             <p:childTnLst>
                               <p:par>
-                                <p:cTn id="225" presetID="22" presetClass="exit" presetSubtype="4" fill="hold" nodeType="afterEffect">
+                                <p:cTn id="225" presetID="22" presetClass="exit" presetSubtype="8" fill="hold" grpId="0" nodeType="afterEffect">
                                   <p:stCondLst>
                                     <p:cond delay="0"/>
                                   </p:stCondLst>
                                   <p:childTnLst>
-                                    <p:animEffect transition="out" filter="wipe(down)">
+                                    <p:animEffect transition="out" filter="wipe(left)">
                                       <p:cBhvr>
                                         <p:cTn id="226" dur="20"/>
                                         <p:tgtEl>
-                                          <p:spTgt spid="130"/>
+                                          <p:spTgt spid="129"/>
                                         </p:tgtEl>
                                       </p:cBhvr>
                                     </p:animEffect>
@@ -18124,7 +18211,7 @@
                                           </p:stCondLst>
                                         </p:cTn>
                                         <p:tgtEl>
-                                          <p:spTgt spid="130"/>
+                                          <p:spTgt spid="129"/>
                                         </p:tgtEl>
                                         <p:attrNameLst>
                                           <p:attrName>style.visibility</p:attrName>
@@ -18147,16 +18234,16 @@
                             </p:stCondLst>
                             <p:childTnLst>
                               <p:par>
-                                <p:cTn id="229" presetID="22" presetClass="exit" presetSubtype="8" fill="hold" grpId="0" nodeType="afterEffect">
+                                <p:cTn id="229" presetID="22" presetClass="exit" presetSubtype="4" fill="hold" nodeType="afterEffect">
                                   <p:stCondLst>
                                     <p:cond delay="0"/>
                                   </p:stCondLst>
                                   <p:childTnLst>
-                                    <p:animEffect transition="out" filter="wipe(left)">
+                                    <p:animEffect transition="out" filter="wipe(down)">
                                       <p:cBhvr>
                                         <p:cTn id="230" dur="20"/>
                                         <p:tgtEl>
-                                          <p:spTgt spid="133"/>
+                                          <p:spTgt spid="130"/>
                                         </p:tgtEl>
                                       </p:cBhvr>
                                     </p:animEffect>
@@ -18168,7 +18255,7 @@
                                           </p:stCondLst>
                                         </p:cTn>
                                         <p:tgtEl>
-                                          <p:spTgt spid="133"/>
+                                          <p:spTgt spid="130"/>
                                         </p:tgtEl>
                                         <p:attrNameLst>
                                           <p:attrName>style.visibility</p:attrName>
@@ -18191,16 +18278,16 @@
                             </p:stCondLst>
                             <p:childTnLst>
                               <p:par>
-                                <p:cTn id="233" presetID="21" presetClass="exit" presetSubtype="1" fill="hold" grpId="0" nodeType="afterEffect">
+                                <p:cTn id="233" presetID="22" presetClass="exit" presetSubtype="8" fill="hold" grpId="0" nodeType="afterEffect">
                                   <p:stCondLst>
                                     <p:cond delay="0"/>
                                   </p:stCondLst>
                                   <p:childTnLst>
-                                    <p:animEffect transition="out" filter="wheel(1)">
+                                    <p:animEffect transition="out" filter="wipe(left)">
                                       <p:cBhvr>
                                         <p:cTn id="234" dur="20"/>
                                         <p:tgtEl>
-                                          <p:spTgt spid="134"/>
+                                          <p:spTgt spid="133"/>
                                         </p:tgtEl>
                                       </p:cBhvr>
                                     </p:animEffect>
@@ -18212,7 +18299,7 @@
                                           </p:stCondLst>
                                         </p:cTn>
                                         <p:tgtEl>
-                                          <p:spTgt spid="134"/>
+                                          <p:spTgt spid="133"/>
                                         </p:tgtEl>
                                         <p:attrNameLst>
                                           <p:attrName>style.visibility</p:attrName>
@@ -18235,16 +18322,16 @@
                             </p:stCondLst>
                             <p:childTnLst>
                               <p:par>
-                                <p:cTn id="237" presetID="22" presetClass="exit" presetSubtype="8" fill="hold" nodeType="afterEffect">
+                                <p:cTn id="237" presetID="21" presetClass="exit" presetSubtype="1" fill="hold" grpId="0" nodeType="afterEffect">
                                   <p:stCondLst>
                                     <p:cond delay="0"/>
                                   </p:stCondLst>
                                   <p:childTnLst>
-                                    <p:animEffect transition="out" filter="wipe(left)">
+                                    <p:animEffect transition="out" filter="wheel(1)">
                                       <p:cBhvr>
                                         <p:cTn id="238" dur="20"/>
                                         <p:tgtEl>
-                                          <p:spTgt spid="135"/>
+                                          <p:spTgt spid="134"/>
                                         </p:tgtEl>
                                       </p:cBhvr>
                                     </p:animEffect>
@@ -18256,7 +18343,7 @@
                                           </p:stCondLst>
                                         </p:cTn>
                                         <p:tgtEl>
-                                          <p:spTgt spid="135"/>
+                                          <p:spTgt spid="134"/>
                                         </p:tgtEl>
                                         <p:attrNameLst>
                                           <p:attrName>style.visibility</p:attrName>
@@ -18288,7 +18375,7 @@
                                       <p:cBhvr>
                                         <p:cTn id="242" dur="20"/>
                                         <p:tgtEl>
-                                          <p:spTgt spid="139"/>
+                                          <p:spTgt spid="135"/>
                                         </p:tgtEl>
                                       </p:cBhvr>
                                     </p:animEffect>
@@ -18300,7 +18387,7 @@
                                           </p:stCondLst>
                                         </p:cTn>
                                         <p:tgtEl>
-                                          <p:spTgt spid="139"/>
+                                          <p:spTgt spid="135"/>
                                         </p:tgtEl>
                                         <p:attrNameLst>
                                           <p:attrName>style.visibility</p:attrName>
@@ -18323,16 +18410,16 @@
                             </p:stCondLst>
                             <p:childTnLst>
                               <p:par>
-                                <p:cTn id="245" presetID="22" presetClass="exit" presetSubtype="4" fill="hold" grpId="0" nodeType="afterEffect">
+                                <p:cTn id="245" presetID="22" presetClass="exit" presetSubtype="8" fill="hold" nodeType="afterEffect">
                                   <p:stCondLst>
                                     <p:cond delay="0"/>
                                   </p:stCondLst>
                                   <p:childTnLst>
-                                    <p:animEffect transition="out" filter="wipe(down)">
+                                    <p:animEffect transition="out" filter="wipe(left)">
                                       <p:cBhvr>
                                         <p:cTn id="246" dur="20"/>
                                         <p:tgtEl>
-                                          <p:spTgt spid="143"/>
+                                          <p:spTgt spid="139"/>
                                         </p:tgtEl>
                                       </p:cBhvr>
                                     </p:animEffect>
@@ -18344,7 +18431,7 @@
                                           </p:stCondLst>
                                         </p:cTn>
                                         <p:tgtEl>
-                                          <p:spTgt spid="143"/>
+                                          <p:spTgt spid="139"/>
                                         </p:tgtEl>
                                         <p:attrNameLst>
                                           <p:attrName>style.visibility</p:attrName>
@@ -18367,16 +18454,16 @@
                             </p:stCondLst>
                             <p:childTnLst>
                               <p:par>
-                                <p:cTn id="249" presetID="22" presetClass="exit" presetSubtype="1" fill="hold" grpId="0" nodeType="afterEffect">
+                                <p:cTn id="249" presetID="22" presetClass="exit" presetSubtype="4" fill="hold" grpId="0" nodeType="afterEffect">
                                   <p:stCondLst>
                                     <p:cond delay="0"/>
                                   </p:stCondLst>
                                   <p:childTnLst>
-                                    <p:animEffect transition="out" filter="wipe(up)">
+                                    <p:animEffect transition="out" filter="wipe(down)">
                                       <p:cBhvr>
                                         <p:cTn id="250" dur="20"/>
                                         <p:tgtEl>
-                                          <p:spTgt spid="144"/>
+                                          <p:spTgt spid="143"/>
                                         </p:tgtEl>
                                       </p:cBhvr>
                                     </p:animEffect>
@@ -18388,7 +18475,7 @@
                                           </p:stCondLst>
                                         </p:cTn>
                                         <p:tgtEl>
-                                          <p:spTgt spid="144"/>
+                                          <p:spTgt spid="143"/>
                                         </p:tgtEl>
                                         <p:attrNameLst>
                                           <p:attrName>style.visibility</p:attrName>
@@ -18411,16 +18498,16 @@
                             </p:stCondLst>
                             <p:childTnLst>
                               <p:par>
-                                <p:cTn id="253" presetID="22" presetClass="exit" presetSubtype="8" fill="hold" grpId="0" nodeType="afterEffect">
+                                <p:cTn id="253" presetID="22" presetClass="exit" presetSubtype="1" fill="hold" grpId="0" nodeType="afterEffect">
                                   <p:stCondLst>
                                     <p:cond delay="0"/>
                                   </p:stCondLst>
                                   <p:childTnLst>
-                                    <p:animEffect transition="out" filter="wipe(left)">
+                                    <p:animEffect transition="out" filter="wipe(up)">
                                       <p:cBhvr>
                                         <p:cTn id="254" dur="20"/>
                                         <p:tgtEl>
-                                          <p:spTgt spid="145"/>
+                                          <p:spTgt spid="144"/>
                                         </p:tgtEl>
                                       </p:cBhvr>
                                     </p:animEffect>
@@ -18432,7 +18519,7 @@
                                           </p:stCondLst>
                                         </p:cTn>
                                         <p:tgtEl>
-                                          <p:spTgt spid="145"/>
+                                          <p:spTgt spid="144"/>
                                         </p:tgtEl>
                                         <p:attrNameLst>
                                           <p:attrName>style.visibility</p:attrName>
@@ -18455,16 +18542,16 @@
                             </p:stCondLst>
                             <p:childTnLst>
                               <p:par>
-                                <p:cTn id="257" presetID="22" presetClass="exit" presetSubtype="4" fill="hold" nodeType="afterEffect">
+                                <p:cTn id="257" presetID="22" presetClass="exit" presetSubtype="8" fill="hold" grpId="0" nodeType="afterEffect">
                                   <p:stCondLst>
                                     <p:cond delay="0"/>
                                   </p:stCondLst>
                                   <p:childTnLst>
-                                    <p:animEffect transition="out" filter="wipe(down)">
+                                    <p:animEffect transition="out" filter="wipe(left)">
                                       <p:cBhvr>
                                         <p:cTn id="258" dur="20"/>
                                         <p:tgtEl>
-                                          <p:spTgt spid="146"/>
+                                          <p:spTgt spid="145"/>
                                         </p:tgtEl>
                                       </p:cBhvr>
                                     </p:animEffect>
@@ -18476,7 +18563,7 @@
                                           </p:stCondLst>
                                         </p:cTn>
                                         <p:tgtEl>
-                                          <p:spTgt spid="146"/>
+                                          <p:spTgt spid="145"/>
                                         </p:tgtEl>
                                         <p:attrNameLst>
                                           <p:attrName>style.visibility</p:attrName>
@@ -18508,7 +18595,7 @@
                                       <p:cBhvr>
                                         <p:cTn id="262" dur="20"/>
                                         <p:tgtEl>
-                                          <p:spTgt spid="148"/>
+                                          <p:spTgt spid="146"/>
                                         </p:tgtEl>
                                       </p:cBhvr>
                                     </p:animEffect>
@@ -18520,42 +18607,7 @@
                                           </p:stCondLst>
                                         </p:cTn>
                                         <p:tgtEl>
-                                          <p:spTgt spid="148"/>
-                                        </p:tgtEl>
-                                        <p:attrNameLst>
-                                          <p:attrName>style.visibility</p:attrName>
-                                        </p:attrNameLst>
-                                      </p:cBhvr>
-                                      <p:to>
-                                        <p:strVal val="hidden"/>
-                                      </p:to>
-                                    </p:set>
-                                  </p:childTnLst>
-                                </p:cTn>
-                              </p:par>
-                              <p:par>
-                                <p:cTn id="264" presetID="22" presetClass="exit" presetSubtype="4" fill="hold" nodeType="withEffect">
-                                  <p:stCondLst>
-                                    <p:cond delay="0"/>
-                                  </p:stCondLst>
-                                  <p:childTnLst>
-                                    <p:animEffect transition="out" filter="wipe(down)">
-                                      <p:cBhvr>
-                                        <p:cTn id="265" dur="20"/>
-                                        <p:tgtEl>
-                                          <p:spTgt spid="150"/>
-                                        </p:tgtEl>
-                                      </p:cBhvr>
-                                    </p:animEffect>
-                                    <p:set>
-                                      <p:cBhvr>
-                                        <p:cTn id="266" dur="1" fill="hold">
-                                          <p:stCondLst>
-                                            <p:cond delay="19"/>
-                                          </p:stCondLst>
-                                        </p:cTn>
-                                        <p:tgtEl>
-                                          <p:spTgt spid="150"/>
+                                          <p:spTgt spid="146"/>
                                         </p:tgtEl>
                                         <p:attrNameLst>
                                           <p:attrName>style.visibility</p:attrName>
@@ -18572,22 +18624,57 @@
                           </p:cTn>
                         </p:par>
                         <p:par>
-                          <p:cTn id="267" fill="hold">
+                          <p:cTn id="264" fill="hold">
                             <p:stCondLst>
                               <p:cond delay="1300"/>
                             </p:stCondLst>
                             <p:childTnLst>
                               <p:par>
-                                <p:cTn id="268" presetID="22" presetClass="exit" presetSubtype="1" fill="hold" nodeType="afterEffect">
+                                <p:cTn id="265" presetID="22" presetClass="exit" presetSubtype="4" fill="hold" nodeType="afterEffect">
                                   <p:stCondLst>
                                     <p:cond delay="0"/>
                                   </p:stCondLst>
                                   <p:childTnLst>
-                                    <p:animEffect transition="out" filter="wipe(up)">
+                                    <p:animEffect transition="out" filter="wipe(down)">
+                                      <p:cBhvr>
+                                        <p:cTn id="266" dur="20"/>
+                                        <p:tgtEl>
+                                          <p:spTgt spid="148"/>
+                                        </p:tgtEl>
+                                      </p:cBhvr>
+                                    </p:animEffect>
+                                    <p:set>
+                                      <p:cBhvr>
+                                        <p:cTn id="267" dur="1" fill="hold">
+                                          <p:stCondLst>
+                                            <p:cond delay="19"/>
+                                          </p:stCondLst>
+                                        </p:cTn>
+                                        <p:tgtEl>
+                                          <p:spTgt spid="148"/>
+                                        </p:tgtEl>
+                                        <p:attrNameLst>
+                                          <p:attrName>style.visibility</p:attrName>
+                                        </p:attrNameLst>
+                                      </p:cBhvr>
+                                      <p:to>
+                                        <p:strVal val="hidden"/>
+                                      </p:to>
+                                    </p:set>
+                                  </p:childTnLst>
+                                </p:cTn>
+                              </p:par>
+                              <p:par>
+                                <p:cTn id="268" presetID="22" presetClass="exit" presetSubtype="4" fill="hold" nodeType="withEffect">
+                                  <p:stCondLst>
+                                    <p:cond delay="0"/>
+                                  </p:stCondLst>
+                                  <p:childTnLst>
+                                    <p:animEffect transition="out" filter="wipe(down)">
                                       <p:cBhvr>
                                         <p:cTn id="269" dur="20"/>
                                         <p:tgtEl>
-                                          <p:spTgt spid="161"/>
+                                          <p:spTgt spid="150"/>
                                         </p:tgtEl>
                                       </p:cBhvr>
                                     </p:animEffect>
@@ -18599,7 +18686,7 @@
                                           </p:stCondLst>
                                         </p:cTn>
                                         <p:tgtEl>
-                                          <p:spTgt spid="161"/>
+                                          <p:spTgt spid="150"/>
                                         </p:tgtEl>
                                         <p:attrNameLst>
                                           <p:attrName>style.visibility</p:attrName>
@@ -18622,16 +18709,16 @@
                             </p:stCondLst>
                             <p:childTnLst>
                               <p:par>
-                                <p:cTn id="272" presetID="22" presetClass="exit" presetSubtype="4" fill="hold" nodeType="afterEffect">
+                                <p:cTn id="272" presetID="22" presetClass="exit" presetSubtype="1" fill="hold" nodeType="afterEffect">
                                   <p:stCondLst>
                                     <p:cond delay="0"/>
                                   </p:stCondLst>
                                   <p:childTnLst>
-                                    <p:animEffect transition="out" filter="wipe(down)">
+                                    <p:animEffect transition="out" filter="wipe(up)">
                                       <p:cBhvr>
                                         <p:cTn id="273" dur="20"/>
                                         <p:tgtEl>
-                                          <p:spTgt spid="157"/>
+                                          <p:spTgt spid="161"/>
                                         </p:tgtEl>
                                       </p:cBhvr>
                                     </p:animEffect>
@@ -18643,7 +18730,7 @@
                                           </p:stCondLst>
                                         </p:cTn>
                                         <p:tgtEl>
-                                          <p:spTgt spid="157"/>
+                                          <p:spTgt spid="161"/>
                                         </p:tgtEl>
                                         <p:attrNameLst>
                                           <p:attrName>style.visibility</p:attrName>
@@ -18666,16 +18753,16 @@
                             </p:stCondLst>
                             <p:childTnLst>
                               <p:par>
-                                <p:cTn id="276" presetID="22" presetClass="exit" presetSubtype="1" fill="hold" nodeType="afterEffect">
+                                <p:cTn id="276" presetID="22" presetClass="exit" presetSubtype="4" fill="hold" nodeType="afterEffect">
                                   <p:stCondLst>
                                     <p:cond delay="0"/>
                                   </p:stCondLst>
                                   <p:childTnLst>
-                                    <p:animEffect transition="out" filter="wipe(up)">
+                                    <p:animEffect transition="out" filter="wipe(down)">
                                       <p:cBhvr>
                                         <p:cTn id="277" dur="20"/>
                                         <p:tgtEl>
-                                          <p:spTgt spid="162"/>
+                                          <p:spTgt spid="157"/>
                                         </p:tgtEl>
                                       </p:cBhvr>
                                     </p:animEffect>
@@ -18687,7 +18774,7 @@
                                           </p:stCondLst>
                                         </p:cTn>
                                         <p:tgtEl>
-                                          <p:spTgt spid="162"/>
+                                          <p:spTgt spid="157"/>
                                         </p:tgtEl>
                                         <p:attrNameLst>
                                           <p:attrName>style.visibility</p:attrName>
@@ -18710,16 +18797,16 @@
                             </p:stCondLst>
                             <p:childTnLst>
                               <p:par>
-                                <p:cTn id="280" presetID="22" presetClass="exit" presetSubtype="4" fill="hold" nodeType="afterEffect">
+                                <p:cTn id="280" presetID="22" presetClass="exit" presetSubtype="1" fill="hold" nodeType="afterEffect">
                                   <p:stCondLst>
                                     <p:cond delay="0"/>
                                   </p:stCondLst>
                                   <p:childTnLst>
-                                    <p:animEffect transition="out" filter="wipe(down)">
+                                    <p:animEffect transition="out" filter="wipe(up)">
                                       <p:cBhvr>
                                         <p:cTn id="281" dur="20"/>
                                         <p:tgtEl>
-                                          <p:spTgt spid="165"/>
+                                          <p:spTgt spid="162"/>
                                         </p:tgtEl>
                                       </p:cBhvr>
                                     </p:animEffect>
@@ -18731,7 +18818,7 @@
                                           </p:stCondLst>
                                         </p:cTn>
                                         <p:tgtEl>
-                                          <p:spTgt spid="165"/>
+                                          <p:spTgt spid="162"/>
                                         </p:tgtEl>
                                         <p:attrNameLst>
                                           <p:attrName>style.visibility</p:attrName>
@@ -18754,16 +18841,16 @@
                             </p:stCondLst>
                             <p:childTnLst>
                               <p:par>
-                                <p:cTn id="284" presetID="22" presetClass="exit" presetSubtype="1" fill="hold" nodeType="afterEffect">
+                                <p:cTn id="284" presetID="22" presetClass="exit" presetSubtype="4" fill="hold" nodeType="afterEffect">
                                   <p:stCondLst>
                                     <p:cond delay="0"/>
                                   </p:stCondLst>
                                   <p:childTnLst>
-                                    <p:animEffect transition="out" filter="wipe(up)">
+                                    <p:animEffect transition="out" filter="wipe(down)">
                                       <p:cBhvr>
                                         <p:cTn id="285" dur="20"/>
                                         <p:tgtEl>
-                                          <p:spTgt spid="168"/>
+                                          <p:spTgt spid="165"/>
                                         </p:tgtEl>
                                       </p:cBhvr>
                                     </p:animEffect>
@@ -18775,7 +18862,7 @@
                                           </p:stCondLst>
                                         </p:cTn>
                                         <p:tgtEl>
-                                          <p:spTgt spid="168"/>
+                                          <p:spTgt spid="165"/>
                                         </p:tgtEl>
                                         <p:attrNameLst>
                                           <p:attrName>style.visibility</p:attrName>
@@ -18798,16 +18885,16 @@
                             </p:stCondLst>
                             <p:childTnLst>
                               <p:par>
-                                <p:cTn id="288" presetID="22" presetClass="exit" presetSubtype="8" fill="hold" nodeType="afterEffect">
+                                <p:cTn id="288" presetID="22" presetClass="exit" presetSubtype="1" fill="hold" nodeType="afterEffect">
                                   <p:stCondLst>
                                     <p:cond delay="0"/>
                                   </p:stCondLst>
                                   <p:childTnLst>
-                                    <p:animEffect transition="out" filter="wipe(left)">
+                                    <p:animEffect transition="out" filter="wipe(up)">
                                       <p:cBhvr>
                                         <p:cTn id="289" dur="20"/>
                                         <p:tgtEl>
-                                          <p:spTgt spid="170"/>
+                                          <p:spTgt spid="168"/>
                                         </p:tgtEl>
                                       </p:cBhvr>
                                     </p:animEffect>
@@ -18819,7 +18906,7 @@
                                           </p:stCondLst>
                                         </p:cTn>
                                         <p:tgtEl>
-                                          <p:spTgt spid="170"/>
+                                          <p:spTgt spid="168"/>
                                         </p:tgtEl>
                                         <p:attrNameLst>
                                           <p:attrName>style.visibility</p:attrName>
@@ -18842,16 +18929,16 @@
                             </p:stCondLst>
                             <p:childTnLst>
                               <p:par>
-                                <p:cTn id="292" presetID="22" presetClass="exit" presetSubtype="1" fill="hold" nodeType="afterEffect">
+                                <p:cTn id="292" presetID="22" presetClass="exit" presetSubtype="8" fill="hold" nodeType="afterEffect">
                                   <p:stCondLst>
                                     <p:cond delay="0"/>
                                   </p:stCondLst>
                                   <p:childTnLst>
-                                    <p:animEffect transition="out" filter="wipe(up)">
+                                    <p:animEffect transition="out" filter="wipe(left)">
                                       <p:cBhvr>
                                         <p:cTn id="293" dur="20"/>
                                         <p:tgtEl>
-                                          <p:spTgt spid="173"/>
+                                          <p:spTgt spid="170"/>
                                         </p:tgtEl>
                                       </p:cBhvr>
                                     </p:animEffect>
@@ -18863,7 +18950,7 @@
                                           </p:stCondLst>
                                         </p:cTn>
                                         <p:tgtEl>
-                                          <p:spTgt spid="173"/>
+                                          <p:spTgt spid="170"/>
                                         </p:tgtEl>
                                         <p:attrNameLst>
                                           <p:attrName>style.visibility</p:attrName>
@@ -18886,16 +18973,16 @@
                             </p:stCondLst>
                             <p:childTnLst>
                               <p:par>
-                                <p:cTn id="296" presetID="22" presetClass="exit" presetSubtype="4" fill="hold" nodeType="afterEffect">
+                                <p:cTn id="296" presetID="22" presetClass="exit" presetSubtype="1" fill="hold" nodeType="afterEffect">
                                   <p:stCondLst>
                                     <p:cond delay="0"/>
                                   </p:stCondLst>
                                   <p:childTnLst>
-                                    <p:animEffect transition="out" filter="wipe(down)">
+                                    <p:animEffect transition="out" filter="wipe(up)">
                                       <p:cBhvr>
                                         <p:cTn id="297" dur="20"/>
                                         <p:tgtEl>
-                                          <p:spTgt spid="175"/>
+                                          <p:spTgt spid="173"/>
                                         </p:tgtEl>
                                       </p:cBhvr>
                                     </p:animEffect>
@@ -18907,7 +18994,7 @@
                                           </p:stCondLst>
                                         </p:cTn>
                                         <p:tgtEl>
-                                          <p:spTgt spid="175"/>
+                                          <p:spTgt spid="173"/>
                                         </p:tgtEl>
                                         <p:attrNameLst>
                                           <p:attrName>style.visibility</p:attrName>
@@ -18930,16 +19017,16 @@
                             </p:stCondLst>
                             <p:childTnLst>
                               <p:par>
-                                <p:cTn id="300" presetID="22" presetClass="exit" presetSubtype="1" fill="hold" nodeType="afterEffect">
+                                <p:cTn id="300" presetID="22" presetClass="exit" presetSubtype="4" fill="hold" nodeType="afterEffect">
                                   <p:stCondLst>
                                     <p:cond delay="0"/>
                                   </p:stCondLst>
                                   <p:childTnLst>
-                                    <p:animEffect transition="out" filter="wipe(up)">
+                                    <p:animEffect transition="out" filter="wipe(down)">
                                       <p:cBhvr>
                                         <p:cTn id="301" dur="20"/>
                                         <p:tgtEl>
-                                          <p:spTgt spid="177"/>
+                                          <p:spTgt spid="175"/>
                                         </p:tgtEl>
                                       </p:cBhvr>
                                     </p:animEffect>
@@ -18951,7 +19038,7 @@
                                           </p:stCondLst>
                                         </p:cTn>
                                         <p:tgtEl>
-                                          <p:spTgt spid="177"/>
+                                          <p:spTgt spid="175"/>
                                         </p:tgtEl>
                                         <p:attrNameLst>
                                           <p:attrName>style.visibility</p:attrName>
@@ -18974,16 +19061,16 @@
                             </p:stCondLst>
                             <p:childTnLst>
                               <p:par>
-                                <p:cTn id="304" presetID="22" presetClass="exit" presetSubtype="8" fill="hold" nodeType="afterEffect">
+                                <p:cTn id="304" presetID="22" presetClass="exit" presetSubtype="1" fill="hold" nodeType="afterEffect">
                                   <p:stCondLst>
                                     <p:cond delay="0"/>
                                   </p:stCondLst>
                                   <p:childTnLst>
-                                    <p:animEffect transition="out" filter="wipe(left)">
+                                    <p:animEffect transition="out" filter="wipe(up)">
                                       <p:cBhvr>
                                         <p:cTn id="305" dur="20"/>
                                         <p:tgtEl>
-                                          <p:spTgt spid="181"/>
+                                          <p:spTgt spid="177"/>
                                         </p:tgtEl>
                                       </p:cBhvr>
                                     </p:animEffect>
@@ -18995,7 +19082,7 @@
                                           </p:stCondLst>
                                         </p:cTn>
                                         <p:tgtEl>
-                                          <p:spTgt spid="181"/>
+                                          <p:spTgt spid="177"/>
                                         </p:tgtEl>
                                         <p:attrNameLst>
                                           <p:attrName>style.visibility</p:attrName>
@@ -19018,16 +19105,16 @@
                             </p:stCondLst>
                             <p:childTnLst>
                               <p:par>
-                                <p:cTn id="308" presetID="22" presetClass="exit" presetSubtype="1" fill="hold" nodeType="afterEffect">
+                                <p:cTn id="308" presetID="22" presetClass="exit" presetSubtype="8" fill="hold" nodeType="afterEffect">
                                   <p:stCondLst>
                                     <p:cond delay="0"/>
                                   </p:stCondLst>
                                   <p:childTnLst>
-                                    <p:animEffect transition="out" filter="wipe(up)">
+                                    <p:animEffect transition="out" filter="wipe(left)">
                                       <p:cBhvr>
                                         <p:cTn id="309" dur="20"/>
                                         <p:tgtEl>
-                                          <p:spTgt spid="183"/>
+                                          <p:spTgt spid="181"/>
                                         </p:tgtEl>
                                       </p:cBhvr>
                                     </p:animEffect>
@@ -19039,7 +19126,7 @@
                                           </p:stCondLst>
                                         </p:cTn>
                                         <p:tgtEl>
-                                          <p:spTgt spid="183"/>
+                                          <p:spTgt spid="181"/>
                                         </p:tgtEl>
                                         <p:attrNameLst>
                                           <p:attrName>style.visibility</p:attrName>
@@ -19062,16 +19149,16 @@
                             </p:stCondLst>
                             <p:childTnLst>
                               <p:par>
-                                <p:cTn id="312" presetID="22" presetClass="exit" presetSubtype="2" fill="hold" nodeType="afterEffect">
+                                <p:cTn id="312" presetID="22" presetClass="exit" presetSubtype="1" fill="hold" nodeType="afterEffect">
                                   <p:stCondLst>
                                     <p:cond delay="0"/>
                                   </p:stCondLst>
                                   <p:childTnLst>
-                                    <p:animEffect transition="out" filter="wipe(right)">
+                                    <p:animEffect transition="out" filter="wipe(up)">
                                       <p:cBhvr>
                                         <p:cTn id="313" dur="20"/>
                                         <p:tgtEl>
-                                          <p:spTgt spid="186"/>
+                                          <p:spTgt spid="183"/>
                                         </p:tgtEl>
                                       </p:cBhvr>
                                     </p:animEffect>
@@ -19083,7 +19170,7 @@
                                           </p:stCondLst>
                                         </p:cTn>
                                         <p:tgtEl>
-                                          <p:spTgt spid="186"/>
+                                          <p:spTgt spid="183"/>
                                         </p:tgtEl>
                                         <p:attrNameLst>
                                           <p:attrName>style.visibility</p:attrName>
@@ -19106,16 +19193,16 @@
                             </p:stCondLst>
                             <p:childTnLst>
                               <p:par>
-                                <p:cTn id="316" presetID="21" presetClass="exit" presetSubtype="1" fill="hold" grpId="0" nodeType="afterEffect">
+                                <p:cTn id="316" presetID="22" presetClass="exit" presetSubtype="2" fill="hold" nodeType="afterEffect">
                                   <p:stCondLst>
                                     <p:cond delay="0"/>
                                   </p:stCondLst>
                                   <p:childTnLst>
-                                    <p:animEffect transition="out" filter="wheel(1)">
+                                    <p:animEffect transition="out" filter="wipe(right)">
                                       <p:cBhvr>
                                         <p:cTn id="317" dur="20"/>
                                         <p:tgtEl>
-                                          <p:spTgt spid="199"/>
+                                          <p:spTgt spid="186"/>
                                         </p:tgtEl>
                                       </p:cBhvr>
                                     </p:animEffect>
@@ -19127,7 +19214,7 @@
                                           </p:stCondLst>
                                         </p:cTn>
                                         <p:tgtEl>
-                                          <p:spTgt spid="199"/>
+                                          <p:spTgt spid="186"/>
                                         </p:tgtEl>
                                         <p:attrNameLst>
                                           <p:attrName>style.visibility</p:attrName>
@@ -19150,16 +19237,16 @@
                             </p:stCondLst>
                             <p:childTnLst>
                               <p:par>
-                                <p:cTn id="320" presetID="22" presetClass="exit" presetSubtype="8" fill="hold" nodeType="afterEffect">
+                                <p:cTn id="320" presetID="21" presetClass="exit" presetSubtype="1" fill="hold" grpId="0" nodeType="afterEffect">
                                   <p:stCondLst>
                                     <p:cond delay="0"/>
                                   </p:stCondLst>
                                   <p:childTnLst>
-                                    <p:animEffect transition="out" filter="wipe(left)">
+                                    <p:animEffect transition="out" filter="wheel(1)">
                                       <p:cBhvr>
                                         <p:cTn id="321" dur="20"/>
                                         <p:tgtEl>
-                                          <p:spTgt spid="200"/>
+                                          <p:spTgt spid="199"/>
                                         </p:tgtEl>
                                       </p:cBhvr>
                                     </p:animEffect>
@@ -19171,7 +19258,7 @@
                                           </p:stCondLst>
                                         </p:cTn>
                                         <p:tgtEl>
-                                          <p:spTgt spid="200"/>
+                                          <p:spTgt spid="199"/>
                                         </p:tgtEl>
                                         <p:attrNameLst>
                                           <p:attrName>style.visibility</p:attrName>
@@ -19194,16 +19281,16 @@
                             </p:stCondLst>
                             <p:childTnLst>
                               <p:par>
-                                <p:cTn id="324" presetID="22" presetClass="exit" presetSubtype="4" fill="hold" nodeType="afterEffect">
+                                <p:cTn id="324" presetID="22" presetClass="exit" presetSubtype="8" fill="hold" nodeType="afterEffect">
                                   <p:stCondLst>
                                     <p:cond delay="0"/>
                                   </p:stCondLst>
                                   <p:childTnLst>
-                                    <p:animEffect transition="out" filter="wipe(down)">
+                                    <p:animEffect transition="out" filter="wipe(left)">
                                       <p:cBhvr>
                                         <p:cTn id="325" dur="20"/>
                                         <p:tgtEl>
-                                          <p:spTgt spid="202"/>
+                                          <p:spTgt spid="200"/>
                                         </p:tgtEl>
                                       </p:cBhvr>
                                     </p:animEffect>
@@ -19215,7 +19302,7 @@
                                           </p:stCondLst>
                                         </p:cTn>
                                         <p:tgtEl>
-                                          <p:spTgt spid="202"/>
+                                          <p:spTgt spid="200"/>
                                         </p:tgtEl>
                                         <p:attrNameLst>
                                           <p:attrName>style.visibility</p:attrName>
@@ -19238,16 +19325,16 @@
                             </p:stCondLst>
                             <p:childTnLst>
                               <p:par>
-                                <p:cTn id="328" presetID="22" presetClass="exit" presetSubtype="1" fill="hold" nodeType="afterEffect">
+                                <p:cTn id="328" presetID="22" presetClass="exit" presetSubtype="4" fill="hold" nodeType="afterEffect">
                                   <p:stCondLst>
                                     <p:cond delay="0"/>
                                   </p:stCondLst>
                                   <p:childTnLst>
-                                    <p:animEffect transition="out" filter="wipe(up)">
+                                    <p:animEffect transition="out" filter="wipe(down)">
                                       <p:cBhvr>
                                         <p:cTn id="329" dur="20"/>
                                         <p:tgtEl>
-                                          <p:spTgt spid="204"/>
+                                          <p:spTgt spid="202"/>
                                         </p:tgtEl>
                                       </p:cBhvr>
                                     </p:animEffect>
@@ -19259,7 +19346,7 @@
                                           </p:stCondLst>
                                         </p:cTn>
                                         <p:tgtEl>
-                                          <p:spTgt spid="204"/>
+                                          <p:spTgt spid="202"/>
                                         </p:tgtEl>
                                         <p:attrNameLst>
                                           <p:attrName>style.visibility</p:attrName>
@@ -19282,16 +19369,16 @@
                             </p:stCondLst>
                             <p:childTnLst>
                               <p:par>
-                                <p:cTn id="332" presetID="22" presetClass="exit" presetSubtype="2" fill="hold" nodeType="afterEffect">
+                                <p:cTn id="332" presetID="22" presetClass="exit" presetSubtype="1" fill="hold" nodeType="afterEffect">
                                   <p:stCondLst>
                                     <p:cond delay="0"/>
                                   </p:stCondLst>
                                   <p:childTnLst>
-                                    <p:animEffect transition="out" filter="wipe(right)">
+                                    <p:animEffect transition="out" filter="wipe(up)">
                                       <p:cBhvr>
                                         <p:cTn id="333" dur="20"/>
                                         <p:tgtEl>
-                                          <p:spTgt spid="206"/>
+                                          <p:spTgt spid="204"/>
                                         </p:tgtEl>
                                       </p:cBhvr>
                                     </p:animEffect>
@@ -19303,7 +19390,7 @@
                                           </p:stCondLst>
                                         </p:cTn>
                                         <p:tgtEl>
-                                          <p:spTgt spid="206"/>
+                                          <p:spTgt spid="204"/>
                                         </p:tgtEl>
                                         <p:attrNameLst>
                                           <p:attrName>style.visibility</p:attrName>
@@ -19326,16 +19413,16 @@
                             </p:stCondLst>
                             <p:childTnLst>
                               <p:par>
-                                <p:cTn id="336" presetID="22" presetClass="exit" presetSubtype="4" fill="hold" nodeType="afterEffect">
+                                <p:cTn id="336" presetID="22" presetClass="exit" presetSubtype="2" fill="hold" nodeType="afterEffect">
                                   <p:stCondLst>
                                     <p:cond delay="0"/>
                                   </p:stCondLst>
                                   <p:childTnLst>
-                                    <p:animEffect transition="out" filter="wipe(down)">
+                                    <p:animEffect transition="out" filter="wipe(right)">
                                       <p:cBhvr>
                                         <p:cTn id="337" dur="20"/>
                                         <p:tgtEl>
-                                          <p:spTgt spid="208"/>
+                                          <p:spTgt spid="206"/>
                                         </p:tgtEl>
                                       </p:cBhvr>
                                     </p:animEffect>
@@ -19347,7 +19434,7 @@
                                           </p:stCondLst>
                                         </p:cTn>
                                         <p:tgtEl>
-                                          <p:spTgt spid="208"/>
+                                          <p:spTgt spid="206"/>
                                         </p:tgtEl>
                                         <p:attrNameLst>
                                           <p:attrName>style.visibility</p:attrName>
@@ -19370,16 +19457,16 @@
                             </p:stCondLst>
                             <p:childTnLst>
                               <p:par>
-                                <p:cTn id="340" presetID="22" presetClass="exit" presetSubtype="1" fill="hold" nodeType="afterEffect">
+                                <p:cTn id="340" presetID="22" presetClass="exit" presetSubtype="4" fill="hold" nodeType="afterEffect">
                                   <p:stCondLst>
                                     <p:cond delay="0"/>
                                   </p:stCondLst>
                                   <p:childTnLst>
-                                    <p:animEffect transition="out" filter="wipe(up)">
+                                    <p:animEffect transition="out" filter="wipe(down)">
                                       <p:cBhvr>
                                         <p:cTn id="341" dur="20"/>
                                         <p:tgtEl>
-                                          <p:spTgt spid="210"/>
+                                          <p:spTgt spid="208"/>
                                         </p:tgtEl>
                                       </p:cBhvr>
                                     </p:animEffect>
@@ -19391,7 +19478,7 @@
                                           </p:stCondLst>
                                         </p:cTn>
                                         <p:tgtEl>
-                                          <p:spTgt spid="210"/>
+                                          <p:spTgt spid="208"/>
                                         </p:tgtEl>
                                         <p:attrNameLst>
                                           <p:attrName>style.visibility</p:attrName>
@@ -19414,16 +19501,16 @@
                             </p:stCondLst>
                             <p:childTnLst>
                               <p:par>
-                                <p:cTn id="344" presetID="22" presetClass="exit" presetSubtype="2" fill="hold" nodeType="afterEffect">
+                                <p:cTn id="344" presetID="22" presetClass="exit" presetSubtype="1" fill="hold" nodeType="afterEffect">
                                   <p:stCondLst>
                                     <p:cond delay="0"/>
                                   </p:stCondLst>
                                   <p:childTnLst>
-                                    <p:animEffect transition="out" filter="wipe(right)">
+                                    <p:animEffect transition="out" filter="wipe(up)">
                                       <p:cBhvr>
                                         <p:cTn id="345" dur="20"/>
                                         <p:tgtEl>
-                                          <p:spTgt spid="211"/>
+                                          <p:spTgt spid="210"/>
                                         </p:tgtEl>
                                       </p:cBhvr>
                                     </p:animEffect>
@@ -19435,7 +19522,7 @@
                                           </p:stCondLst>
                                         </p:cTn>
                                         <p:tgtEl>
-                                          <p:spTgt spid="211"/>
+                                          <p:spTgt spid="210"/>
                                         </p:tgtEl>
                                         <p:attrNameLst>
                                           <p:attrName>style.visibility</p:attrName>
@@ -19458,16 +19545,16 @@
                             </p:stCondLst>
                             <p:childTnLst>
                               <p:par>
-                                <p:cTn id="348" presetID="22" presetClass="exit" presetSubtype="4" fill="hold" nodeType="afterEffect">
+                                <p:cTn id="348" presetID="22" presetClass="exit" presetSubtype="2" fill="hold" nodeType="afterEffect">
                                   <p:stCondLst>
                                     <p:cond delay="0"/>
                                   </p:stCondLst>
                                   <p:childTnLst>
-                                    <p:animEffect transition="out" filter="wipe(down)">
+                                    <p:animEffect transition="out" filter="wipe(right)">
                                       <p:cBhvr>
                                         <p:cTn id="349" dur="20"/>
                                         <p:tgtEl>
-                                          <p:spTgt spid="214"/>
+                                          <p:spTgt spid="211"/>
                                         </p:tgtEl>
                                       </p:cBhvr>
                                     </p:animEffect>
@@ -19479,7 +19566,7 @@
                                           </p:stCondLst>
                                         </p:cTn>
                                         <p:tgtEl>
-                                          <p:spTgt spid="214"/>
+                                          <p:spTgt spid="211"/>
                                         </p:tgtEl>
                                         <p:attrNameLst>
                                           <p:attrName>style.visibility</p:attrName>
@@ -19502,16 +19589,16 @@
                             </p:stCondLst>
                             <p:childTnLst>
                               <p:par>
-                                <p:cTn id="352" presetID="22" presetClass="exit" presetSubtype="8" fill="hold" nodeType="afterEffect">
+                                <p:cTn id="352" presetID="22" presetClass="exit" presetSubtype="4" fill="hold" nodeType="afterEffect">
                                   <p:stCondLst>
                                     <p:cond delay="0"/>
                                   </p:stCondLst>
                                   <p:childTnLst>
-                                    <p:animEffect transition="out" filter="wipe(left)">
+                                    <p:animEffect transition="out" filter="wipe(down)">
                                       <p:cBhvr>
                                         <p:cTn id="353" dur="20"/>
                                         <p:tgtEl>
-                                          <p:spTgt spid="216"/>
+                                          <p:spTgt spid="214"/>
                                         </p:tgtEl>
                                       </p:cBhvr>
                                     </p:animEffect>
@@ -19523,7 +19610,7 @@
                                           </p:stCondLst>
                                         </p:cTn>
                                         <p:tgtEl>
-                                          <p:spTgt spid="216"/>
+                                          <p:spTgt spid="214"/>
                                         </p:tgtEl>
                                         <p:attrNameLst>
                                           <p:attrName>style.visibility</p:attrName>
@@ -19546,16 +19633,16 @@
                             </p:stCondLst>
                             <p:childTnLst>
                               <p:par>
-                                <p:cTn id="356" presetID="22" presetClass="exit" presetSubtype="1" fill="hold" nodeType="afterEffect">
+                                <p:cTn id="356" presetID="22" presetClass="exit" presetSubtype="8" fill="hold" nodeType="afterEffect">
                                   <p:stCondLst>
                                     <p:cond delay="0"/>
                                   </p:stCondLst>
                                   <p:childTnLst>
-                                    <p:animEffect transition="out" filter="wipe(up)">
+                                    <p:animEffect transition="out" filter="wipe(left)">
                                       <p:cBhvr>
                                         <p:cTn id="357" dur="20"/>
                                         <p:tgtEl>
-                                          <p:spTgt spid="218"/>
+                                          <p:spTgt spid="216"/>
                                         </p:tgtEl>
                                       </p:cBhvr>
                                     </p:animEffect>
@@ -19567,7 +19654,7 @@
                                           </p:stCondLst>
                                         </p:cTn>
                                         <p:tgtEl>
-                                          <p:spTgt spid="218"/>
+                                          <p:spTgt spid="216"/>
                                         </p:tgtEl>
                                         <p:attrNameLst>
                                           <p:attrName>style.visibility</p:attrName>
@@ -19590,16 +19677,16 @@
                             </p:stCondLst>
                             <p:childTnLst>
                               <p:par>
-                                <p:cTn id="360" presetID="22" presetClass="exit" presetSubtype="4" fill="hold" nodeType="afterEffect">
+                                <p:cTn id="360" presetID="22" presetClass="exit" presetSubtype="1" fill="hold" nodeType="afterEffect">
                                   <p:stCondLst>
                                     <p:cond delay="0"/>
                                   </p:stCondLst>
                                   <p:childTnLst>
-                                    <p:animEffect transition="out" filter="wipe(down)">
+                                    <p:animEffect transition="out" filter="wipe(up)">
                                       <p:cBhvr>
                                         <p:cTn id="361" dur="20"/>
                                         <p:tgtEl>
-                                          <p:spTgt spid="221"/>
+                                          <p:spTgt spid="218"/>
                                         </p:tgtEl>
                                       </p:cBhvr>
                                     </p:animEffect>
@@ -19611,7 +19698,7 @@
                                           </p:stCondLst>
                                         </p:cTn>
                                         <p:tgtEl>
-                                          <p:spTgt spid="221"/>
+                                          <p:spTgt spid="218"/>
                                         </p:tgtEl>
                                         <p:attrNameLst>
                                           <p:attrName>style.visibility</p:attrName>
@@ -19634,16 +19721,16 @@
                             </p:stCondLst>
                             <p:childTnLst>
                               <p:par>
-                                <p:cTn id="364" presetID="22" presetClass="exit" presetSubtype="1" fill="hold" nodeType="afterEffect">
+                                <p:cTn id="364" presetID="22" presetClass="exit" presetSubtype="4" fill="hold" nodeType="afterEffect">
                                   <p:stCondLst>
                                     <p:cond delay="0"/>
                                   </p:stCondLst>
                                   <p:childTnLst>
-                                    <p:animEffect transition="out" filter="wipe(up)">
+                                    <p:animEffect transition="out" filter="wipe(down)">
                                       <p:cBhvr>
                                         <p:cTn id="365" dur="20"/>
                                         <p:tgtEl>
-                                          <p:spTgt spid="223"/>
+                                          <p:spTgt spid="221"/>
                                         </p:tgtEl>
                                       </p:cBhvr>
                                     </p:animEffect>
@@ -19655,7 +19742,7 @@
                                           </p:stCondLst>
                                         </p:cTn>
                                         <p:tgtEl>
-                                          <p:spTgt spid="223"/>
+                                          <p:spTgt spid="221"/>
                                         </p:tgtEl>
                                         <p:attrNameLst>
                                           <p:attrName>style.visibility</p:attrName>
@@ -19678,16 +19765,16 @@
                             </p:stCondLst>
                             <p:childTnLst>
                               <p:par>
-                                <p:cTn id="368" presetID="22" presetClass="exit" presetSubtype="4" fill="hold" nodeType="afterEffect">
+                                <p:cTn id="368" presetID="22" presetClass="exit" presetSubtype="1" fill="hold" nodeType="afterEffect">
                                   <p:stCondLst>
                                     <p:cond delay="0"/>
                                   </p:stCondLst>
                                   <p:childTnLst>
-                                    <p:animEffect transition="out" filter="wipe(down)">
+                                    <p:animEffect transition="out" filter="wipe(up)">
                                       <p:cBhvr>
                                         <p:cTn id="369" dur="20"/>
                                         <p:tgtEl>
-                                          <p:spTgt spid="225"/>
+                                          <p:spTgt spid="223"/>
                                         </p:tgtEl>
                                       </p:cBhvr>
                                     </p:animEffect>
@@ -19699,7 +19786,7 @@
                                           </p:stCondLst>
                                         </p:cTn>
                                         <p:tgtEl>
-                                          <p:spTgt spid="225"/>
+                                          <p:spTgt spid="223"/>
                                         </p:tgtEl>
                                         <p:attrNameLst>
                                           <p:attrName>style.visibility</p:attrName>
@@ -19731,7 +19818,7 @@
                                       <p:cBhvr>
                                         <p:cTn id="373" dur="20"/>
                                         <p:tgtEl>
-                                          <p:spTgt spid="226"/>
+                                          <p:spTgt spid="225"/>
                                         </p:tgtEl>
                                       </p:cBhvr>
                                     </p:animEffect>
@@ -19743,7 +19830,7 @@
                                           </p:stCondLst>
                                         </p:cTn>
                                         <p:tgtEl>
-                                          <p:spTgt spid="226"/>
+                                          <p:spTgt spid="225"/>
                                         </p:tgtEl>
                                         <p:attrNameLst>
                                           <p:attrName>style.visibility</p:attrName>
@@ -19766,7 +19853,7 @@
                             </p:stCondLst>
                             <p:childTnLst>
                               <p:par>
-                                <p:cTn id="376" presetID="22" presetClass="exit" presetSubtype="4" fill="hold" grpId="0" nodeType="afterEffect">
+                                <p:cTn id="376" presetID="22" presetClass="exit" presetSubtype="4" fill="hold" nodeType="afterEffect">
                                   <p:stCondLst>
                                     <p:cond delay="0"/>
                                   </p:stCondLst>
@@ -19775,7 +19862,7 @@
                                       <p:cBhvr>
                                         <p:cTn id="377" dur="20"/>
                                         <p:tgtEl>
-                                          <p:spTgt spid="228"/>
+                                          <p:spTgt spid="226"/>
                                         </p:tgtEl>
                                       </p:cBhvr>
                                     </p:animEffect>
@@ -19787,7 +19874,7 @@
                                           </p:stCondLst>
                                         </p:cTn>
                                         <p:tgtEl>
-                                          <p:spTgt spid="228"/>
+                                          <p:spTgt spid="226"/>
                                         </p:tgtEl>
                                         <p:attrNameLst>
                                           <p:attrName>style.visibility</p:attrName>
@@ -19810,16 +19897,16 @@
                             </p:stCondLst>
                             <p:childTnLst>
                               <p:par>
-                                <p:cTn id="380" presetID="22" presetClass="exit" presetSubtype="1" fill="hold" grpId="0" nodeType="afterEffect">
+                                <p:cTn id="380" presetID="22" presetClass="exit" presetSubtype="4" fill="hold" grpId="0" nodeType="afterEffect">
                                   <p:stCondLst>
                                     <p:cond delay="0"/>
                                   </p:stCondLst>
                                   <p:childTnLst>
-                                    <p:animEffect transition="out" filter="wipe(up)">
+                                    <p:animEffect transition="out" filter="wipe(down)">
                                       <p:cBhvr>
                                         <p:cTn id="381" dur="20"/>
                                         <p:tgtEl>
-                                          <p:spTgt spid="229"/>
+                                          <p:spTgt spid="228"/>
                                         </p:tgtEl>
                                       </p:cBhvr>
                                     </p:animEffect>
@@ -19831,7 +19918,7 @@
                                           </p:stCondLst>
                                         </p:cTn>
                                         <p:tgtEl>
-                                          <p:spTgt spid="229"/>
+                                          <p:spTgt spid="228"/>
                                         </p:tgtEl>
                                         <p:attrNameLst>
                                           <p:attrName>style.visibility</p:attrName>
@@ -19854,16 +19941,16 @@
                             </p:stCondLst>
                             <p:childTnLst>
                               <p:par>
-                                <p:cTn id="384" presetID="22" presetClass="exit" presetSubtype="8" fill="hold" grpId="0" nodeType="afterEffect">
+                                <p:cTn id="384" presetID="22" presetClass="exit" presetSubtype="1" fill="hold" grpId="0" nodeType="afterEffect">
                                   <p:stCondLst>
                                     <p:cond delay="0"/>
                                   </p:stCondLst>
                                   <p:childTnLst>
-                                    <p:animEffect transition="out" filter="wipe(left)">
+                                    <p:animEffect transition="out" filter="wipe(up)">
                                       <p:cBhvr>
                                         <p:cTn id="385" dur="20"/>
                                         <p:tgtEl>
-                                          <p:spTgt spid="230"/>
+                                          <p:spTgt spid="229"/>
                                         </p:tgtEl>
                                       </p:cBhvr>
                                     </p:animEffect>
@@ -19875,7 +19962,7 @@
                                           </p:stCondLst>
                                         </p:cTn>
                                         <p:tgtEl>
-                                          <p:spTgt spid="230"/>
+                                          <p:spTgt spid="229"/>
                                         </p:tgtEl>
                                         <p:attrNameLst>
                                           <p:attrName>style.visibility</p:attrName>
@@ -19898,16 +19985,16 @@
                             </p:stCondLst>
                             <p:childTnLst>
                               <p:par>
-                                <p:cTn id="388" presetID="22" presetClass="exit" presetSubtype="4" fill="hold" nodeType="afterEffect">
+                                <p:cTn id="388" presetID="22" presetClass="exit" presetSubtype="8" fill="hold" grpId="0" nodeType="afterEffect">
                                   <p:stCondLst>
                                     <p:cond delay="0"/>
                                   </p:stCondLst>
                                   <p:childTnLst>
-                                    <p:animEffect transition="out" filter="wipe(down)">
+                                    <p:animEffect transition="out" filter="wipe(left)">
                                       <p:cBhvr>
                                         <p:cTn id="389" dur="20"/>
                                         <p:tgtEl>
-                                          <p:spTgt spid="231"/>
+                                          <p:spTgt spid="230"/>
                                         </p:tgtEl>
                                       </p:cBhvr>
                                     </p:animEffect>
@@ -19919,7 +20006,7 @@
                                           </p:stCondLst>
                                         </p:cTn>
                                         <p:tgtEl>
-                                          <p:spTgt spid="231"/>
+                                          <p:spTgt spid="230"/>
                                         </p:tgtEl>
                                         <p:attrNameLst>
                                           <p:attrName>style.visibility</p:attrName>
@@ -19942,16 +20029,16 @@
                             </p:stCondLst>
                             <p:childTnLst>
                               <p:par>
-                                <p:cTn id="392" presetID="22" presetClass="exit" presetSubtype="1" fill="hold" nodeType="afterEffect">
+                                <p:cTn id="392" presetID="22" presetClass="exit" presetSubtype="4" fill="hold" nodeType="afterEffect">
                                   <p:stCondLst>
                                     <p:cond delay="0"/>
                                   </p:stCondLst>
                                   <p:childTnLst>
-                                    <p:animEffect transition="out" filter="wipe(up)">
+                                    <p:animEffect transition="out" filter="wipe(down)">
                                       <p:cBhvr>
                                         <p:cTn id="393" dur="20"/>
                                         <p:tgtEl>
-                                          <p:spTgt spid="233"/>
+                                          <p:spTgt spid="231"/>
                                         </p:tgtEl>
                                       </p:cBhvr>
                                     </p:animEffect>
@@ -19963,7 +20050,7 @@
                                           </p:stCondLst>
                                         </p:cTn>
                                         <p:tgtEl>
-                                          <p:spTgt spid="233"/>
+                                          <p:spTgt spid="231"/>
                                         </p:tgtEl>
                                         <p:attrNameLst>
                                           <p:attrName>style.visibility</p:attrName>
@@ -19986,16 +20073,16 @@
                             </p:stCondLst>
                             <p:childTnLst>
                               <p:par>
-                                <p:cTn id="396" presetID="22" presetClass="exit" presetSubtype="4" fill="hold" nodeType="afterEffect">
+                                <p:cTn id="396" presetID="22" presetClass="exit" presetSubtype="1" fill="hold" nodeType="afterEffect">
                                   <p:stCondLst>
                                     <p:cond delay="0"/>
                                   </p:stCondLst>
                                   <p:childTnLst>
-                                    <p:animEffect transition="out" filter="wipe(down)">
+                                    <p:animEffect transition="out" filter="wipe(up)">
                                       <p:cBhvr>
                                         <p:cTn id="397" dur="20"/>
                                         <p:tgtEl>
-                                          <p:spTgt spid="234"/>
+                                          <p:spTgt spid="233"/>
                                         </p:tgtEl>
                                       </p:cBhvr>
                                     </p:animEffect>
@@ -20007,7 +20094,7 @@
                                           </p:stCondLst>
                                         </p:cTn>
                                         <p:tgtEl>
-                                          <p:spTgt spid="234"/>
+                                          <p:spTgt spid="233"/>
                                         </p:tgtEl>
                                         <p:attrNameLst>
                                           <p:attrName>style.visibility</p:attrName>
@@ -20030,16 +20117,16 @@
                             </p:stCondLst>
                             <p:childTnLst>
                               <p:par>
-                                <p:cTn id="400" presetID="22" presetClass="exit" presetSubtype="1" fill="hold" nodeType="afterEffect">
+                                <p:cTn id="400" presetID="22" presetClass="exit" presetSubtype="4" fill="hold" nodeType="afterEffect">
                                   <p:stCondLst>
                                     <p:cond delay="0"/>
                                   </p:stCondLst>
                                   <p:childTnLst>
-                                    <p:animEffect transition="out" filter="wipe(up)">
+                                    <p:animEffect transition="out" filter="wipe(down)">
                                       <p:cBhvr>
                                         <p:cTn id="401" dur="20"/>
                                         <p:tgtEl>
-                                          <p:spTgt spid="237"/>
+                                          <p:spTgt spid="234"/>
                                         </p:tgtEl>
                                       </p:cBhvr>
                                     </p:animEffect>
@@ -20051,7 +20138,7 @@
                                           </p:stCondLst>
                                         </p:cTn>
                                         <p:tgtEl>
-                                          <p:spTgt spid="237"/>
+                                          <p:spTgt spid="234"/>
                                         </p:tgtEl>
                                         <p:attrNameLst>
                                           <p:attrName>style.visibility</p:attrName>
@@ -20083,7 +20170,7 @@
                                       <p:cBhvr>
                                         <p:cTn id="405" dur="20"/>
                                         <p:tgtEl>
-                                          <p:spTgt spid="240"/>
+                                          <p:spTgt spid="237"/>
                                         </p:tgtEl>
                                       </p:cBhvr>
                                     </p:animEffect>
@@ -20095,7 +20182,7 @@
                                           </p:stCondLst>
                                         </p:cTn>
                                         <p:tgtEl>
-                                          <p:spTgt spid="240"/>
+                                          <p:spTgt spid="237"/>
                                         </p:tgtEl>
                                         <p:attrNameLst>
                                           <p:attrName>style.visibility</p:attrName>
@@ -20118,16 +20205,16 @@
                             </p:stCondLst>
                             <p:childTnLst>
                               <p:par>
-                                <p:cTn id="408" presetID="22" presetClass="exit" presetSubtype="4" fill="hold" nodeType="afterEffect">
+                                <p:cTn id="408" presetID="22" presetClass="exit" presetSubtype="1" fill="hold" nodeType="afterEffect">
                                   <p:stCondLst>
                                     <p:cond delay="0"/>
                                   </p:stCondLst>
                                   <p:childTnLst>
-                                    <p:animEffect transition="out" filter="wipe(down)">
+                                    <p:animEffect transition="out" filter="wipe(up)">
                                       <p:cBhvr>
                                         <p:cTn id="409" dur="20"/>
                                         <p:tgtEl>
-                                          <p:spTgt spid="242"/>
+                                          <p:spTgt spid="240"/>
                                         </p:tgtEl>
                                       </p:cBhvr>
                                     </p:animEffect>
@@ -20139,7 +20226,7 @@
                                           </p:stCondLst>
                                         </p:cTn>
                                         <p:tgtEl>
-                                          <p:spTgt spid="242"/>
+                                          <p:spTgt spid="240"/>
                                         </p:tgtEl>
                                         <p:attrNameLst>
                                           <p:attrName>style.visibility</p:attrName>
@@ -20162,16 +20249,16 @@
                             </p:stCondLst>
                             <p:childTnLst>
                               <p:par>
-                                <p:cTn id="412" presetID="22" presetClass="exit" presetSubtype="1" fill="hold" nodeType="afterEffect">
+                                <p:cTn id="412" presetID="22" presetClass="exit" presetSubtype="4" fill="hold" nodeType="afterEffect">
                                   <p:stCondLst>
                                     <p:cond delay="0"/>
                                   </p:stCondLst>
                                   <p:childTnLst>
-                                    <p:animEffect transition="out" filter="wipe(up)">
+                                    <p:animEffect transition="out" filter="wipe(down)">
                                       <p:cBhvr>
                                         <p:cTn id="413" dur="20"/>
                                         <p:tgtEl>
-                                          <p:spTgt spid="244"/>
+                                          <p:spTgt spid="242"/>
                                         </p:tgtEl>
                                       </p:cBhvr>
                                     </p:animEffect>
@@ -20183,7 +20270,7 @@
                                           </p:stCondLst>
                                         </p:cTn>
                                         <p:tgtEl>
-                                          <p:spTgt spid="244"/>
+                                          <p:spTgt spid="242"/>
                                         </p:tgtEl>
                                         <p:attrNameLst>
                                           <p:attrName>style.visibility</p:attrName>
@@ -20206,16 +20293,16 @@
                             </p:stCondLst>
                             <p:childTnLst>
                               <p:par>
-                                <p:cTn id="416" presetID="22" presetClass="exit" presetSubtype="8" fill="hold" nodeType="afterEffect">
+                                <p:cTn id="416" presetID="22" presetClass="exit" presetSubtype="1" fill="hold" nodeType="afterEffect">
                                   <p:stCondLst>
                                     <p:cond delay="0"/>
                                   </p:stCondLst>
                                   <p:childTnLst>
-                                    <p:animEffect transition="out" filter="wipe(left)">
+                                    <p:animEffect transition="out" filter="wipe(up)">
                                       <p:cBhvr>
                                         <p:cTn id="417" dur="20"/>
                                         <p:tgtEl>
-                                          <p:spTgt spid="247"/>
+                                          <p:spTgt spid="244"/>
                                         </p:tgtEl>
                                       </p:cBhvr>
                                     </p:animEffect>
@@ -20227,7 +20314,7 @@
                                           </p:stCondLst>
                                         </p:cTn>
                                         <p:tgtEl>
-                                          <p:spTgt spid="247"/>
+                                          <p:spTgt spid="244"/>
                                         </p:tgtEl>
                                         <p:attrNameLst>
                                           <p:attrName>style.visibility</p:attrName>
@@ -20250,16 +20337,16 @@
                             </p:stCondLst>
                             <p:childTnLst>
                               <p:par>
-                                <p:cTn id="420" presetID="22" presetClass="exit" presetSubtype="2" fill="hold" nodeType="afterEffect">
+                                <p:cTn id="420" presetID="22" presetClass="exit" presetSubtype="8" fill="hold" nodeType="afterEffect">
                                   <p:stCondLst>
                                     <p:cond delay="0"/>
                                   </p:stCondLst>
                                   <p:childTnLst>
-                                    <p:animEffect transition="out" filter="wipe(right)">
+                                    <p:animEffect transition="out" filter="wipe(left)">
                                       <p:cBhvr>
                                         <p:cTn id="421" dur="20"/>
                                         <p:tgtEl>
-                                          <p:spTgt spid="251"/>
+                                          <p:spTgt spid="247"/>
                                         </p:tgtEl>
                                       </p:cBhvr>
                                     </p:animEffect>
@@ -20271,7 +20358,7 @@
                                           </p:stCondLst>
                                         </p:cTn>
                                         <p:tgtEl>
-                                          <p:spTgt spid="251"/>
+                                          <p:spTgt spid="247"/>
                                         </p:tgtEl>
                                         <p:attrNameLst>
                                           <p:attrName>style.visibility</p:attrName>
@@ -20294,16 +20381,16 @@
                             </p:stCondLst>
                             <p:childTnLst>
                               <p:par>
-                                <p:cTn id="424" presetID="22" presetClass="exit" presetSubtype="1" fill="hold" nodeType="afterEffect">
+                                <p:cTn id="424" presetID="22" presetClass="exit" presetSubtype="2" fill="hold" nodeType="afterEffect">
                                   <p:stCondLst>
                                     <p:cond delay="0"/>
                                   </p:stCondLst>
                                   <p:childTnLst>
-                                    <p:animEffect transition="out" filter="wipe(up)">
+                                    <p:animEffect transition="out" filter="wipe(right)">
                                       <p:cBhvr>
                                         <p:cTn id="425" dur="20"/>
                                         <p:tgtEl>
-                                          <p:spTgt spid="252"/>
+                                          <p:spTgt spid="251"/>
                                         </p:tgtEl>
                                       </p:cBhvr>
                                     </p:animEffect>
@@ -20315,7 +20402,7 @@
                                           </p:stCondLst>
                                         </p:cTn>
                                         <p:tgtEl>
-                                          <p:spTgt spid="252"/>
+                                          <p:spTgt spid="251"/>
                                         </p:tgtEl>
                                         <p:attrNameLst>
                                           <p:attrName>style.visibility</p:attrName>
@@ -20338,16 +20425,16 @@
                             </p:stCondLst>
                             <p:childTnLst>
                               <p:par>
-                                <p:cTn id="428" presetID="22" presetClass="exit" presetSubtype="8" fill="hold" nodeType="afterEffect">
+                                <p:cTn id="428" presetID="22" presetClass="exit" presetSubtype="1" fill="hold" nodeType="afterEffect">
                                   <p:stCondLst>
                                     <p:cond delay="0"/>
                                   </p:stCondLst>
                                   <p:childTnLst>
-                                    <p:animEffect transition="out" filter="wipe(left)">
+                                    <p:animEffect transition="out" filter="wipe(up)">
                                       <p:cBhvr>
                                         <p:cTn id="429" dur="20"/>
                                         <p:tgtEl>
-                                          <p:spTgt spid="255"/>
+                                          <p:spTgt spid="252"/>
                                         </p:tgtEl>
                                       </p:cBhvr>
                                     </p:animEffect>
@@ -20359,7 +20446,7 @@
                                           </p:stCondLst>
                                         </p:cTn>
                                         <p:tgtEl>
-                                          <p:spTgt spid="255"/>
+                                          <p:spTgt spid="252"/>
                                         </p:tgtEl>
                                         <p:attrNameLst>
                                           <p:attrName>style.visibility</p:attrName>
@@ -20382,16 +20469,16 @@
                             </p:stCondLst>
                             <p:childTnLst>
                               <p:par>
-                                <p:cTn id="432" presetID="22" presetClass="exit" presetSubtype="4" fill="hold" nodeType="afterEffect">
+                                <p:cTn id="432" presetID="22" presetClass="exit" presetSubtype="8" fill="hold" nodeType="afterEffect">
                                   <p:stCondLst>
                                     <p:cond delay="0"/>
                                   </p:stCondLst>
                                   <p:childTnLst>
-                                    <p:animEffect transition="out" filter="wipe(down)">
+                                    <p:animEffect transition="out" filter="wipe(left)">
                                       <p:cBhvr>
                                         <p:cTn id="433" dur="20"/>
                                         <p:tgtEl>
-                                          <p:spTgt spid="279"/>
+                                          <p:spTgt spid="255"/>
                                         </p:tgtEl>
                                       </p:cBhvr>
                                     </p:animEffect>
@@ -20403,7 +20490,7 @@
                                           </p:stCondLst>
                                         </p:cTn>
                                         <p:tgtEl>
-                                          <p:spTgt spid="279"/>
+                                          <p:spTgt spid="255"/>
                                         </p:tgtEl>
                                         <p:attrNameLst>
                                           <p:attrName>style.visibility</p:attrName>
@@ -20426,16 +20513,16 @@
                             </p:stCondLst>
                             <p:childTnLst>
                               <p:par>
-                                <p:cTn id="436" presetID="22" presetClass="exit" presetSubtype="1" fill="hold" nodeType="afterEffect">
+                                <p:cTn id="436" presetID="22" presetClass="exit" presetSubtype="4" fill="hold" nodeType="afterEffect">
                                   <p:stCondLst>
                                     <p:cond delay="0"/>
                                   </p:stCondLst>
                                   <p:childTnLst>
-                                    <p:animEffect transition="out" filter="wipe(up)">
+                                    <p:animEffect transition="out" filter="wipe(down)">
                                       <p:cBhvr>
                                         <p:cTn id="437" dur="20"/>
                                         <p:tgtEl>
-                                          <p:spTgt spid="280"/>
+                                          <p:spTgt spid="279"/>
                                         </p:tgtEl>
                                       </p:cBhvr>
                                     </p:animEffect>
@@ -20447,7 +20534,7 @@
                                           </p:stCondLst>
                                         </p:cTn>
                                         <p:tgtEl>
-                                          <p:spTgt spid="280"/>
+                                          <p:spTgt spid="279"/>
                                         </p:tgtEl>
                                         <p:attrNameLst>
                                           <p:attrName>style.visibility</p:attrName>
@@ -20479,7 +20566,7 @@
                                       <p:cBhvr>
                                         <p:cTn id="441" dur="20"/>
                                         <p:tgtEl>
-                                          <p:spTgt spid="284"/>
+                                          <p:spTgt spid="280"/>
                                         </p:tgtEl>
                                       </p:cBhvr>
                                     </p:animEffect>
@@ -20491,7 +20578,7 @@
                                           </p:stCondLst>
                                         </p:cTn>
                                         <p:tgtEl>
-                                          <p:spTgt spid="284"/>
+                                          <p:spTgt spid="280"/>
                                         </p:tgtEl>
                                         <p:attrNameLst>
                                           <p:attrName>style.visibility</p:attrName>
@@ -20514,16 +20601,16 @@
                             </p:stCondLst>
                             <p:childTnLst>
                               <p:par>
-                                <p:cTn id="444" presetID="22" presetClass="exit" presetSubtype="8" fill="hold" nodeType="afterEffect">
+                                <p:cTn id="444" presetID="22" presetClass="exit" presetSubtype="1" fill="hold" nodeType="afterEffect">
                                   <p:stCondLst>
                                     <p:cond delay="0"/>
                                   </p:stCondLst>
                                   <p:childTnLst>
-                                    <p:animEffect transition="out" filter="wipe(left)">
+                                    <p:animEffect transition="out" filter="wipe(up)">
                                       <p:cBhvr>
                                         <p:cTn id="445" dur="20"/>
                                         <p:tgtEl>
-                                          <p:spTgt spid="286"/>
+                                          <p:spTgt spid="284"/>
                                         </p:tgtEl>
                                       </p:cBhvr>
                                     </p:animEffect>
@@ -20535,7 +20622,7 @@
                                           </p:stCondLst>
                                         </p:cTn>
                                         <p:tgtEl>
-                                          <p:spTgt spid="286"/>
+                                          <p:spTgt spid="284"/>
                                         </p:tgtEl>
                                         <p:attrNameLst>
                                           <p:attrName>style.visibility</p:attrName>
@@ -20558,16 +20645,16 @@
                             </p:stCondLst>
                             <p:childTnLst>
                               <p:par>
-                                <p:cTn id="448" presetID="22" presetClass="exit" presetSubtype="4" fill="hold" nodeType="afterEffect">
+                                <p:cTn id="448" presetID="22" presetClass="exit" presetSubtype="8" fill="hold" nodeType="afterEffect">
                                   <p:stCondLst>
                                     <p:cond delay="0"/>
                                   </p:stCondLst>
                                   <p:childTnLst>
-                                    <p:animEffect transition="out" filter="wipe(down)">
+                                    <p:animEffect transition="out" filter="wipe(left)">
                                       <p:cBhvr>
                                         <p:cTn id="449" dur="20"/>
                                         <p:tgtEl>
-                                          <p:spTgt spid="305"/>
+                                          <p:spTgt spid="286"/>
                                         </p:tgtEl>
                                       </p:cBhvr>
                                     </p:animEffect>
@@ -20579,7 +20666,7 @@
                                           </p:stCondLst>
                                         </p:cTn>
                                         <p:tgtEl>
-                                          <p:spTgt spid="305"/>
+                                          <p:spTgt spid="286"/>
                                         </p:tgtEl>
                                         <p:attrNameLst>
                                           <p:attrName>style.visibility</p:attrName>
@@ -20602,16 +20689,16 @@
                             </p:stCondLst>
                             <p:childTnLst>
                               <p:par>
-                                <p:cTn id="452" presetID="21" presetClass="exit" presetSubtype="1" fill="hold" grpId="0" nodeType="afterEffect">
+                                <p:cTn id="452" presetID="22" presetClass="exit" presetSubtype="4" fill="hold" nodeType="afterEffect">
                                   <p:stCondLst>
                                     <p:cond delay="0"/>
                                   </p:stCondLst>
                                   <p:childTnLst>
-                                    <p:animEffect transition="out" filter="wheel(1)">
+                                    <p:animEffect transition="out" filter="wipe(down)">
                                       <p:cBhvr>
                                         <p:cTn id="453" dur="20"/>
                                         <p:tgtEl>
-                                          <p:spTgt spid="309"/>
+                                          <p:spTgt spid="305"/>
                                         </p:tgtEl>
                                       </p:cBhvr>
                                     </p:animEffect>
@@ -20623,7 +20710,7 @@
                                           </p:stCondLst>
                                         </p:cTn>
                                         <p:tgtEl>
-                                          <p:spTgt spid="309"/>
+                                          <p:spTgt spid="305"/>
                                         </p:tgtEl>
                                         <p:attrNameLst>
                                           <p:attrName>style.visibility</p:attrName>
@@ -20646,16 +20733,16 @@
                             </p:stCondLst>
                             <p:childTnLst>
                               <p:par>
-                                <p:cTn id="456" presetID="22" presetClass="exit" presetSubtype="8" fill="hold" nodeType="afterEffect">
+                                <p:cTn id="456" presetID="21" presetClass="exit" presetSubtype="1" fill="hold" grpId="0" nodeType="afterEffect">
                                   <p:stCondLst>
                                     <p:cond delay="0"/>
                                   </p:stCondLst>
                                   <p:childTnLst>
-                                    <p:animEffect transition="out" filter="wipe(left)">
+                                    <p:animEffect transition="out" filter="wheel(1)">
                                       <p:cBhvr>
                                         <p:cTn id="457" dur="20"/>
                                         <p:tgtEl>
-                                          <p:spTgt spid="310"/>
+                                          <p:spTgt spid="309"/>
                                         </p:tgtEl>
                                       </p:cBhvr>
                                     </p:animEffect>
@@ -20667,7 +20754,7 @@
                                           </p:stCondLst>
                                         </p:cTn>
                                         <p:tgtEl>
-                                          <p:spTgt spid="310"/>
+                                          <p:spTgt spid="309"/>
                                         </p:tgtEl>
                                         <p:attrNameLst>
                                           <p:attrName>style.visibility</p:attrName>
@@ -20690,16 +20777,16 @@
                             </p:stCondLst>
                             <p:childTnLst>
                               <p:par>
-                                <p:cTn id="460" presetID="22" presetClass="exit" presetSubtype="4" fill="hold" nodeType="afterEffect">
+                                <p:cTn id="460" presetID="22" presetClass="exit" presetSubtype="8" fill="hold" nodeType="afterEffect">
                                   <p:stCondLst>
                                     <p:cond delay="0"/>
                                   </p:stCondLst>
                                   <p:childTnLst>
-                                    <p:animEffect transition="out" filter="wipe(down)">
+                                    <p:animEffect transition="out" filter="wipe(left)">
                                       <p:cBhvr>
                                         <p:cTn id="461" dur="20"/>
                                         <p:tgtEl>
-                                          <p:spTgt spid="314"/>
+                                          <p:spTgt spid="310"/>
                                         </p:tgtEl>
                                       </p:cBhvr>
                                     </p:animEffect>
@@ -20711,7 +20798,7 @@
                                           </p:stCondLst>
                                         </p:cTn>
                                         <p:tgtEl>
-                                          <p:spTgt spid="314"/>
+                                          <p:spTgt spid="310"/>
                                         </p:tgtEl>
                                         <p:attrNameLst>
                                           <p:attrName>style.visibility</p:attrName>
@@ -20734,16 +20821,16 @@
                             </p:stCondLst>
                             <p:childTnLst>
                               <p:par>
-                                <p:cTn id="464" presetID="22" presetClass="exit" presetSubtype="1" fill="hold" nodeType="afterEffect">
+                                <p:cTn id="464" presetID="22" presetClass="exit" presetSubtype="4" fill="hold" nodeType="afterEffect">
                                   <p:stCondLst>
                                     <p:cond delay="0"/>
                                   </p:stCondLst>
                                   <p:childTnLst>
-                                    <p:animEffect transition="out" filter="wipe(up)">
+                                    <p:animEffect transition="out" filter="wipe(down)">
                                       <p:cBhvr>
                                         <p:cTn id="465" dur="20"/>
                                         <p:tgtEl>
-                                          <p:spTgt spid="316"/>
+                                          <p:spTgt spid="314"/>
                                         </p:tgtEl>
                                       </p:cBhvr>
                                     </p:animEffect>
@@ -20755,7 +20842,7 @@
                                           </p:stCondLst>
                                         </p:cTn>
                                         <p:tgtEl>
-                                          <p:spTgt spid="316"/>
+                                          <p:spTgt spid="314"/>
                                         </p:tgtEl>
                                         <p:attrNameLst>
                                           <p:attrName>style.visibility</p:attrName>
@@ -20778,16 +20865,16 @@
                             </p:stCondLst>
                             <p:childTnLst>
                               <p:par>
-                                <p:cTn id="468" presetID="22" presetClass="exit" presetSubtype="4" fill="hold" nodeType="afterEffect">
+                                <p:cTn id="468" presetID="22" presetClass="exit" presetSubtype="1" fill="hold" nodeType="afterEffect">
                                   <p:stCondLst>
                                     <p:cond delay="0"/>
                                   </p:stCondLst>
                                   <p:childTnLst>
-                                    <p:animEffect transition="out" filter="wipe(down)">
+                                    <p:animEffect transition="out" filter="wipe(up)">
                                       <p:cBhvr>
                                         <p:cTn id="469" dur="20"/>
                                         <p:tgtEl>
-                                          <p:spTgt spid="350"/>
+                                          <p:spTgt spid="316"/>
                                         </p:tgtEl>
                                       </p:cBhvr>
                                     </p:animEffect>
@@ -20799,7 +20886,7 @@
                                           </p:stCondLst>
                                         </p:cTn>
                                         <p:tgtEl>
-                                          <p:spTgt spid="350"/>
+                                          <p:spTgt spid="316"/>
                                         </p:tgtEl>
                                         <p:attrNameLst>
                                           <p:attrName>style.visibility</p:attrName>
@@ -20822,16 +20909,16 @@
                             </p:stCondLst>
                             <p:childTnLst>
                               <p:par>
-                                <p:cTn id="472" presetID="22" presetClass="exit" presetSubtype="1" fill="hold" nodeType="afterEffect">
+                                <p:cTn id="472" presetID="22" presetClass="exit" presetSubtype="4" fill="hold" nodeType="afterEffect">
                                   <p:stCondLst>
                                     <p:cond delay="0"/>
                                   </p:stCondLst>
                                   <p:childTnLst>
-                                    <p:animEffect transition="out" filter="wipe(up)">
+                                    <p:animEffect transition="out" filter="wipe(down)">
                                       <p:cBhvr>
                                         <p:cTn id="473" dur="20"/>
                                         <p:tgtEl>
-                                          <p:spTgt spid="351"/>
+                                          <p:spTgt spid="350"/>
                                         </p:tgtEl>
                                       </p:cBhvr>
                                     </p:animEffect>
@@ -20843,7 +20930,7 @@
                                           </p:stCondLst>
                                         </p:cTn>
                                         <p:tgtEl>
-                                          <p:spTgt spid="351"/>
+                                          <p:spTgt spid="350"/>
                                         </p:tgtEl>
                                         <p:attrNameLst>
                                           <p:attrName>style.visibility</p:attrName>
@@ -20866,16 +20953,16 @@
                             </p:stCondLst>
                             <p:childTnLst>
                               <p:par>
-                                <p:cTn id="476" presetID="22" presetClass="exit" presetSubtype="4" fill="hold" nodeType="afterEffect">
+                                <p:cTn id="476" presetID="22" presetClass="exit" presetSubtype="1" fill="hold" nodeType="afterEffect">
                                   <p:stCondLst>
                                     <p:cond delay="0"/>
                                   </p:stCondLst>
                                   <p:childTnLst>
-                                    <p:animEffect transition="out" filter="wipe(down)">
+                                    <p:animEffect transition="out" filter="wipe(up)">
                                       <p:cBhvr>
                                         <p:cTn id="477" dur="20"/>
                                         <p:tgtEl>
-                                          <p:spTgt spid="360"/>
+                                          <p:spTgt spid="351"/>
                                         </p:tgtEl>
                                       </p:cBhvr>
                                     </p:animEffect>
@@ -20887,7 +20974,7 @@
                                           </p:stCondLst>
                                         </p:cTn>
                                         <p:tgtEl>
-                                          <p:spTgt spid="360"/>
+                                          <p:spTgt spid="351"/>
                                         </p:tgtEl>
                                         <p:attrNameLst>
                                           <p:attrName>style.visibility</p:attrName>
@@ -20910,16 +20997,16 @@
                             </p:stCondLst>
                             <p:childTnLst>
                               <p:par>
-                                <p:cTn id="480" presetID="22" presetClass="exit" presetSubtype="1" fill="hold" nodeType="afterEffect">
+                                <p:cTn id="480" presetID="22" presetClass="exit" presetSubtype="4" fill="hold" nodeType="afterEffect">
                                   <p:stCondLst>
                                     <p:cond delay="0"/>
                                   </p:stCondLst>
                                   <p:childTnLst>
-                                    <p:animEffect transition="out" filter="wipe(up)">
+                                    <p:animEffect transition="out" filter="wipe(down)">
                                       <p:cBhvr>
                                         <p:cTn id="481" dur="20"/>
                                         <p:tgtEl>
-                                          <p:spTgt spid="362"/>
+                                          <p:spTgt spid="360"/>
                                         </p:tgtEl>
                                       </p:cBhvr>
                                     </p:animEffect>
@@ -20931,7 +21018,7 @@
                                           </p:stCondLst>
                                         </p:cTn>
                                         <p:tgtEl>
-                                          <p:spTgt spid="362"/>
+                                          <p:spTgt spid="360"/>
                                         </p:tgtEl>
                                         <p:attrNameLst>
                                           <p:attrName>style.visibility</p:attrName>
@@ -20954,16 +21041,16 @@
                             </p:stCondLst>
                             <p:childTnLst>
                               <p:par>
-                                <p:cTn id="484" presetID="22" presetClass="exit" presetSubtype="2" fill="hold" nodeType="afterEffect">
+                                <p:cTn id="484" presetID="22" presetClass="exit" presetSubtype="1" fill="hold" nodeType="afterEffect">
                                   <p:stCondLst>
                                     <p:cond delay="0"/>
                                   </p:stCondLst>
                                   <p:childTnLst>
-                                    <p:animEffect transition="out" filter="wipe(right)">
+                                    <p:animEffect transition="out" filter="wipe(up)">
                                       <p:cBhvr>
                                         <p:cTn id="485" dur="20"/>
                                         <p:tgtEl>
-                                          <p:spTgt spid="363"/>
+                                          <p:spTgt spid="362"/>
                                         </p:tgtEl>
                                       </p:cBhvr>
                                     </p:animEffect>
@@ -20975,7 +21062,7 @@
                                           </p:stCondLst>
                                         </p:cTn>
                                         <p:tgtEl>
-                                          <p:spTgt spid="363"/>
+                                          <p:spTgt spid="362"/>
                                         </p:tgtEl>
                                         <p:attrNameLst>
                                           <p:attrName>style.visibility</p:attrName>
@@ -20998,16 +21085,16 @@
                             </p:stCondLst>
                             <p:childTnLst>
                               <p:par>
-                                <p:cTn id="488" presetID="22" presetClass="exit" presetSubtype="8" fill="hold" nodeType="afterEffect">
+                                <p:cTn id="488" presetID="22" presetClass="exit" presetSubtype="2" fill="hold" nodeType="afterEffect">
                                   <p:stCondLst>
                                     <p:cond delay="0"/>
                                   </p:stCondLst>
                                   <p:childTnLst>
-                                    <p:animEffect transition="out" filter="wipe(left)">
+                                    <p:animEffect transition="out" filter="wipe(right)">
                                       <p:cBhvr>
                                         <p:cTn id="489" dur="20"/>
                                         <p:tgtEl>
-                                          <p:spTgt spid="366"/>
+                                          <p:spTgt spid="363"/>
                                         </p:tgtEl>
                                       </p:cBhvr>
                                     </p:animEffect>
@@ -21019,7 +21106,7 @@
                                           </p:stCondLst>
                                         </p:cTn>
                                         <p:tgtEl>
-                                          <p:spTgt spid="366"/>
+                                          <p:spTgt spid="363"/>
                                         </p:tgtEl>
                                         <p:attrNameLst>
                                           <p:attrName>style.visibility</p:attrName>
@@ -21042,16 +21129,16 @@
                             </p:stCondLst>
                             <p:childTnLst>
                               <p:par>
-                                <p:cTn id="492" presetID="22" presetClass="exit" presetSubtype="2" fill="hold" nodeType="afterEffect">
+                                <p:cTn id="492" presetID="22" presetClass="exit" presetSubtype="8" fill="hold" nodeType="afterEffect">
                                   <p:stCondLst>
                                     <p:cond delay="0"/>
                                   </p:stCondLst>
                                   <p:childTnLst>
-                                    <p:animEffect transition="out" filter="wipe(right)">
+                                    <p:animEffect transition="out" filter="wipe(left)">
                                       <p:cBhvr>
                                         <p:cTn id="493" dur="20"/>
                                         <p:tgtEl>
-                                          <p:spTgt spid="368"/>
+                                          <p:spTgt spid="366"/>
                                         </p:tgtEl>
                                       </p:cBhvr>
                                     </p:animEffect>
@@ -21063,7 +21150,7 @@
                                           </p:stCondLst>
                                         </p:cTn>
                                         <p:tgtEl>
-                                          <p:spTgt spid="368"/>
+                                          <p:spTgt spid="366"/>
                                         </p:tgtEl>
                                         <p:attrNameLst>
                                           <p:attrName>style.visibility</p:attrName>
@@ -21086,16 +21173,16 @@
                             </p:stCondLst>
                             <p:childTnLst>
                               <p:par>
-                                <p:cTn id="496" presetID="22" presetClass="exit" presetSubtype="8" fill="hold" nodeType="afterEffect">
+                                <p:cTn id="496" presetID="22" presetClass="exit" presetSubtype="2" fill="hold" nodeType="afterEffect">
                                   <p:stCondLst>
                                     <p:cond delay="0"/>
                                   </p:stCondLst>
                                   <p:childTnLst>
-                                    <p:animEffect transition="out" filter="wipe(left)">
+                                    <p:animEffect transition="out" filter="wipe(right)">
                                       <p:cBhvr>
                                         <p:cTn id="497" dur="20"/>
                                         <p:tgtEl>
-                                          <p:spTgt spid="370"/>
+                                          <p:spTgt spid="368"/>
                                         </p:tgtEl>
                                       </p:cBhvr>
                                     </p:animEffect>
@@ -21107,7 +21194,7 @@
                                           </p:stCondLst>
                                         </p:cTn>
                                         <p:tgtEl>
-                                          <p:spTgt spid="370"/>
+                                          <p:spTgt spid="368"/>
                                         </p:tgtEl>
                                         <p:attrNameLst>
                                           <p:attrName>style.visibility</p:attrName>
@@ -21130,16 +21217,16 @@
                             </p:stCondLst>
                             <p:childTnLst>
                               <p:par>
-                                <p:cTn id="500" presetID="22" presetClass="exit" presetSubtype="4" fill="hold" nodeType="afterEffect">
+                                <p:cTn id="500" presetID="22" presetClass="exit" presetSubtype="8" fill="hold" nodeType="afterEffect">
                                   <p:stCondLst>
                                     <p:cond delay="0"/>
                                   </p:stCondLst>
                                   <p:childTnLst>
-                                    <p:animEffect transition="out" filter="wipe(down)">
+                                    <p:animEffect transition="out" filter="wipe(left)">
                                       <p:cBhvr>
                                         <p:cTn id="501" dur="20"/>
                                         <p:tgtEl>
-                                          <p:spTgt spid="372"/>
+                                          <p:spTgt spid="370"/>
                                         </p:tgtEl>
                                       </p:cBhvr>
                                     </p:animEffect>
@@ -21151,7 +21238,7 @@
                                           </p:stCondLst>
                                         </p:cTn>
                                         <p:tgtEl>
-                                          <p:spTgt spid="372"/>
+                                          <p:spTgt spid="370"/>
                                         </p:tgtEl>
                                         <p:attrNameLst>
                                           <p:attrName>style.visibility</p:attrName>
@@ -21174,16 +21261,16 @@
                             </p:stCondLst>
                             <p:childTnLst>
                               <p:par>
-                                <p:cTn id="504" presetID="22" presetClass="exit" presetSubtype="8" fill="hold" nodeType="afterEffect">
+                                <p:cTn id="504" presetID="22" presetClass="exit" presetSubtype="4" fill="hold" nodeType="afterEffect">
                                   <p:stCondLst>
                                     <p:cond delay="0"/>
                                   </p:stCondLst>
                                   <p:childTnLst>
-                                    <p:animEffect transition="out" filter="wipe(left)">
+                                    <p:animEffect transition="out" filter="wipe(down)">
                                       <p:cBhvr>
                                         <p:cTn id="505" dur="20"/>
                                         <p:tgtEl>
-                                          <p:spTgt spid="373"/>
+                                          <p:spTgt spid="372"/>
                                         </p:tgtEl>
                                       </p:cBhvr>
                                     </p:animEffect>
@@ -21195,7 +21282,7 @@
                                           </p:stCondLst>
                                         </p:cTn>
                                         <p:tgtEl>
-                                          <p:spTgt spid="373"/>
+                                          <p:spTgt spid="372"/>
                                         </p:tgtEl>
                                         <p:attrNameLst>
                                           <p:attrName>style.visibility</p:attrName>
@@ -21227,7 +21314,7 @@
                                       <p:cBhvr>
                                         <p:cTn id="509" dur="20"/>
                                         <p:tgtEl>
-                                          <p:spTgt spid="375"/>
+                                          <p:spTgt spid="373"/>
                                         </p:tgtEl>
                                       </p:cBhvr>
                                     </p:animEffect>
@@ -21239,7 +21326,7 @@
                                           </p:stCondLst>
                                         </p:cTn>
                                         <p:tgtEl>
-                                          <p:spTgt spid="375"/>
+                                          <p:spTgt spid="373"/>
                                         </p:tgtEl>
                                         <p:attrNameLst>
                                           <p:attrName>style.visibility</p:attrName>
@@ -21262,16 +21349,16 @@
                             </p:stCondLst>
                             <p:childTnLst>
                               <p:par>
-                                <p:cTn id="512" presetID="22" presetClass="exit" presetSubtype="4" fill="hold" nodeType="afterEffect">
+                                <p:cTn id="512" presetID="22" presetClass="exit" presetSubtype="8" fill="hold" nodeType="afterEffect">
                                   <p:stCondLst>
                                     <p:cond delay="0"/>
                                   </p:stCondLst>
                                   <p:childTnLst>
-                                    <p:animEffect transition="out" filter="wipe(down)">
+                                    <p:animEffect transition="out" filter="wipe(left)">
                                       <p:cBhvr>
                                         <p:cTn id="513" dur="20"/>
                                         <p:tgtEl>
-                                          <p:spTgt spid="376"/>
+                                          <p:spTgt spid="375"/>
                                         </p:tgtEl>
                                       </p:cBhvr>
                                     </p:animEffect>
@@ -21283,7 +21370,7 @@
                                           </p:stCondLst>
                                         </p:cTn>
                                         <p:tgtEl>
-                                          <p:spTgt spid="376"/>
+                                          <p:spTgt spid="375"/>
                                         </p:tgtEl>
                                         <p:attrNameLst>
                                           <p:attrName>style.visibility</p:attrName>
@@ -21306,16 +21393,16 @@
                             </p:stCondLst>
                             <p:childTnLst>
                               <p:par>
-                                <p:cTn id="516" presetID="22" presetClass="exit" presetSubtype="1" fill="hold" nodeType="afterEffect">
+                                <p:cTn id="516" presetID="22" presetClass="exit" presetSubtype="4" fill="hold" nodeType="afterEffect">
                                   <p:stCondLst>
                                     <p:cond delay="0"/>
                                   </p:stCondLst>
                                   <p:childTnLst>
-                                    <p:animEffect transition="out" filter="wipe(up)">
+                                    <p:animEffect transition="out" filter="wipe(down)">
                                       <p:cBhvr>
                                         <p:cTn id="517" dur="20"/>
                                         <p:tgtEl>
-                                          <p:spTgt spid="378"/>
+                                          <p:spTgt spid="376"/>
                                         </p:tgtEl>
                                       </p:cBhvr>
                                     </p:animEffect>
@@ -21327,7 +21414,7 @@
                                           </p:stCondLst>
                                         </p:cTn>
                                         <p:tgtEl>
-                                          <p:spTgt spid="378"/>
+                                          <p:spTgt spid="376"/>
                                         </p:tgtEl>
                                         <p:attrNameLst>
                                           <p:attrName>style.visibility</p:attrName>
@@ -21350,16 +21437,16 @@
                             </p:stCondLst>
                             <p:childTnLst>
                               <p:par>
-                                <p:cTn id="520" presetID="22" presetClass="exit" presetSubtype="4" fill="hold" nodeType="afterEffect">
+                                <p:cTn id="520" presetID="22" presetClass="exit" presetSubtype="1" fill="hold" nodeType="afterEffect">
                                   <p:stCondLst>
                                     <p:cond delay="0"/>
                                   </p:stCondLst>
                                   <p:childTnLst>
-                                    <p:animEffect transition="out" filter="wipe(down)">
+                                    <p:animEffect transition="out" filter="wipe(up)">
                                       <p:cBhvr>
                                         <p:cTn id="521" dur="20"/>
                                         <p:tgtEl>
-                                          <p:spTgt spid="380"/>
+                                          <p:spTgt spid="378"/>
                                         </p:tgtEl>
                                       </p:cBhvr>
                                     </p:animEffect>
@@ -21371,7 +21458,7 @@
                                           </p:stCondLst>
                                         </p:cTn>
                                         <p:tgtEl>
-                                          <p:spTgt spid="380"/>
+                                          <p:spTgt spid="378"/>
                                         </p:tgtEl>
                                         <p:attrNameLst>
                                           <p:attrName>style.visibility</p:attrName>
@@ -21403,7 +21490,7 @@
                                       <p:cBhvr>
                                         <p:cTn id="525" dur="20"/>
                                         <p:tgtEl>
-                                          <p:spTgt spid="381"/>
+                                          <p:spTgt spid="380"/>
                                         </p:tgtEl>
                                       </p:cBhvr>
                                     </p:animEffect>
@@ -21415,7 +21502,7 @@
                                           </p:stCondLst>
                                         </p:cTn>
                                         <p:tgtEl>
-                                          <p:spTgt spid="381"/>
+                                          <p:spTgt spid="380"/>
                                         </p:tgtEl>
                                         <p:attrNameLst>
                                           <p:attrName>style.visibility</p:attrName>
@@ -21438,16 +21525,16 @@
                             </p:stCondLst>
                             <p:childTnLst>
                               <p:par>
-                                <p:cTn id="528" presetID="22" presetClass="exit" presetSubtype="1" fill="hold" nodeType="afterEffect">
+                                <p:cTn id="528" presetID="22" presetClass="exit" presetSubtype="4" fill="hold" nodeType="afterEffect">
                                   <p:stCondLst>
                                     <p:cond delay="0"/>
                                   </p:stCondLst>
                                   <p:childTnLst>
-                                    <p:animEffect transition="out" filter="wipe(up)">
+                                    <p:animEffect transition="out" filter="wipe(down)">
                                       <p:cBhvr>
                                         <p:cTn id="529" dur="20"/>
                                         <p:tgtEl>
-                                          <p:spTgt spid="383"/>
+                                          <p:spTgt spid="381"/>
                                         </p:tgtEl>
                                       </p:cBhvr>
                                     </p:animEffect>
@@ -21459,7 +21546,7 @@
                                           </p:stCondLst>
                                         </p:cTn>
                                         <p:tgtEl>
-                                          <p:spTgt spid="383"/>
+                                          <p:spTgt spid="381"/>
                                         </p:tgtEl>
                                         <p:attrNameLst>
                                           <p:attrName>style.visibility</p:attrName>
@@ -21482,16 +21569,16 @@
                             </p:stCondLst>
                             <p:childTnLst>
                               <p:par>
-                                <p:cTn id="532" presetID="22" presetClass="exit" presetSubtype="4" fill="hold" nodeType="afterEffect">
+                                <p:cTn id="532" presetID="22" presetClass="exit" presetSubtype="1" fill="hold" nodeType="afterEffect">
                                   <p:stCondLst>
                                     <p:cond delay="0"/>
                                   </p:stCondLst>
                                   <p:childTnLst>
-                                    <p:animEffect transition="out" filter="wipe(down)">
+                                    <p:animEffect transition="out" filter="wipe(up)">
                                       <p:cBhvr>
                                         <p:cTn id="533" dur="20"/>
                                         <p:tgtEl>
-                                          <p:spTgt spid="392"/>
+                                          <p:spTgt spid="383"/>
                                         </p:tgtEl>
                                       </p:cBhvr>
                                     </p:animEffect>
@@ -21503,7 +21590,7 @@
                                           </p:stCondLst>
                                         </p:cTn>
                                         <p:tgtEl>
-                                          <p:spTgt spid="392"/>
+                                          <p:spTgt spid="383"/>
                                         </p:tgtEl>
                                         <p:attrNameLst>
                                           <p:attrName>style.visibility</p:attrName>
@@ -21526,16 +21613,16 @@
                             </p:stCondLst>
                             <p:childTnLst>
                               <p:par>
-                                <p:cTn id="536" presetID="22" presetClass="exit" presetSubtype="1" fill="hold" nodeType="afterEffect">
+                                <p:cTn id="536" presetID="22" presetClass="exit" presetSubtype="4" fill="hold" nodeType="afterEffect">
                                   <p:stCondLst>
                                     <p:cond delay="0"/>
                                   </p:stCondLst>
                                   <p:childTnLst>
-                                    <p:animEffect transition="out" filter="wipe(up)">
+                                    <p:animEffect transition="out" filter="wipe(down)">
                                       <p:cBhvr>
                                         <p:cTn id="537" dur="20"/>
                                         <p:tgtEl>
-                                          <p:spTgt spid="393"/>
+                                          <p:spTgt spid="392"/>
                                         </p:tgtEl>
                                       </p:cBhvr>
                                     </p:animEffect>
@@ -21547,7 +21634,7 @@
                                           </p:stCondLst>
                                         </p:cTn>
                                         <p:tgtEl>
-                                          <p:spTgt spid="393"/>
+                                          <p:spTgt spid="392"/>
                                         </p:tgtEl>
                                         <p:attrNameLst>
                                           <p:attrName>style.visibility</p:attrName>
@@ -21570,16 +21657,16 @@
                             </p:stCondLst>
                             <p:childTnLst>
                               <p:par>
-                                <p:cTn id="540" presetID="22" presetClass="exit" presetSubtype="4" fill="hold" nodeType="afterEffect">
+                                <p:cTn id="540" presetID="22" presetClass="exit" presetSubtype="1" fill="hold" nodeType="afterEffect">
                                   <p:stCondLst>
                                     <p:cond delay="0"/>
                                   </p:stCondLst>
                                   <p:childTnLst>
-                                    <p:animEffect transition="out" filter="wipe(down)">
+                                    <p:animEffect transition="out" filter="wipe(up)">
                                       <p:cBhvr>
                                         <p:cTn id="541" dur="20"/>
                                         <p:tgtEl>
-                                          <p:spTgt spid="394"/>
+                                          <p:spTgt spid="393"/>
                                         </p:tgtEl>
                                       </p:cBhvr>
                                     </p:animEffect>
@@ -21591,7 +21678,7 @@
                                           </p:stCondLst>
                                         </p:cTn>
                                         <p:tgtEl>
-                                          <p:spTgt spid="394"/>
+                                          <p:spTgt spid="393"/>
                                         </p:tgtEl>
                                         <p:attrNameLst>
                                           <p:attrName>style.visibility</p:attrName>
@@ -21614,16 +21701,16 @@
                             </p:stCondLst>
                             <p:childTnLst>
                               <p:par>
-                                <p:cTn id="544" presetID="22" presetClass="exit" presetSubtype="1" fill="hold" nodeType="afterEffect">
+                                <p:cTn id="544" presetID="22" presetClass="exit" presetSubtype="4" fill="hold" nodeType="afterEffect">
                                   <p:stCondLst>
                                     <p:cond delay="0"/>
                                   </p:stCondLst>
                                   <p:childTnLst>
-                                    <p:animEffect transition="out" filter="wipe(up)">
+                                    <p:animEffect transition="out" filter="wipe(down)">
                                       <p:cBhvr>
                                         <p:cTn id="545" dur="20"/>
                                         <p:tgtEl>
-                                          <p:spTgt spid="396"/>
+                                          <p:spTgt spid="394"/>
                                         </p:tgtEl>
                                       </p:cBhvr>
                                     </p:animEffect>
@@ -21635,7 +21722,7 @@
                                           </p:stCondLst>
                                         </p:cTn>
                                         <p:tgtEl>
-                                          <p:spTgt spid="396"/>
+                                          <p:spTgt spid="394"/>
                                         </p:tgtEl>
                                         <p:attrNameLst>
                                           <p:attrName>style.visibility</p:attrName>
@@ -21667,7 +21754,7 @@
                                       <p:cBhvr>
                                         <p:cTn id="549" dur="20"/>
                                         <p:tgtEl>
-                                          <p:spTgt spid="398"/>
+                                          <p:spTgt spid="396"/>
                                         </p:tgtEl>
                                       </p:cBhvr>
                                     </p:animEffect>
@@ -21679,7 +21766,7 @@
                                           </p:stCondLst>
                                         </p:cTn>
                                         <p:tgtEl>
-                                          <p:spTgt spid="398"/>
+                                          <p:spTgt spid="396"/>
                                         </p:tgtEl>
                                         <p:attrNameLst>
                                           <p:attrName>style.visibility</p:attrName>
@@ -21702,16 +21789,16 @@
                             </p:stCondLst>
                             <p:childTnLst>
                               <p:par>
-                                <p:cTn id="552" presetID="22" presetClass="exit" presetSubtype="4" fill="hold" nodeType="afterEffect">
+                                <p:cTn id="552" presetID="22" presetClass="exit" presetSubtype="1" fill="hold" nodeType="afterEffect">
                                   <p:stCondLst>
                                     <p:cond delay="0"/>
                                   </p:stCondLst>
                                   <p:childTnLst>
-                                    <p:animEffect transition="out" filter="wipe(down)">
+                                    <p:animEffect transition="out" filter="wipe(up)">
                                       <p:cBhvr>
                                         <p:cTn id="553" dur="20"/>
                                         <p:tgtEl>
-                                          <p:spTgt spid="400"/>
+                                          <p:spTgt spid="398"/>
                                         </p:tgtEl>
                                       </p:cBhvr>
                                     </p:animEffect>
@@ -21723,7 +21810,7 @@
                                           </p:stCondLst>
                                         </p:cTn>
                                         <p:tgtEl>
-                                          <p:spTgt spid="400"/>
+                                          <p:spTgt spid="398"/>
                                         </p:tgtEl>
                                         <p:attrNameLst>
                                           <p:attrName>style.visibility</p:attrName>
@@ -21755,7 +21842,7 @@
                                       <p:cBhvr>
                                         <p:cTn id="557" dur="20"/>
                                         <p:tgtEl>
-                                          <p:spTgt spid="402"/>
+                                          <p:spTgt spid="400"/>
                                         </p:tgtEl>
                                       </p:cBhvr>
                                     </p:animEffect>
@@ -21767,7 +21854,7 @@
                                           </p:stCondLst>
                                         </p:cTn>
                                         <p:tgtEl>
-                                          <p:spTgt spid="402"/>
+                                          <p:spTgt spid="400"/>
                                         </p:tgtEl>
                                         <p:attrNameLst>
                                           <p:attrName>style.visibility</p:attrName>
@@ -21790,16 +21877,16 @@
                             </p:stCondLst>
                             <p:childTnLst>
                               <p:par>
-                                <p:cTn id="560" presetID="22" presetClass="exit" presetSubtype="8" fill="hold" nodeType="afterEffect">
+                                <p:cTn id="560" presetID="22" presetClass="exit" presetSubtype="4" fill="hold" nodeType="afterEffect">
                                   <p:stCondLst>
                                     <p:cond delay="0"/>
                                   </p:stCondLst>
                                   <p:childTnLst>
-                                    <p:animEffect transition="out" filter="wipe(left)">
+                                    <p:animEffect transition="out" filter="wipe(down)">
                                       <p:cBhvr>
                                         <p:cTn id="561" dur="20"/>
                                         <p:tgtEl>
-                                          <p:spTgt spid="403"/>
+                                          <p:spTgt spid="402"/>
                                         </p:tgtEl>
                                       </p:cBhvr>
                                     </p:animEffect>
@@ -21811,7 +21898,7 @@
                                           </p:stCondLst>
                                         </p:cTn>
                                         <p:tgtEl>
-                                          <p:spTgt spid="403"/>
+                                          <p:spTgt spid="402"/>
                                         </p:tgtEl>
                                         <p:attrNameLst>
                                           <p:attrName>style.visibility</p:attrName>
@@ -21834,16 +21921,16 @@
                             </p:stCondLst>
                             <p:childTnLst>
                               <p:par>
-                                <p:cTn id="564" presetID="22" presetClass="exit" presetSubtype="1" fill="hold" nodeType="afterEffect">
+                                <p:cTn id="564" presetID="22" presetClass="exit" presetSubtype="8" fill="hold" nodeType="afterEffect">
                                   <p:stCondLst>
                                     <p:cond delay="0"/>
                                   </p:stCondLst>
                                   <p:childTnLst>
-                                    <p:animEffect transition="out" filter="wipe(up)">
+                                    <p:animEffect transition="out" filter="wipe(left)">
                                       <p:cBhvr>
                                         <p:cTn id="565" dur="20"/>
                                         <p:tgtEl>
-                                          <p:spTgt spid="405"/>
+                                          <p:spTgt spid="403"/>
                                         </p:tgtEl>
                                       </p:cBhvr>
                                     </p:animEffect>
@@ -21855,7 +21942,7 @@
                                           </p:stCondLst>
                                         </p:cTn>
                                         <p:tgtEl>
-                                          <p:spTgt spid="405"/>
+                                          <p:spTgt spid="403"/>
                                         </p:tgtEl>
                                         <p:attrNameLst>
                                           <p:attrName>style.visibility</p:attrName>
@@ -21878,16 +21965,16 @@
                             </p:stCondLst>
                             <p:childTnLst>
                               <p:par>
-                                <p:cTn id="568" presetID="22" presetClass="exit" presetSubtype="8" fill="hold" nodeType="afterEffect">
+                                <p:cTn id="568" presetID="22" presetClass="exit" presetSubtype="1" fill="hold" nodeType="afterEffect">
                                   <p:stCondLst>
                                     <p:cond delay="0"/>
                                   </p:stCondLst>
                                   <p:childTnLst>
-                                    <p:animEffect transition="out" filter="wipe(left)">
+                                    <p:animEffect transition="out" filter="wipe(up)">
                                       <p:cBhvr>
                                         <p:cTn id="569" dur="20"/>
                                         <p:tgtEl>
-                                          <p:spTgt spid="407"/>
+                                          <p:spTgt spid="405"/>
                                         </p:tgtEl>
                                       </p:cBhvr>
                                     </p:animEffect>
@@ -21899,7 +21986,7 @@
                                           </p:stCondLst>
                                         </p:cTn>
                                         <p:tgtEl>
-                                          <p:spTgt spid="407"/>
+                                          <p:spTgt spid="405"/>
                                         </p:tgtEl>
                                         <p:attrNameLst>
                                           <p:attrName>style.visibility</p:attrName>
@@ -21922,16 +22009,16 @@
                             </p:stCondLst>
                             <p:childTnLst>
                               <p:par>
-                                <p:cTn id="572" presetID="22" presetClass="exit" presetSubtype="4" fill="hold" nodeType="afterEffect">
+                                <p:cTn id="572" presetID="22" presetClass="exit" presetSubtype="8" fill="hold" nodeType="afterEffect">
                                   <p:stCondLst>
                                     <p:cond delay="0"/>
                                   </p:stCondLst>
                                   <p:childTnLst>
-                                    <p:animEffect transition="out" filter="wipe(down)">
+                                    <p:animEffect transition="out" filter="wipe(left)">
                                       <p:cBhvr>
                                         <p:cTn id="573" dur="20"/>
                                         <p:tgtEl>
-                                          <p:spTgt spid="408"/>
+                                          <p:spTgt spid="407"/>
                                         </p:tgtEl>
                                       </p:cBhvr>
                                     </p:animEffect>
@@ -21943,7 +22030,7 @@
                                           </p:stCondLst>
                                         </p:cTn>
                                         <p:tgtEl>
-                                          <p:spTgt spid="408"/>
+                                          <p:spTgt spid="407"/>
                                         </p:tgtEl>
                                         <p:attrNameLst>
                                           <p:attrName>style.visibility</p:attrName>
@@ -21966,16 +22053,16 @@
                             </p:stCondLst>
                             <p:childTnLst>
                               <p:par>
-                                <p:cTn id="576" presetID="22" presetClass="exit" presetSubtype="1" fill="hold" nodeType="afterEffect">
+                                <p:cTn id="576" presetID="22" presetClass="exit" presetSubtype="4" fill="hold" nodeType="afterEffect">
                                   <p:stCondLst>
                                     <p:cond delay="0"/>
                                   </p:stCondLst>
                                   <p:childTnLst>
-                                    <p:animEffect transition="out" filter="wipe(up)">
+                                    <p:animEffect transition="out" filter="wipe(down)">
                                       <p:cBhvr>
                                         <p:cTn id="577" dur="20"/>
                                         <p:tgtEl>
-                                          <p:spTgt spid="349"/>
+                                          <p:spTgt spid="408"/>
                                         </p:tgtEl>
                                       </p:cBhvr>
                                     </p:animEffect>
@@ -21987,7 +22074,7 @@
                                           </p:stCondLst>
                                         </p:cTn>
                                         <p:tgtEl>
-                                          <p:spTgt spid="349"/>
+                                          <p:spTgt spid="408"/>
                                         </p:tgtEl>
                                         <p:attrNameLst>
                                           <p:attrName>style.visibility</p:attrName>
@@ -22010,16 +22097,16 @@
                             </p:stCondLst>
                             <p:childTnLst>
                               <p:par>
-                                <p:cTn id="580" presetID="21" presetClass="exit" presetSubtype="1" fill="hold" grpId="0" nodeType="afterEffect">
+                                <p:cTn id="580" presetID="22" presetClass="exit" presetSubtype="1" fill="hold" nodeType="afterEffect">
                                   <p:stCondLst>
-                                    <p:cond delay="500"/>
+                                    <p:cond delay="0"/>
                                   </p:stCondLst>
                                   <p:childTnLst>
-                                    <p:animEffect transition="out" filter="wheel(1)">
+                                    <p:animEffect transition="out" filter="wipe(up)">
                                       <p:cBhvr>
                                         <p:cTn id="581" dur="20"/>
                                         <p:tgtEl>
-                                          <p:spTgt spid="149"/>
+                                          <p:spTgt spid="349"/>
                                         </p:tgtEl>
                                       </p:cBhvr>
                                     </p:animEffect>
@@ -22031,7 +22118,7 @@
                                           </p:stCondLst>
                                         </p:cTn>
                                         <p:tgtEl>
-                                          <p:spTgt spid="149"/>
+                                          <p:spTgt spid="349"/>
                                         </p:tgtEl>
                                         <p:attrNameLst>
                                           <p:attrName>style.visibility</p:attrName>
@@ -22050,20 +22137,20 @@
                         <p:par>
                           <p:cTn id="583" fill="hold">
                             <p:stCondLst>
-                              <p:cond delay="3380"/>
+                              <p:cond delay="2880"/>
                             </p:stCondLst>
                             <p:childTnLst>
                               <p:par>
-                                <p:cTn id="584" presetID="22" presetClass="exit" presetSubtype="8" fill="hold" nodeType="afterEffect">
+                                <p:cTn id="584" presetID="21" presetClass="exit" presetSubtype="1" fill="hold" grpId="0" nodeType="afterEffect">
                                   <p:stCondLst>
-                                    <p:cond delay="0"/>
+                                    <p:cond delay="500"/>
                                   </p:stCondLst>
                                   <p:childTnLst>
-                                    <p:animEffect transition="out" filter="wipe(left)">
+                                    <p:animEffect transition="out" filter="wheel(1)">
                                       <p:cBhvr>
                                         <p:cTn id="585" dur="20"/>
                                         <p:tgtEl>
-                                          <p:spTgt spid="151"/>
+                                          <p:spTgt spid="149"/>
                                         </p:tgtEl>
                                       </p:cBhvr>
                                     </p:animEffect>
@@ -22075,7 +22162,7 @@
                                           </p:stCondLst>
                                         </p:cTn>
                                         <p:tgtEl>
-                                          <p:spTgt spid="151"/>
+                                          <p:spTgt spid="149"/>
                                         </p:tgtEl>
                                         <p:attrNameLst>
                                           <p:attrName>style.visibility</p:attrName>
@@ -22098,16 +22185,16 @@
                             </p:stCondLst>
                             <p:childTnLst>
                               <p:par>
-                                <p:cTn id="588" presetID="22" presetClass="exit" presetSubtype="2" fill="hold" nodeType="afterEffect">
+                                <p:cTn id="588" presetID="22" presetClass="exit" presetSubtype="8" fill="hold" nodeType="afterEffect">
                                   <p:stCondLst>
                                     <p:cond delay="0"/>
                                   </p:stCondLst>
                                   <p:childTnLst>
-                                    <p:animEffect transition="out" filter="wipe(right)">
+                                    <p:animEffect transition="out" filter="wipe(left)">
                                       <p:cBhvr>
                                         <p:cTn id="589" dur="20"/>
                                         <p:tgtEl>
-                                          <p:spTgt spid="22"/>
+                                          <p:spTgt spid="151"/>
                                         </p:tgtEl>
                                       </p:cBhvr>
                                     </p:animEffect>
@@ -22119,7 +22206,7 @@
                                           </p:stCondLst>
                                         </p:cTn>
                                         <p:tgtEl>
-                                          <p:spTgt spid="22"/>
+                                          <p:spTgt spid="151"/>
                                         </p:tgtEl>
                                         <p:attrNameLst>
                                           <p:attrName>style.visibility</p:attrName>
@@ -22142,16 +22229,16 @@
                             </p:stCondLst>
                             <p:childTnLst>
                               <p:par>
-                                <p:cTn id="592" presetID="22" presetClass="exit" presetSubtype="4" fill="hold" nodeType="afterEffect">
+                                <p:cTn id="592" presetID="22" presetClass="exit" presetSubtype="2" fill="hold" nodeType="afterEffect">
                                   <p:stCondLst>
                                     <p:cond delay="0"/>
                                   </p:stCondLst>
                                   <p:childTnLst>
-                                    <p:animEffect transition="out" filter="wipe(down)">
+                                    <p:animEffect transition="out" filter="wipe(right)">
                                       <p:cBhvr>
                                         <p:cTn id="593" dur="20"/>
                                         <p:tgtEl>
-                                          <p:spTgt spid="154"/>
+                                          <p:spTgt spid="22"/>
                                         </p:tgtEl>
                                       </p:cBhvr>
                                     </p:animEffect>
@@ -22163,7 +22250,7 @@
                                           </p:stCondLst>
                                         </p:cTn>
                                         <p:tgtEl>
-                                          <p:spTgt spid="154"/>
+                                          <p:spTgt spid="22"/>
                                         </p:tgtEl>
                                         <p:attrNameLst>
                                           <p:attrName>style.visibility</p:attrName>
@@ -22186,16 +22273,16 @@
                             </p:stCondLst>
                             <p:childTnLst>
                               <p:par>
-                                <p:cTn id="596" presetID="22" presetClass="exit" presetSubtype="8" fill="hold" nodeType="afterEffect">
+                                <p:cTn id="596" presetID="22" presetClass="exit" presetSubtype="4" fill="hold" nodeType="afterEffect">
                                   <p:stCondLst>
                                     <p:cond delay="0"/>
                                   </p:stCondLst>
                                   <p:childTnLst>
-                                    <p:animEffect transition="out" filter="wipe(left)">
+                                    <p:animEffect transition="out" filter="wipe(down)">
                                       <p:cBhvr>
                                         <p:cTn id="597" dur="20"/>
                                         <p:tgtEl>
-                                          <p:spTgt spid="156"/>
+                                          <p:spTgt spid="154"/>
                                         </p:tgtEl>
                                       </p:cBhvr>
                                     </p:animEffect>
@@ -22207,7 +22294,7 @@
                                           </p:stCondLst>
                                         </p:cTn>
                                         <p:tgtEl>
-                                          <p:spTgt spid="156"/>
+                                          <p:spTgt spid="154"/>
                                         </p:tgtEl>
                                         <p:attrNameLst>
                                           <p:attrName>style.visibility</p:attrName>
@@ -22230,16 +22317,16 @@
                             </p:stCondLst>
                             <p:childTnLst>
                               <p:par>
-                                <p:cTn id="600" presetID="22" presetClass="exit" presetSubtype="1" fill="hold" nodeType="afterEffect">
+                                <p:cTn id="600" presetID="22" presetClass="exit" presetSubtype="8" fill="hold" nodeType="afterEffect">
                                   <p:stCondLst>
                                     <p:cond delay="0"/>
                                   </p:stCondLst>
                                   <p:childTnLst>
-                                    <p:animEffect transition="out" filter="wipe(up)">
+                                    <p:animEffect transition="out" filter="wipe(left)">
                                       <p:cBhvr>
                                         <p:cTn id="601" dur="20"/>
                                         <p:tgtEl>
-                                          <p:spTgt spid="158"/>
+                                          <p:spTgt spid="156"/>
                                         </p:tgtEl>
                                       </p:cBhvr>
                                     </p:animEffect>
@@ -22251,7 +22338,7 @@
                                           </p:stCondLst>
                                         </p:cTn>
                                         <p:tgtEl>
-                                          <p:spTgt spid="158"/>
+                                          <p:spTgt spid="156"/>
                                         </p:tgtEl>
                                         <p:attrNameLst>
                                           <p:attrName>style.visibility</p:attrName>
@@ -22283,7 +22370,7 @@
                                       <p:cBhvr>
                                         <p:cTn id="605" dur="20"/>
                                         <p:tgtEl>
-                                          <p:spTgt spid="163"/>
+                                          <p:spTgt spid="158"/>
                                         </p:tgtEl>
                                       </p:cBhvr>
                                     </p:animEffect>
@@ -22295,7 +22382,7 @@
                                           </p:stCondLst>
                                         </p:cTn>
                                         <p:tgtEl>
-                                          <p:spTgt spid="163"/>
+                                          <p:spTgt spid="158"/>
                                         </p:tgtEl>
                                         <p:attrNameLst>
                                           <p:attrName>style.visibility</p:attrName>
@@ -22318,16 +22405,16 @@
                             </p:stCondLst>
                             <p:childTnLst>
                               <p:par>
-                                <p:cTn id="608" presetID="22" presetClass="exit" presetSubtype="8" fill="hold" nodeType="afterEffect">
+                                <p:cTn id="608" presetID="22" presetClass="exit" presetSubtype="1" fill="hold" nodeType="afterEffect">
                                   <p:stCondLst>
                                     <p:cond delay="0"/>
                                   </p:stCondLst>
                                   <p:childTnLst>
-                                    <p:animEffect transition="out" filter="wipe(left)">
+                                    <p:animEffect transition="out" filter="wipe(up)">
                                       <p:cBhvr>
                                         <p:cTn id="609" dur="20"/>
                                         <p:tgtEl>
-                                          <p:spTgt spid="166"/>
+                                          <p:spTgt spid="163"/>
                                         </p:tgtEl>
                                       </p:cBhvr>
                                     </p:animEffect>
@@ -22339,7 +22426,7 @@
                                           </p:stCondLst>
                                         </p:cTn>
                                         <p:tgtEl>
-                                          <p:spTgt spid="166"/>
+                                          <p:spTgt spid="163"/>
                                         </p:tgtEl>
                                         <p:attrNameLst>
                                           <p:attrName>style.visibility</p:attrName>
@@ -22362,16 +22449,16 @@
                             </p:stCondLst>
                             <p:childTnLst>
                               <p:par>
-                                <p:cTn id="612" presetID="22" presetClass="exit" presetSubtype="4" fill="hold" nodeType="afterEffect">
+                                <p:cTn id="612" presetID="22" presetClass="exit" presetSubtype="8" fill="hold" nodeType="afterEffect">
                                   <p:stCondLst>
                                     <p:cond delay="0"/>
                                   </p:stCondLst>
                                   <p:childTnLst>
-                                    <p:animEffect transition="out" filter="wipe(down)">
+                                    <p:animEffect transition="out" filter="wipe(left)">
                                       <p:cBhvr>
                                         <p:cTn id="613" dur="20"/>
                                         <p:tgtEl>
-                                          <p:spTgt spid="167"/>
+                                          <p:spTgt spid="166"/>
                                         </p:tgtEl>
                                       </p:cBhvr>
                                     </p:animEffect>
@@ -22383,7 +22470,7 @@
                                           </p:stCondLst>
                                         </p:cTn>
                                         <p:tgtEl>
-                                          <p:spTgt spid="167"/>
+                                          <p:spTgt spid="166"/>
                                         </p:tgtEl>
                                         <p:attrNameLst>
                                           <p:attrName>style.visibility</p:attrName>
@@ -22406,16 +22493,16 @@
                             </p:stCondLst>
                             <p:childTnLst>
                               <p:par>
-                                <p:cTn id="616" presetID="22" presetClass="exit" presetSubtype="1" fill="hold" nodeType="afterEffect">
+                                <p:cTn id="616" presetID="22" presetClass="exit" presetSubtype="4" fill="hold" nodeType="afterEffect">
                                   <p:stCondLst>
                                     <p:cond delay="0"/>
                                   </p:stCondLst>
                                   <p:childTnLst>
-                                    <p:animEffect transition="out" filter="wipe(up)">
+                                    <p:animEffect transition="out" filter="wipe(down)">
                                       <p:cBhvr>
                                         <p:cTn id="617" dur="20"/>
                                         <p:tgtEl>
-                                          <p:spTgt spid="171"/>
+                                          <p:spTgt spid="167"/>
                                         </p:tgtEl>
                                       </p:cBhvr>
                                     </p:animEffect>
@@ -22427,7 +22514,7 @@
                                           </p:stCondLst>
                                         </p:cTn>
                                         <p:tgtEl>
-                                          <p:spTgt spid="171"/>
+                                          <p:spTgt spid="167"/>
                                         </p:tgtEl>
                                         <p:attrNameLst>
                                           <p:attrName>style.visibility</p:attrName>
@@ -22450,16 +22537,16 @@
                             </p:stCondLst>
                             <p:childTnLst>
                               <p:par>
-                                <p:cTn id="620" presetID="22" presetClass="exit" presetSubtype="8" fill="hold" nodeType="afterEffect">
+                                <p:cTn id="620" presetID="22" presetClass="exit" presetSubtype="1" fill="hold" nodeType="afterEffect">
                                   <p:stCondLst>
                                     <p:cond delay="0"/>
                                   </p:stCondLst>
                                   <p:childTnLst>
-                                    <p:animEffect transition="out" filter="wipe(left)">
+                                    <p:animEffect transition="out" filter="wipe(up)">
                                       <p:cBhvr>
                                         <p:cTn id="621" dur="20"/>
                                         <p:tgtEl>
-                                          <p:spTgt spid="172"/>
+                                          <p:spTgt spid="171"/>
                                         </p:tgtEl>
                                       </p:cBhvr>
                                     </p:animEffect>
@@ -22471,7 +22558,7 @@
                                           </p:stCondLst>
                                         </p:cTn>
                                         <p:tgtEl>
-                                          <p:spTgt spid="172"/>
+                                          <p:spTgt spid="171"/>
                                         </p:tgtEl>
                                         <p:attrNameLst>
                                           <p:attrName>style.visibility</p:attrName>
@@ -22494,16 +22581,16 @@
                             </p:stCondLst>
                             <p:childTnLst>
                               <p:par>
-                                <p:cTn id="624" presetID="22" presetClass="exit" presetSubtype="4" fill="hold" nodeType="afterEffect">
+                                <p:cTn id="624" presetID="22" presetClass="exit" presetSubtype="8" fill="hold" nodeType="afterEffect">
                                   <p:stCondLst>
                                     <p:cond delay="0"/>
                                   </p:stCondLst>
                                   <p:childTnLst>
-                                    <p:animEffect transition="out" filter="wipe(down)">
+                                    <p:animEffect transition="out" filter="wipe(left)">
                                       <p:cBhvr>
                                         <p:cTn id="625" dur="20"/>
                                         <p:tgtEl>
-                                          <p:spTgt spid="176"/>
+                                          <p:spTgt spid="172"/>
                                         </p:tgtEl>
                                       </p:cBhvr>
                                     </p:animEffect>
@@ -22515,7 +22602,7 @@
                                           </p:stCondLst>
                                         </p:cTn>
                                         <p:tgtEl>
-                                          <p:spTgt spid="176"/>
+                                          <p:spTgt spid="172"/>
                                         </p:tgtEl>
                                         <p:attrNameLst>
                                           <p:attrName>style.visibility</p:attrName>
@@ -22538,16 +22625,16 @@
                             </p:stCondLst>
                             <p:childTnLst>
                               <p:par>
-                                <p:cTn id="628" presetID="22" presetClass="exit" presetSubtype="8" fill="hold" nodeType="afterEffect">
+                                <p:cTn id="628" presetID="22" presetClass="exit" presetSubtype="4" fill="hold" nodeType="afterEffect">
                                   <p:stCondLst>
                                     <p:cond delay="0"/>
                                   </p:stCondLst>
                                   <p:childTnLst>
-                                    <p:animEffect transition="out" filter="wipe(left)">
+                                    <p:animEffect transition="out" filter="wipe(down)">
                                       <p:cBhvr>
                                         <p:cTn id="629" dur="20"/>
                                         <p:tgtEl>
-                                          <p:spTgt spid="179"/>
+                                          <p:spTgt spid="176"/>
                                         </p:tgtEl>
                                       </p:cBhvr>
                                     </p:animEffect>
@@ -22559,7 +22646,7 @@
                                           </p:stCondLst>
                                         </p:cTn>
                                         <p:tgtEl>
-                                          <p:spTgt spid="179"/>
+                                          <p:spTgt spid="176"/>
                                         </p:tgtEl>
                                         <p:attrNameLst>
                                           <p:attrName>style.visibility</p:attrName>
@@ -22582,16 +22669,16 @@
                             </p:stCondLst>
                             <p:childTnLst>
                               <p:par>
-                                <p:cTn id="632" presetID="22" presetClass="exit" presetSubtype="4" fill="hold" nodeType="afterEffect">
+                                <p:cTn id="632" presetID="22" presetClass="exit" presetSubtype="8" fill="hold" nodeType="afterEffect">
                                   <p:stCondLst>
                                     <p:cond delay="0"/>
                                   </p:stCondLst>
                                   <p:childTnLst>
-                                    <p:animEffect transition="out" filter="wipe(down)">
+                                    <p:animEffect transition="out" filter="wipe(left)">
                                       <p:cBhvr>
                                         <p:cTn id="633" dur="20"/>
                                         <p:tgtEl>
-                                          <p:spTgt spid="180"/>
+                                          <p:spTgt spid="179"/>
                                         </p:tgtEl>
                                       </p:cBhvr>
                                     </p:animEffect>
@@ -22603,7 +22690,7 @@
                                           </p:stCondLst>
                                         </p:cTn>
                                         <p:tgtEl>
-                                          <p:spTgt spid="180"/>
+                                          <p:spTgt spid="179"/>
                                         </p:tgtEl>
                                         <p:attrNameLst>
                                           <p:attrName>style.visibility</p:attrName>
@@ -22626,16 +22713,16 @@
                             </p:stCondLst>
                             <p:childTnLst>
                               <p:par>
-                                <p:cTn id="636" presetID="22" presetClass="exit" presetSubtype="8" fill="hold" nodeType="afterEffect">
+                                <p:cTn id="636" presetID="22" presetClass="exit" presetSubtype="4" fill="hold" nodeType="afterEffect">
                                   <p:stCondLst>
                                     <p:cond delay="0"/>
                                   </p:stCondLst>
                                   <p:childTnLst>
-                                    <p:animEffect transition="out" filter="wipe(left)">
+                                    <p:animEffect transition="out" filter="wipe(down)">
                                       <p:cBhvr>
                                         <p:cTn id="637" dur="20"/>
                                         <p:tgtEl>
-                                          <p:spTgt spid="184"/>
+                                          <p:spTgt spid="180"/>
                                         </p:tgtEl>
                                       </p:cBhvr>
                                     </p:animEffect>
@@ -22647,7 +22734,7 @@
                                           </p:stCondLst>
                                         </p:cTn>
                                         <p:tgtEl>
-                                          <p:spTgt spid="184"/>
+                                          <p:spTgt spid="180"/>
                                         </p:tgtEl>
                                         <p:attrNameLst>
                                           <p:attrName>style.visibility</p:attrName>
@@ -22670,16 +22757,16 @@
                             </p:stCondLst>
                             <p:childTnLst>
                               <p:par>
-                                <p:cTn id="640" presetID="22" presetClass="exit" presetSubtype="2" fill="hold" nodeType="afterEffect">
+                                <p:cTn id="640" presetID="22" presetClass="exit" presetSubtype="8" fill="hold" nodeType="afterEffect">
                                   <p:stCondLst>
                                     <p:cond delay="0"/>
                                   </p:stCondLst>
                                   <p:childTnLst>
-                                    <p:animEffect transition="out" filter="wipe(right)">
+                                    <p:animEffect transition="out" filter="wipe(left)">
                                       <p:cBhvr>
                                         <p:cTn id="641" dur="20"/>
                                         <p:tgtEl>
-                                          <p:spTgt spid="187"/>
+                                          <p:spTgt spid="184"/>
                                         </p:tgtEl>
                                       </p:cBhvr>
                                     </p:animEffect>
@@ -22691,7 +22778,7 @@
                                           </p:stCondLst>
                                         </p:cTn>
                                         <p:tgtEl>
-                                          <p:spTgt spid="187"/>
+                                          <p:spTgt spid="184"/>
                                         </p:tgtEl>
                                         <p:attrNameLst>
                                           <p:attrName>style.visibility</p:attrName>
@@ -22714,16 +22801,16 @@
                             </p:stCondLst>
                             <p:childTnLst>
                               <p:par>
-                                <p:cTn id="644" presetID="22" presetClass="exit" presetSubtype="8" fill="hold" nodeType="afterEffect">
+                                <p:cTn id="644" presetID="22" presetClass="exit" presetSubtype="2" fill="hold" nodeType="afterEffect">
                                   <p:stCondLst>
                                     <p:cond delay="0"/>
                                   </p:stCondLst>
                                   <p:childTnLst>
-                                    <p:animEffect transition="out" filter="wipe(left)">
+                                    <p:animEffect transition="out" filter="wipe(right)">
                                       <p:cBhvr>
                                         <p:cTn id="645" dur="20"/>
                                         <p:tgtEl>
-                                          <p:spTgt spid="188"/>
+                                          <p:spTgt spid="187"/>
                                         </p:tgtEl>
                                       </p:cBhvr>
                                     </p:animEffect>
@@ -22735,7 +22822,7 @@
                                           </p:stCondLst>
                                         </p:cTn>
                                         <p:tgtEl>
-                                          <p:spTgt spid="188"/>
+                                          <p:spTgt spid="187"/>
                                         </p:tgtEl>
                                         <p:attrNameLst>
                                           <p:attrName>style.visibility</p:attrName>
@@ -22767,7 +22854,7 @@
                                       <p:cBhvr>
                                         <p:cTn id="649" dur="20"/>
                                         <p:tgtEl>
-                                          <p:spTgt spid="190"/>
+                                          <p:spTgt spid="188"/>
                                         </p:tgtEl>
                                       </p:cBhvr>
                                     </p:animEffect>
@@ -22779,7 +22866,7 @@
                                           </p:stCondLst>
                                         </p:cTn>
                                         <p:tgtEl>
-                                          <p:spTgt spid="190"/>
+                                          <p:spTgt spid="188"/>
                                         </p:tgtEl>
                                         <p:attrNameLst>
                                           <p:attrName>style.visibility</p:attrName>
@@ -22802,16 +22889,16 @@
                             </p:stCondLst>
                             <p:childTnLst>
                               <p:par>
-                                <p:cTn id="652" presetID="22" presetClass="exit" presetSubtype="1" fill="hold" nodeType="afterEffect">
+                                <p:cTn id="652" presetID="22" presetClass="exit" presetSubtype="8" fill="hold" nodeType="afterEffect">
                                   <p:stCondLst>
                                     <p:cond delay="0"/>
                                   </p:stCondLst>
                                   <p:childTnLst>
-                                    <p:animEffect transition="out" filter="wipe(up)">
+                                    <p:animEffect transition="out" filter="wipe(left)">
                                       <p:cBhvr>
                                         <p:cTn id="653" dur="20"/>
                                         <p:tgtEl>
-                                          <p:spTgt spid="193"/>
+                                          <p:spTgt spid="190"/>
                                         </p:tgtEl>
                                       </p:cBhvr>
                                     </p:animEffect>
@@ -22823,7 +22910,7 @@
                                           </p:stCondLst>
                                         </p:cTn>
                                         <p:tgtEl>
-                                          <p:spTgt spid="193"/>
+                                          <p:spTgt spid="190"/>
                                         </p:tgtEl>
                                         <p:attrNameLst>
                                           <p:attrName>style.visibility</p:attrName>
@@ -22846,16 +22933,16 @@
                             </p:stCondLst>
                             <p:childTnLst>
                               <p:par>
-                                <p:cTn id="656" presetID="22" presetClass="exit" presetSubtype="4" fill="hold" nodeType="afterEffect">
+                                <p:cTn id="656" presetID="22" presetClass="exit" presetSubtype="1" fill="hold" nodeType="afterEffect">
                                   <p:stCondLst>
                                     <p:cond delay="0"/>
                                   </p:stCondLst>
                                   <p:childTnLst>
-                                    <p:animEffect transition="out" filter="wipe(down)">
+                                    <p:animEffect transition="out" filter="wipe(up)">
                                       <p:cBhvr>
                                         <p:cTn id="657" dur="20"/>
                                         <p:tgtEl>
-                                          <p:spTgt spid="195"/>
+                                          <p:spTgt spid="193"/>
                                         </p:tgtEl>
                                       </p:cBhvr>
                                     </p:animEffect>
@@ -22867,7 +22954,7 @@
                                           </p:stCondLst>
                                         </p:cTn>
                                         <p:tgtEl>
-                                          <p:spTgt spid="195"/>
+                                          <p:spTgt spid="193"/>
                                         </p:tgtEl>
                                         <p:attrNameLst>
                                           <p:attrName>style.visibility</p:attrName>
@@ -22890,16 +22977,16 @@
                             </p:stCondLst>
                             <p:childTnLst>
                               <p:par>
-                                <p:cTn id="660" presetID="22" presetClass="exit" presetSubtype="1" fill="hold" nodeType="afterEffect">
+                                <p:cTn id="660" presetID="22" presetClass="exit" presetSubtype="4" fill="hold" nodeType="afterEffect">
                                   <p:stCondLst>
                                     <p:cond delay="0"/>
                                   </p:stCondLst>
                                   <p:childTnLst>
-                                    <p:animEffect transition="out" filter="wipe(up)">
+                                    <p:animEffect transition="out" filter="wipe(down)">
                                       <p:cBhvr>
                                         <p:cTn id="661" dur="20"/>
                                         <p:tgtEl>
-                                          <p:spTgt spid="198"/>
+                                          <p:spTgt spid="195"/>
                                         </p:tgtEl>
                                       </p:cBhvr>
                                     </p:animEffect>
@@ -22911,7 +22998,7 @@
                                           </p:stCondLst>
                                         </p:cTn>
                                         <p:tgtEl>
-                                          <p:spTgt spid="198"/>
+                                          <p:spTgt spid="195"/>
                                         </p:tgtEl>
                                         <p:attrNameLst>
                                           <p:attrName>style.visibility</p:attrName>
@@ -22934,16 +23021,16 @@
                             </p:stCondLst>
                             <p:childTnLst>
                               <p:par>
-                                <p:cTn id="664" presetID="22" presetClass="exit" presetSubtype="4" fill="hold" nodeType="afterEffect">
+                                <p:cTn id="664" presetID="22" presetClass="exit" presetSubtype="1" fill="hold" nodeType="afterEffect">
                                   <p:stCondLst>
                                     <p:cond delay="0"/>
                                   </p:stCondLst>
                                   <p:childTnLst>
-                                    <p:animEffect transition="out" filter="wipe(down)">
+                                    <p:animEffect transition="out" filter="wipe(up)">
                                       <p:cBhvr>
                                         <p:cTn id="665" dur="20"/>
                                         <p:tgtEl>
-                                          <p:spTgt spid="201"/>
+                                          <p:spTgt spid="198"/>
                                         </p:tgtEl>
                                       </p:cBhvr>
                                     </p:animEffect>
@@ -22955,7 +23042,7 @@
                                           </p:stCondLst>
                                         </p:cTn>
                                         <p:tgtEl>
-                                          <p:spTgt spid="201"/>
+                                          <p:spTgt spid="198"/>
                                         </p:tgtEl>
                                         <p:attrNameLst>
                                           <p:attrName>style.visibility</p:attrName>
@@ -22978,16 +23065,16 @@
                             </p:stCondLst>
                             <p:childTnLst>
                               <p:par>
-                                <p:cTn id="668" presetID="22" presetClass="exit" presetSubtype="1" fill="hold" nodeType="afterEffect">
+                                <p:cTn id="668" presetID="22" presetClass="exit" presetSubtype="4" fill="hold" nodeType="afterEffect">
                                   <p:stCondLst>
                                     <p:cond delay="0"/>
                                   </p:stCondLst>
                                   <p:childTnLst>
-                                    <p:animEffect transition="out" filter="wipe(up)">
+                                    <p:animEffect transition="out" filter="wipe(down)">
                                       <p:cBhvr>
                                         <p:cTn id="669" dur="20"/>
                                         <p:tgtEl>
-                                          <p:spTgt spid="205"/>
+                                          <p:spTgt spid="201"/>
                                         </p:tgtEl>
                                       </p:cBhvr>
                                     </p:animEffect>
@@ -22999,7 +23086,7 @@
                                           </p:stCondLst>
                                         </p:cTn>
                                         <p:tgtEl>
-                                          <p:spTgt spid="205"/>
+                                          <p:spTgt spid="201"/>
                                         </p:tgtEl>
                                         <p:attrNameLst>
                                           <p:attrName>style.visibility</p:attrName>
@@ -23022,16 +23109,16 @@
                             </p:stCondLst>
                             <p:childTnLst>
                               <p:par>
-                                <p:cTn id="672" presetID="22" presetClass="exit" presetSubtype="4" fill="hold" nodeType="afterEffect">
+                                <p:cTn id="672" presetID="22" presetClass="exit" presetSubtype="1" fill="hold" nodeType="afterEffect">
                                   <p:stCondLst>
                                     <p:cond delay="0"/>
                                   </p:stCondLst>
                                   <p:childTnLst>
-                                    <p:animEffect transition="out" filter="wipe(down)">
+                                    <p:animEffect transition="out" filter="wipe(up)">
                                       <p:cBhvr>
                                         <p:cTn id="673" dur="20"/>
                                         <p:tgtEl>
-                                          <p:spTgt spid="207"/>
+                                          <p:spTgt spid="205"/>
                                         </p:tgtEl>
                                       </p:cBhvr>
                                     </p:animEffect>
@@ -23043,7 +23130,7 @@
                                           </p:stCondLst>
                                         </p:cTn>
                                         <p:tgtEl>
-                                          <p:spTgt spid="207"/>
+                                          <p:spTgt spid="205"/>
                                         </p:tgtEl>
                                         <p:attrNameLst>
                                           <p:attrName>style.visibility</p:attrName>
@@ -23066,16 +23153,16 @@
                             </p:stCondLst>
                             <p:childTnLst>
                               <p:par>
-                                <p:cTn id="676" presetID="22" presetClass="exit" presetSubtype="1" fill="hold" nodeType="afterEffect">
+                                <p:cTn id="676" presetID="22" presetClass="exit" presetSubtype="4" fill="hold" nodeType="afterEffect">
                                   <p:stCondLst>
                                     <p:cond delay="0"/>
                                   </p:stCondLst>
                                   <p:childTnLst>
-                                    <p:animEffect transition="out" filter="wipe(up)">
+                                    <p:animEffect transition="out" filter="wipe(down)">
                                       <p:cBhvr>
                                         <p:cTn id="677" dur="20"/>
                                         <p:tgtEl>
-                                          <p:spTgt spid="212"/>
+                                          <p:spTgt spid="207"/>
                                         </p:tgtEl>
                                       </p:cBhvr>
                                     </p:animEffect>
@@ -23087,7 +23174,7 @@
                                           </p:stCondLst>
                                         </p:cTn>
                                         <p:tgtEl>
-                                          <p:spTgt spid="212"/>
+                                          <p:spTgt spid="207"/>
                                         </p:tgtEl>
                                         <p:attrNameLst>
                                           <p:attrName>style.visibility</p:attrName>
@@ -23110,16 +23197,16 @@
                             </p:stCondLst>
                             <p:childTnLst>
                               <p:par>
-                                <p:cTn id="680" presetID="22" presetClass="exit" presetSubtype="8" fill="hold" nodeType="afterEffect">
+                                <p:cTn id="680" presetID="22" presetClass="exit" presetSubtype="1" fill="hold" nodeType="afterEffect">
                                   <p:stCondLst>
                                     <p:cond delay="0"/>
                                   </p:stCondLst>
                                   <p:childTnLst>
-                                    <p:animEffect transition="out" filter="wipe(left)">
+                                    <p:animEffect transition="out" filter="wipe(up)">
                                       <p:cBhvr>
                                         <p:cTn id="681" dur="20"/>
                                         <p:tgtEl>
-                                          <p:spTgt spid="213"/>
+                                          <p:spTgt spid="212"/>
                                         </p:tgtEl>
                                       </p:cBhvr>
                                     </p:animEffect>
@@ -23131,7 +23218,7 @@
                                           </p:stCondLst>
                                         </p:cTn>
                                         <p:tgtEl>
-                                          <p:spTgt spid="213"/>
+                                          <p:spTgt spid="212"/>
                                         </p:tgtEl>
                                         <p:attrNameLst>
                                           <p:attrName>style.visibility</p:attrName>
@@ -23154,16 +23241,16 @@
                             </p:stCondLst>
                             <p:childTnLst>
                               <p:par>
-                                <p:cTn id="684" presetID="21" presetClass="exit" presetSubtype="1" fill="hold" grpId="0" nodeType="afterEffect">
+                                <p:cTn id="684" presetID="22" presetClass="exit" presetSubtype="8" fill="hold" nodeType="afterEffect">
                                   <p:stCondLst>
                                     <p:cond delay="0"/>
                                   </p:stCondLst>
                                   <p:childTnLst>
-                                    <p:animEffect transition="out" filter="wheel(1)">
+                                    <p:animEffect transition="out" filter="wipe(left)">
                                       <p:cBhvr>
                                         <p:cTn id="685" dur="20"/>
                                         <p:tgtEl>
-                                          <p:spTgt spid="215"/>
+                                          <p:spTgt spid="213"/>
                                         </p:tgtEl>
                                       </p:cBhvr>
                                     </p:animEffect>
@@ -23175,7 +23262,7 @@
                                           </p:stCondLst>
                                         </p:cTn>
                                         <p:tgtEl>
-                                          <p:spTgt spid="215"/>
+                                          <p:spTgt spid="213"/>
                                         </p:tgtEl>
                                         <p:attrNameLst>
                                           <p:attrName>style.visibility</p:attrName>
@@ -23198,16 +23285,16 @@
                             </p:stCondLst>
                             <p:childTnLst>
                               <p:par>
-                                <p:cTn id="688" presetID="22" presetClass="exit" presetSubtype="8" fill="hold" nodeType="afterEffect">
+                                <p:cTn id="688" presetID="21" presetClass="exit" presetSubtype="1" fill="hold" grpId="0" nodeType="afterEffect">
                                   <p:stCondLst>
                                     <p:cond delay="0"/>
                                   </p:stCondLst>
                                   <p:childTnLst>
-                                    <p:animEffect transition="out" filter="wipe(left)">
+                                    <p:animEffect transition="out" filter="wheel(1)">
                                       <p:cBhvr>
                                         <p:cTn id="689" dur="20"/>
                                         <p:tgtEl>
-                                          <p:spTgt spid="217"/>
+                                          <p:spTgt spid="215"/>
                                         </p:tgtEl>
                                       </p:cBhvr>
                                     </p:animEffect>
@@ -23219,7 +23306,7 @@
                                           </p:stCondLst>
                                         </p:cTn>
                                         <p:tgtEl>
-                                          <p:spTgt spid="217"/>
+                                          <p:spTgt spid="215"/>
                                         </p:tgtEl>
                                         <p:attrNameLst>
                                           <p:attrName>style.visibility</p:attrName>
@@ -23251,7 +23338,7 @@
                                       <p:cBhvr>
                                         <p:cTn id="693" dur="20"/>
                                         <p:tgtEl>
-                                          <p:spTgt spid="219"/>
+                                          <p:spTgt spid="217"/>
                                         </p:tgtEl>
                                       </p:cBhvr>
                                     </p:animEffect>
@@ -23263,7 +23350,7 @@
                                           </p:stCondLst>
                                         </p:cTn>
                                         <p:tgtEl>
-                                          <p:spTgt spid="219"/>
+                                          <p:spTgt spid="217"/>
                                         </p:tgtEl>
                                         <p:attrNameLst>
                                           <p:attrName>style.visibility</p:attrName>
@@ -23295,7 +23382,7 @@
                                       <p:cBhvr>
                                         <p:cTn id="697" dur="20"/>
                                         <p:tgtEl>
-                                          <p:spTgt spid="222"/>
+                                          <p:spTgt spid="219"/>
                                         </p:tgtEl>
                                       </p:cBhvr>
                                     </p:animEffect>
@@ -23307,7 +23394,7 @@
                                           </p:stCondLst>
                                         </p:cTn>
                                         <p:tgtEl>
-                                          <p:spTgt spid="222"/>
+                                          <p:spTgt spid="219"/>
                                         </p:tgtEl>
                                         <p:attrNameLst>
                                           <p:attrName>style.visibility</p:attrName>
@@ -23330,16 +23417,16 @@
                             </p:stCondLst>
                             <p:childTnLst>
                               <p:par>
-                                <p:cTn id="700" presetID="22" presetClass="exit" presetSubtype="2" fill="hold" nodeType="afterEffect">
+                                <p:cTn id="700" presetID="22" presetClass="exit" presetSubtype="8" fill="hold" nodeType="afterEffect">
                                   <p:stCondLst>
                                     <p:cond delay="0"/>
                                   </p:stCondLst>
                                   <p:childTnLst>
-                                    <p:animEffect transition="out" filter="wipe(right)">
+                                    <p:animEffect transition="out" filter="wipe(left)">
                                       <p:cBhvr>
                                         <p:cTn id="701" dur="20"/>
                                         <p:tgtEl>
-                                          <p:spTgt spid="256"/>
+                                          <p:spTgt spid="222"/>
                                         </p:tgtEl>
                                       </p:cBhvr>
                                     </p:animEffect>
@@ -23351,7 +23438,7 @@
                                           </p:stCondLst>
                                         </p:cTn>
                                         <p:tgtEl>
-                                          <p:spTgt spid="256"/>
+                                          <p:spTgt spid="222"/>
                                         </p:tgtEl>
                                         <p:attrNameLst>
                                           <p:attrName>style.visibility</p:attrName>
@@ -23374,16 +23461,16 @@
                             </p:stCondLst>
                             <p:childTnLst>
                               <p:par>
-                                <p:cTn id="704" presetID="22" presetClass="exit" presetSubtype="1" fill="hold" nodeType="afterEffect">
+                                <p:cTn id="704" presetID="22" presetClass="exit" presetSubtype="2" fill="hold" nodeType="afterEffect">
                                   <p:stCondLst>
                                     <p:cond delay="0"/>
                                   </p:stCondLst>
                                   <p:childTnLst>
-                                    <p:animEffect transition="out" filter="wipe(up)">
+                                    <p:animEffect transition="out" filter="wipe(right)">
                                       <p:cBhvr>
                                         <p:cTn id="705" dur="20"/>
                                         <p:tgtEl>
-                                          <p:spTgt spid="257"/>
+                                          <p:spTgt spid="256"/>
                                         </p:tgtEl>
                                       </p:cBhvr>
                                     </p:animEffect>
@@ -23395,7 +23482,7 @@
                                           </p:stCondLst>
                                         </p:cTn>
                                         <p:tgtEl>
-                                          <p:spTgt spid="257"/>
+                                          <p:spTgt spid="256"/>
                                         </p:tgtEl>
                                         <p:attrNameLst>
                                           <p:attrName>style.visibility</p:attrName>
@@ -23418,16 +23505,16 @@
                             </p:stCondLst>
                             <p:childTnLst>
                               <p:par>
-                                <p:cTn id="708" presetID="22" presetClass="exit" presetSubtype="8" fill="hold" nodeType="afterEffect">
+                                <p:cTn id="708" presetID="22" presetClass="exit" presetSubtype="1" fill="hold" nodeType="afterEffect">
                                   <p:stCondLst>
                                     <p:cond delay="0"/>
                                   </p:stCondLst>
                                   <p:childTnLst>
-                                    <p:animEffect transition="out" filter="wipe(left)">
+                                    <p:animEffect transition="out" filter="wipe(up)">
                                       <p:cBhvr>
                                         <p:cTn id="709" dur="20"/>
                                         <p:tgtEl>
-                                          <p:spTgt spid="259"/>
+                                          <p:spTgt spid="257"/>
                                         </p:tgtEl>
                                       </p:cBhvr>
                                     </p:animEffect>
@@ -23439,7 +23526,7 @@
                                           </p:stCondLst>
                                         </p:cTn>
                                         <p:tgtEl>
-                                          <p:spTgt spid="259"/>
+                                          <p:spTgt spid="257"/>
                                         </p:tgtEl>
                                         <p:attrNameLst>
                                           <p:attrName>style.visibility</p:attrName>
@@ -23462,16 +23549,16 @@
                             </p:stCondLst>
                             <p:childTnLst>
                               <p:par>
-                                <p:cTn id="712" presetID="22" presetClass="exit" presetSubtype="1" fill="hold" nodeType="afterEffect">
+                                <p:cTn id="712" presetID="22" presetClass="exit" presetSubtype="8" fill="hold" nodeType="afterEffect">
                                   <p:stCondLst>
                                     <p:cond delay="0"/>
                                   </p:stCondLst>
                                   <p:childTnLst>
-                                    <p:animEffect transition="out" filter="wipe(up)">
+                                    <p:animEffect transition="out" filter="wipe(left)">
                                       <p:cBhvr>
                                         <p:cTn id="713" dur="20"/>
                                         <p:tgtEl>
-                                          <p:spTgt spid="409"/>
+                                          <p:spTgt spid="259"/>
                                         </p:tgtEl>
                                       </p:cBhvr>
                                     </p:animEffect>
@@ -23483,7 +23570,7 @@
                                           </p:stCondLst>
                                         </p:cTn>
                                         <p:tgtEl>
-                                          <p:spTgt spid="409"/>
+                                          <p:spTgt spid="259"/>
                                         </p:tgtEl>
                                         <p:attrNameLst>
                                           <p:attrName>style.visibility</p:attrName>
@@ -23506,16 +23593,16 @@
                             </p:stCondLst>
                             <p:childTnLst>
                               <p:par>
-                                <p:cTn id="716" presetID="22" presetClass="exit" presetSubtype="4" fill="hold" nodeType="afterEffect">
+                                <p:cTn id="716" presetID="22" presetClass="exit" presetSubtype="8" fill="hold" nodeType="afterEffect">
                                   <p:stCondLst>
                                     <p:cond delay="0"/>
                                   </p:stCondLst>
                                   <p:childTnLst>
-                                    <p:animEffect transition="out" filter="wipe(down)">
+                                    <p:animEffect transition="out" filter="wipe(left)">
                                       <p:cBhvr>
                                         <p:cTn id="717" dur="20"/>
                                         <p:tgtEl>
-                                          <p:spTgt spid="413"/>
+                                          <p:spTgt spid="263"/>
                                         </p:tgtEl>
                                       </p:cBhvr>
                                     </p:animEffect>
@@ -23527,7 +23614,7 @@
                                           </p:stCondLst>
                                         </p:cTn>
                                         <p:tgtEl>
-                                          <p:spTgt spid="413"/>
+                                          <p:spTgt spid="263"/>
                                         </p:tgtEl>
                                         <p:attrNameLst>
                                           <p:attrName>style.visibility</p:attrName>
@@ -23550,16 +23637,16 @@
                             </p:stCondLst>
                             <p:childTnLst>
                               <p:par>
-                                <p:cTn id="720" presetID="22" presetClass="exit" presetSubtype="8" fill="hold" nodeType="afterEffect">
+                                <p:cTn id="720" presetID="22" presetClass="exit" presetSubtype="1" fill="hold" nodeType="afterEffect">
                                   <p:stCondLst>
                                     <p:cond delay="0"/>
                                   </p:stCondLst>
                                   <p:childTnLst>
-                                    <p:animEffect transition="out" filter="wipe(left)">
+                                    <p:animEffect transition="out" filter="wipe(up)">
                                       <p:cBhvr>
                                         <p:cTn id="721" dur="20"/>
                                         <p:tgtEl>
-                                          <p:spTgt spid="415"/>
+                                          <p:spTgt spid="409"/>
                                         </p:tgtEl>
                                       </p:cBhvr>
                                     </p:animEffect>
@@ -23571,7 +23658,7 @@
                                           </p:stCondLst>
                                         </p:cTn>
                                         <p:tgtEl>
-                                          <p:spTgt spid="415"/>
+                                          <p:spTgt spid="409"/>
                                         </p:tgtEl>
                                         <p:attrNameLst>
                                           <p:attrName>style.visibility</p:attrName>
@@ -23594,16 +23681,16 @@
                             </p:stCondLst>
                             <p:childTnLst>
                               <p:par>
-                                <p:cTn id="724" presetID="22" presetClass="exit" presetSubtype="1" fill="hold" nodeType="afterEffect">
+                                <p:cTn id="724" presetID="22" presetClass="exit" presetSubtype="4" fill="hold" nodeType="afterEffect">
                                   <p:stCondLst>
                                     <p:cond delay="0"/>
                                   </p:stCondLst>
                                   <p:childTnLst>
-                                    <p:animEffect transition="out" filter="wipe(up)">
+                                    <p:animEffect transition="out" filter="wipe(down)">
                                       <p:cBhvr>
                                         <p:cTn id="725" dur="20"/>
                                         <p:tgtEl>
-                                          <p:spTgt spid="417"/>
+                                          <p:spTgt spid="413"/>
                                         </p:tgtEl>
                                       </p:cBhvr>
                                     </p:animEffect>
@@ -23615,7 +23702,7 @@
                                           </p:stCondLst>
                                         </p:cTn>
                                         <p:tgtEl>
-                                          <p:spTgt spid="417"/>
+                                          <p:spTgt spid="413"/>
                                         </p:tgtEl>
                                         <p:attrNameLst>
                                           <p:attrName>style.visibility</p:attrName>
@@ -23638,16 +23725,16 @@
                             </p:stCondLst>
                             <p:childTnLst>
                               <p:par>
-                                <p:cTn id="728" presetID="22" presetClass="exit" presetSubtype="4" fill="hold" nodeType="afterEffect">
+                                <p:cTn id="728" presetID="22" presetClass="exit" presetSubtype="8" fill="hold" nodeType="afterEffect">
                                   <p:stCondLst>
                                     <p:cond delay="0"/>
                                   </p:stCondLst>
                                   <p:childTnLst>
-                                    <p:animEffect transition="out" filter="wipe(down)">
+                                    <p:animEffect transition="out" filter="wipe(left)">
                                       <p:cBhvr>
                                         <p:cTn id="729" dur="20"/>
                                         <p:tgtEl>
-                                          <p:spTgt spid="419"/>
+                                          <p:spTgt spid="415"/>
                                         </p:tgtEl>
                                       </p:cBhvr>
                                     </p:animEffect>
@@ -23659,7 +23746,7 @@
                                           </p:stCondLst>
                                         </p:cTn>
                                         <p:tgtEl>
-                                          <p:spTgt spid="419"/>
+                                          <p:spTgt spid="415"/>
                                         </p:tgtEl>
                                         <p:attrNameLst>
                                           <p:attrName>style.visibility</p:attrName>
@@ -23691,7 +23778,7 @@
                                       <p:cBhvr>
                                         <p:cTn id="733" dur="20"/>
                                         <p:tgtEl>
-                                          <p:spTgt spid="426"/>
+                                          <p:spTgt spid="417"/>
                                         </p:tgtEl>
                                       </p:cBhvr>
                                     </p:animEffect>
@@ -23703,7 +23790,7 @@
                                           </p:stCondLst>
                                         </p:cTn>
                                         <p:tgtEl>
-                                          <p:spTgt spid="426"/>
+                                          <p:spTgt spid="417"/>
                                         </p:tgtEl>
                                         <p:attrNameLst>
                                           <p:attrName>style.visibility</p:attrName>
@@ -23726,16 +23813,16 @@
                             </p:stCondLst>
                             <p:childTnLst>
                               <p:par>
-                                <p:cTn id="736" presetID="22" presetClass="exit" presetSubtype="8" fill="hold" nodeType="afterEffect">
+                                <p:cTn id="736" presetID="22" presetClass="exit" presetSubtype="4" fill="hold" nodeType="afterEffect">
                                   <p:stCondLst>
                                     <p:cond delay="0"/>
                                   </p:stCondLst>
                                   <p:childTnLst>
-                                    <p:animEffect transition="out" filter="wipe(left)">
+                                    <p:animEffect transition="out" filter="wipe(down)">
                                       <p:cBhvr>
                                         <p:cTn id="737" dur="20"/>
                                         <p:tgtEl>
-                                          <p:spTgt spid="427"/>
+                                          <p:spTgt spid="419"/>
                                         </p:tgtEl>
                                       </p:cBhvr>
                                     </p:animEffect>
@@ -23747,7 +23834,7 @@
                                           </p:stCondLst>
                                         </p:cTn>
                                         <p:tgtEl>
-                                          <p:spTgt spid="427"/>
+                                          <p:spTgt spid="419"/>
                                         </p:tgtEl>
                                         <p:attrNameLst>
                                           <p:attrName>style.visibility</p:attrName>
@@ -23770,16 +23857,16 @@
                             </p:stCondLst>
                             <p:childTnLst>
                               <p:par>
-                                <p:cTn id="740" presetID="22" presetClass="exit" presetSubtype="4" fill="hold" nodeType="afterEffect">
+                                <p:cTn id="740" presetID="22" presetClass="exit" presetSubtype="1" fill="hold" nodeType="afterEffect">
                                   <p:stCondLst>
                                     <p:cond delay="0"/>
                                   </p:stCondLst>
                                   <p:childTnLst>
-                                    <p:animEffect transition="out" filter="wipe(down)">
+                                    <p:animEffect transition="out" filter="wipe(up)">
                                       <p:cBhvr>
                                         <p:cTn id="741" dur="20"/>
                                         <p:tgtEl>
-                                          <p:spTgt spid="429"/>
+                                          <p:spTgt spid="426"/>
                                         </p:tgtEl>
                                       </p:cBhvr>
                                     </p:animEffect>
@@ -23791,7 +23878,7 @@
                                           </p:stCondLst>
                                         </p:cTn>
                                         <p:tgtEl>
-                                          <p:spTgt spid="429"/>
+                                          <p:spTgt spid="426"/>
                                         </p:tgtEl>
                                         <p:attrNameLst>
                                           <p:attrName>style.visibility</p:attrName>
@@ -23814,16 +23901,16 @@
                             </p:stCondLst>
                             <p:childTnLst>
                               <p:par>
-                                <p:cTn id="744" presetID="22" presetClass="exit" presetSubtype="1" fill="hold" nodeType="afterEffect">
+                                <p:cTn id="744" presetID="22" presetClass="exit" presetSubtype="8" fill="hold" nodeType="afterEffect">
                                   <p:stCondLst>
                                     <p:cond delay="0"/>
                                   </p:stCondLst>
                                   <p:childTnLst>
-                                    <p:animEffect transition="out" filter="wipe(up)">
+                                    <p:animEffect transition="out" filter="wipe(left)">
                                       <p:cBhvr>
                                         <p:cTn id="745" dur="20"/>
                                         <p:tgtEl>
-                                          <p:spTgt spid="431"/>
+                                          <p:spTgt spid="427"/>
                                         </p:tgtEl>
                                       </p:cBhvr>
                                     </p:animEffect>
@@ -23835,7 +23922,7 @@
                                           </p:stCondLst>
                                         </p:cTn>
                                         <p:tgtEl>
-                                          <p:spTgt spid="431"/>
+                                          <p:spTgt spid="427"/>
                                         </p:tgtEl>
                                         <p:attrNameLst>
                                           <p:attrName>style.visibility</p:attrName>
@@ -23858,16 +23945,16 @@
                             </p:stCondLst>
                             <p:childTnLst>
                               <p:par>
-                                <p:cTn id="748" presetID="22" presetClass="exit" presetSubtype="2" fill="hold" nodeType="afterEffect">
+                                <p:cTn id="748" presetID="22" presetClass="exit" presetSubtype="4" fill="hold" nodeType="afterEffect">
                                   <p:stCondLst>
                                     <p:cond delay="0"/>
                                   </p:stCondLst>
                                   <p:childTnLst>
-                                    <p:animEffect transition="out" filter="wipe(right)">
+                                    <p:animEffect transition="out" filter="wipe(down)">
                                       <p:cBhvr>
                                         <p:cTn id="749" dur="20"/>
                                         <p:tgtEl>
-                                          <p:spTgt spid="432"/>
+                                          <p:spTgt spid="429"/>
                                         </p:tgtEl>
                                       </p:cBhvr>
                                     </p:animEffect>
@@ -23879,7 +23966,7 @@
                                           </p:stCondLst>
                                         </p:cTn>
                                         <p:tgtEl>
-                                          <p:spTgt spid="432"/>
+                                          <p:spTgt spid="429"/>
                                         </p:tgtEl>
                                         <p:attrNameLst>
                                           <p:attrName>style.visibility</p:attrName>
@@ -23902,16 +23989,16 @@
                             </p:stCondLst>
                             <p:childTnLst>
                               <p:par>
-                                <p:cTn id="752" presetID="22" presetClass="exit" presetSubtype="4" fill="hold" nodeType="afterEffect">
+                                <p:cTn id="752" presetID="22" presetClass="exit" presetSubtype="1" fill="hold" nodeType="afterEffect">
                                   <p:stCondLst>
                                     <p:cond delay="0"/>
                                   </p:stCondLst>
                                   <p:childTnLst>
-                                    <p:animEffect transition="out" filter="wipe(down)">
+                                    <p:animEffect transition="out" filter="wipe(up)">
                                       <p:cBhvr>
                                         <p:cTn id="753" dur="20"/>
                                         <p:tgtEl>
-                                          <p:spTgt spid="434"/>
+                                          <p:spTgt spid="431"/>
                                         </p:tgtEl>
                                       </p:cBhvr>
                                     </p:animEffect>
@@ -23923,7 +24010,7 @@
                                           </p:stCondLst>
                                         </p:cTn>
                                         <p:tgtEl>
-                                          <p:spTgt spid="434"/>
+                                          <p:spTgt spid="431"/>
                                         </p:tgtEl>
                                         <p:attrNameLst>
                                           <p:attrName>style.visibility</p:attrName>
@@ -23946,16 +24033,16 @@
                             </p:stCondLst>
                             <p:childTnLst>
                               <p:par>
-                                <p:cTn id="756" presetID="22" presetClass="exit" presetSubtype="1" fill="hold" nodeType="afterEffect">
+                                <p:cTn id="756" presetID="22" presetClass="exit" presetSubtype="2" fill="hold" nodeType="afterEffect">
                                   <p:stCondLst>
                                     <p:cond delay="0"/>
                                   </p:stCondLst>
                                   <p:childTnLst>
-                                    <p:animEffect transition="out" filter="wipe(up)">
+                                    <p:animEffect transition="out" filter="wipe(right)">
                                       <p:cBhvr>
                                         <p:cTn id="757" dur="20"/>
                                         <p:tgtEl>
-                                          <p:spTgt spid="435"/>
+                                          <p:spTgt spid="432"/>
                                         </p:tgtEl>
                                       </p:cBhvr>
                                     </p:animEffect>
@@ -23967,7 +24054,7 @@
                                           </p:stCondLst>
                                         </p:cTn>
                                         <p:tgtEl>
-                                          <p:spTgt spid="435"/>
+                                          <p:spTgt spid="432"/>
                                         </p:tgtEl>
                                         <p:attrNameLst>
                                           <p:attrName>style.visibility</p:attrName>
@@ -23990,16 +24077,16 @@
                             </p:stCondLst>
                             <p:childTnLst>
                               <p:par>
-                                <p:cTn id="760" presetID="22" presetClass="exit" presetSubtype="1" fill="hold" nodeType="afterEffect">
+                                <p:cTn id="760" presetID="22" presetClass="exit" presetSubtype="4" fill="hold" nodeType="afterEffect">
                                   <p:stCondLst>
                                     <p:cond delay="0"/>
                                   </p:stCondLst>
                                   <p:childTnLst>
-                                    <p:animEffect transition="out" filter="wipe(up)">
+                                    <p:animEffect transition="out" filter="wipe(down)">
                                       <p:cBhvr>
                                         <p:cTn id="761" dur="20"/>
                                         <p:tgtEl>
-                                          <p:spTgt spid="437"/>
+                                          <p:spTgt spid="434"/>
                                         </p:tgtEl>
                                       </p:cBhvr>
                                     </p:animEffect>
@@ -24011,7 +24098,7 @@
                                           </p:stCondLst>
                                         </p:cTn>
                                         <p:tgtEl>
-                                          <p:spTgt spid="437"/>
+                                          <p:spTgt spid="434"/>
                                         </p:tgtEl>
                                         <p:attrNameLst>
                                           <p:attrName>style.visibility</p:attrName>
@@ -24034,16 +24121,16 @@
                             </p:stCondLst>
                             <p:childTnLst>
                               <p:par>
-                                <p:cTn id="764" presetID="22" presetClass="exit" presetSubtype="4" fill="hold" nodeType="afterEffect">
+                                <p:cTn id="764" presetID="22" presetClass="exit" presetSubtype="1" fill="hold" nodeType="afterEffect">
                                   <p:stCondLst>
                                     <p:cond delay="0"/>
                                   </p:stCondLst>
                                   <p:childTnLst>
-                                    <p:animEffect transition="out" filter="wipe(down)">
+                                    <p:animEffect transition="out" filter="wipe(up)">
                                       <p:cBhvr>
                                         <p:cTn id="765" dur="20"/>
                                         <p:tgtEl>
-                                          <p:spTgt spid="438"/>
+                                          <p:spTgt spid="435"/>
                                         </p:tgtEl>
                                       </p:cBhvr>
                                     </p:animEffect>
@@ -24055,7 +24142,7 @@
                                           </p:stCondLst>
                                         </p:cTn>
                                         <p:tgtEl>
-                                          <p:spTgt spid="438"/>
+                                          <p:spTgt spid="435"/>
                                         </p:tgtEl>
                                         <p:attrNameLst>
                                           <p:attrName>style.visibility</p:attrName>
@@ -24087,7 +24174,7 @@
                                       <p:cBhvr>
                                         <p:cTn id="769" dur="20"/>
                                         <p:tgtEl>
-                                          <p:spTgt spid="441"/>
+                                          <p:spTgt spid="437"/>
                                         </p:tgtEl>
                                       </p:cBhvr>
                                     </p:animEffect>
@@ -24099,7 +24186,7 @@
                                           </p:stCondLst>
                                         </p:cTn>
                                         <p:tgtEl>
-                                          <p:spTgt spid="441"/>
+                                          <p:spTgt spid="437"/>
                                         </p:tgtEl>
                                         <p:attrNameLst>
                                           <p:attrName>style.visibility</p:attrName>
@@ -24131,7 +24218,7 @@
                                       <p:cBhvr>
                                         <p:cTn id="773" dur="20"/>
                                         <p:tgtEl>
-                                          <p:spTgt spid="443"/>
+                                          <p:spTgt spid="438"/>
                                         </p:tgtEl>
                                       </p:cBhvr>
                                     </p:animEffect>
@@ -24143,7 +24230,7 @@
                                           </p:stCondLst>
                                         </p:cTn>
                                         <p:tgtEl>
-                                          <p:spTgt spid="443"/>
+                                          <p:spTgt spid="438"/>
                                         </p:tgtEl>
                                         <p:attrNameLst>
                                           <p:attrName>style.visibility</p:attrName>
@@ -24175,7 +24262,7 @@
                                       <p:cBhvr>
                                         <p:cTn id="777" dur="20"/>
                                         <p:tgtEl>
-                                          <p:spTgt spid="445"/>
+                                          <p:spTgt spid="441"/>
                                         </p:tgtEl>
                                       </p:cBhvr>
                                     </p:animEffect>
@@ -24187,7 +24274,7 @@
                                           </p:stCondLst>
                                         </p:cTn>
                                         <p:tgtEl>
-                                          <p:spTgt spid="445"/>
+                                          <p:spTgt spid="441"/>
                                         </p:tgtEl>
                                         <p:attrNameLst>
                                           <p:attrName>style.visibility</p:attrName>
@@ -24219,7 +24306,7 @@
                                       <p:cBhvr>
                                         <p:cTn id="781" dur="20"/>
                                         <p:tgtEl>
-                                          <p:spTgt spid="447"/>
+                                          <p:spTgt spid="443"/>
                                         </p:tgtEl>
                                       </p:cBhvr>
                                     </p:animEffect>
@@ -24231,7 +24318,7 @@
                                           </p:stCondLst>
                                         </p:cTn>
                                         <p:tgtEl>
-                                          <p:spTgt spid="447"/>
+                                          <p:spTgt spid="443"/>
                                         </p:tgtEl>
                                         <p:attrNameLst>
                                           <p:attrName>style.visibility</p:attrName>
@@ -24263,7 +24350,7 @@
                                       <p:cBhvr>
                                         <p:cTn id="785" dur="20"/>
                                         <p:tgtEl>
-                                          <p:spTgt spid="449"/>
+                                          <p:spTgt spid="445"/>
                                         </p:tgtEl>
                                       </p:cBhvr>
                                     </p:animEffect>
@@ -24275,7 +24362,7 @@
                                           </p:stCondLst>
                                         </p:cTn>
                                         <p:tgtEl>
-                                          <p:spTgt spid="449"/>
+                                          <p:spTgt spid="445"/>
                                         </p:tgtEl>
                                         <p:attrNameLst>
                                           <p:attrName>style.visibility</p:attrName>
@@ -24307,7 +24394,7 @@
                                       <p:cBhvr>
                                         <p:cTn id="789" dur="20"/>
                                         <p:tgtEl>
-                                          <p:spTgt spid="451"/>
+                                          <p:spTgt spid="447"/>
                                         </p:tgtEl>
                                       </p:cBhvr>
                                     </p:animEffect>
@@ -24319,7 +24406,7 @@
                                           </p:stCondLst>
                                         </p:cTn>
                                         <p:tgtEl>
-                                          <p:spTgt spid="451"/>
+                                          <p:spTgt spid="447"/>
                                         </p:tgtEl>
                                         <p:attrNameLst>
                                           <p:attrName>style.visibility</p:attrName>
@@ -24342,16 +24429,16 @@
                             </p:stCondLst>
                             <p:childTnLst>
                               <p:par>
-                                <p:cTn id="792" presetID="22" presetClass="exit" presetSubtype="8" fill="hold" nodeType="afterEffect">
+                                <p:cTn id="792" presetID="22" presetClass="exit" presetSubtype="1" fill="hold" nodeType="afterEffect">
                                   <p:stCondLst>
                                     <p:cond delay="0"/>
                                   </p:stCondLst>
                                   <p:childTnLst>
-                                    <p:animEffect transition="out" filter="wipe(left)">
+                                    <p:animEffect transition="out" filter="wipe(up)">
                                       <p:cBhvr>
                                         <p:cTn id="793" dur="20"/>
                                         <p:tgtEl>
-                                          <p:spTgt spid="453"/>
+                                          <p:spTgt spid="449"/>
                                         </p:tgtEl>
                                       </p:cBhvr>
                                     </p:animEffect>
@@ -24363,7 +24450,7 @@
                                           </p:stCondLst>
                                         </p:cTn>
                                         <p:tgtEl>
-                                          <p:spTgt spid="453"/>
+                                          <p:spTgt spid="449"/>
                                         </p:tgtEl>
                                         <p:attrNameLst>
                                           <p:attrName>style.visibility</p:attrName>
@@ -24386,16 +24473,16 @@
                             </p:stCondLst>
                             <p:childTnLst>
                               <p:par>
-                                <p:cTn id="796" presetID="22" presetClass="exit" presetSubtype="1" fill="hold" nodeType="afterEffect">
+                                <p:cTn id="796" presetID="22" presetClass="exit" presetSubtype="4" fill="hold" nodeType="afterEffect">
                                   <p:stCondLst>
                                     <p:cond delay="0"/>
                                   </p:stCondLst>
                                   <p:childTnLst>
-                                    <p:animEffect transition="out" filter="wipe(up)">
+                                    <p:animEffect transition="out" filter="wipe(down)">
                                       <p:cBhvr>
                                         <p:cTn id="797" dur="20"/>
                                         <p:tgtEl>
-                                          <p:spTgt spid="455"/>
+                                          <p:spTgt spid="451"/>
                                         </p:tgtEl>
                                       </p:cBhvr>
                                     </p:animEffect>
@@ -24407,7 +24494,7 @@
                                           </p:stCondLst>
                                         </p:cTn>
                                         <p:tgtEl>
-                                          <p:spTgt spid="455"/>
+                                          <p:spTgt spid="451"/>
                                         </p:tgtEl>
                                         <p:attrNameLst>
                                           <p:attrName>style.visibility</p:attrName>
@@ -24430,16 +24517,16 @@
                             </p:stCondLst>
                             <p:childTnLst>
                               <p:par>
-                                <p:cTn id="800" presetID="22" presetClass="exit" presetSubtype="2" fill="hold" nodeType="afterEffect">
+                                <p:cTn id="800" presetID="22" presetClass="exit" presetSubtype="8" fill="hold" nodeType="afterEffect">
                                   <p:stCondLst>
                                     <p:cond delay="0"/>
                                   </p:stCondLst>
                                   <p:childTnLst>
-                                    <p:animEffect transition="out" filter="wipe(right)">
+                                    <p:animEffect transition="out" filter="wipe(left)">
                                       <p:cBhvr>
                                         <p:cTn id="801" dur="20"/>
                                         <p:tgtEl>
-                                          <p:spTgt spid="458"/>
+                                          <p:spTgt spid="453"/>
                                         </p:tgtEl>
                                       </p:cBhvr>
                                     </p:animEffect>
@@ -24451,7 +24538,7 @@
                                           </p:stCondLst>
                                         </p:cTn>
                                         <p:tgtEl>
-                                          <p:spTgt spid="458"/>
+                                          <p:spTgt spid="453"/>
                                         </p:tgtEl>
                                         <p:attrNameLst>
                                           <p:attrName>style.visibility</p:attrName>
@@ -24483,7 +24570,7 @@
                                       <p:cBhvr>
                                         <p:cTn id="805" dur="20"/>
                                         <p:tgtEl>
-                                          <p:spTgt spid="459"/>
+                                          <p:spTgt spid="455"/>
                                         </p:tgtEl>
                                       </p:cBhvr>
                                     </p:animEffect>
@@ -24495,7 +24582,7 @@
                                           </p:stCondLst>
                                         </p:cTn>
                                         <p:tgtEl>
-                                          <p:spTgt spid="459"/>
+                                          <p:spTgt spid="455"/>
                                         </p:tgtEl>
                                         <p:attrNameLst>
                                           <p:attrName>style.visibility</p:attrName>
@@ -24518,16 +24605,16 @@
                             </p:stCondLst>
                             <p:childTnLst>
                               <p:par>
-                                <p:cTn id="808" presetID="22" presetClass="exit" presetSubtype="1" fill="hold" nodeType="afterEffect">
+                                <p:cTn id="808" presetID="22" presetClass="exit" presetSubtype="2" fill="hold" nodeType="afterEffect">
                                   <p:stCondLst>
                                     <p:cond delay="0"/>
                                   </p:stCondLst>
                                   <p:childTnLst>
-                                    <p:animEffect transition="out" filter="wipe(up)">
+                                    <p:animEffect transition="out" filter="wipe(right)">
                                       <p:cBhvr>
                                         <p:cTn id="809" dur="20"/>
                                         <p:tgtEl>
-                                          <p:spTgt spid="460"/>
+                                          <p:spTgt spid="458"/>
                                         </p:tgtEl>
                                       </p:cBhvr>
                                     </p:animEffect>
@@ -24539,7 +24626,7 @@
                                           </p:stCondLst>
                                         </p:cTn>
                                         <p:tgtEl>
-                                          <p:spTgt spid="460"/>
+                                          <p:spTgt spid="458"/>
                                         </p:tgtEl>
                                         <p:attrNameLst>
                                           <p:attrName>style.visibility</p:attrName>
@@ -24571,7 +24658,7 @@
                                       <p:cBhvr>
                                         <p:cTn id="813" dur="20"/>
                                         <p:tgtEl>
-                                          <p:spTgt spid="461"/>
+                                          <p:spTgt spid="459"/>
                                         </p:tgtEl>
                                       </p:cBhvr>
                                     </p:animEffect>
@@ -24583,7 +24670,7 @@
                                           </p:stCondLst>
                                         </p:cTn>
                                         <p:tgtEl>
-                                          <p:spTgt spid="461"/>
+                                          <p:spTgt spid="459"/>
                                         </p:tgtEl>
                                         <p:attrNameLst>
                                           <p:attrName>style.visibility</p:attrName>
@@ -24615,7 +24702,7 @@
                                       <p:cBhvr>
                                         <p:cTn id="817" dur="20"/>
                                         <p:tgtEl>
-                                          <p:spTgt spid="462"/>
+                                          <p:spTgt spid="460"/>
                                         </p:tgtEl>
                                       </p:cBhvr>
                                     </p:animEffect>
@@ -24627,7 +24714,7 @@
                                           </p:stCondLst>
                                         </p:cTn>
                                         <p:tgtEl>
-                                          <p:spTgt spid="462"/>
+                                          <p:spTgt spid="460"/>
                                         </p:tgtEl>
                                         <p:attrNameLst>
                                           <p:attrName>style.visibility</p:attrName>
@@ -24650,16 +24737,16 @@
                             </p:stCondLst>
                             <p:childTnLst>
                               <p:par>
-                                <p:cTn id="820" presetID="22" presetClass="exit" presetSubtype="4" fill="hold" nodeType="afterEffect">
+                                <p:cTn id="820" presetID="22" presetClass="exit" presetSubtype="1" fill="hold" nodeType="afterEffect">
                                   <p:stCondLst>
                                     <p:cond delay="0"/>
                                   </p:stCondLst>
                                   <p:childTnLst>
-                                    <p:animEffect transition="out" filter="wipe(down)">
+                                    <p:animEffect transition="out" filter="wipe(up)">
                                       <p:cBhvr>
                                         <p:cTn id="821" dur="20"/>
                                         <p:tgtEl>
-                                          <p:spTgt spid="463"/>
+                                          <p:spTgt spid="461"/>
                                         </p:tgtEl>
                                       </p:cBhvr>
                                     </p:animEffect>
@@ -24671,7 +24758,7 @@
                                           </p:stCondLst>
                                         </p:cTn>
                                         <p:tgtEl>
-                                          <p:spTgt spid="463"/>
+                                          <p:spTgt spid="461"/>
                                         </p:tgtEl>
                                         <p:attrNameLst>
                                           <p:attrName>style.visibility</p:attrName>
@@ -24703,7 +24790,7 @@
                                       <p:cBhvr>
                                         <p:cTn id="825" dur="20"/>
                                         <p:tgtEl>
-                                          <p:spTgt spid="464"/>
+                                          <p:spTgt spid="462"/>
                                         </p:tgtEl>
                                       </p:cBhvr>
                                     </p:animEffect>
@@ -24715,7 +24802,7 @@
                                           </p:stCondLst>
                                         </p:cTn>
                                         <p:tgtEl>
-                                          <p:spTgt spid="464"/>
+                                          <p:spTgt spid="462"/>
                                         </p:tgtEl>
                                         <p:attrNameLst>
                                           <p:attrName>style.visibility</p:attrName>
@@ -24747,7 +24834,7 @@
                                       <p:cBhvr>
                                         <p:cTn id="829" dur="20"/>
                                         <p:tgtEl>
-                                          <p:spTgt spid="465"/>
+                                          <p:spTgt spid="463"/>
                                         </p:tgtEl>
                                       </p:cBhvr>
                                     </p:animEffect>
@@ -24759,7 +24846,7 @@
                                           </p:stCondLst>
                                         </p:cTn>
                                         <p:tgtEl>
-                                          <p:spTgt spid="465"/>
+                                          <p:spTgt spid="463"/>
                                         </p:tgtEl>
                                         <p:attrNameLst>
                                           <p:attrName>style.visibility</p:attrName>
@@ -24782,16 +24869,16 @@
                             </p:stCondLst>
                             <p:childTnLst>
                               <p:par>
-                                <p:cTn id="832" presetID="22" presetClass="exit" presetSubtype="8" fill="hold" nodeType="afterEffect">
+                                <p:cTn id="832" presetID="22" presetClass="exit" presetSubtype="1" fill="hold" nodeType="afterEffect">
                                   <p:stCondLst>
                                     <p:cond delay="0"/>
                                   </p:stCondLst>
                                   <p:childTnLst>
-                                    <p:animEffect transition="out" filter="wipe(left)">
+                                    <p:animEffect transition="out" filter="wipe(up)">
                                       <p:cBhvr>
                                         <p:cTn id="833" dur="20"/>
                                         <p:tgtEl>
-                                          <p:spTgt spid="263"/>
+                                          <p:spTgt spid="464"/>
                                         </p:tgtEl>
                                       </p:cBhvr>
                                     </p:animEffect>
@@ -24803,7 +24890,7 @@
                                           </p:stCondLst>
                                         </p:cTn>
                                         <p:tgtEl>
-                                          <p:spTgt spid="263"/>
+                                          <p:spTgt spid="464"/>
                                         </p:tgtEl>
                                         <p:attrNameLst>
                                           <p:attrName>style.visibility</p:attrName>
@@ -24835,7 +24922,7 @@
                                       <p:cBhvr>
                                         <p:cTn id="837" dur="20"/>
                                         <p:tgtEl>
-                                          <p:spTgt spid="321"/>
+                                          <p:spTgt spid="465"/>
                                         </p:tgtEl>
                                       </p:cBhvr>
                                     </p:animEffect>
@@ -24847,7 +24934,7 @@
                                           </p:stCondLst>
                                         </p:cTn>
                                         <p:tgtEl>
-                                          <p:spTgt spid="321"/>
+                                          <p:spTgt spid="465"/>
                                         </p:tgtEl>
                                         <p:attrNameLst>
                                           <p:attrName>style.visibility</p:attrName>
@@ -24870,16 +24957,16 @@
                             </p:stCondLst>
                             <p:childTnLst>
                               <p:par>
-                                <p:cTn id="840" presetID="22" presetClass="exit" presetSubtype="8" fill="hold" nodeType="afterEffect">
+                                <p:cTn id="840" presetID="22" presetClass="exit" presetSubtype="4" fill="hold" nodeType="afterEffect">
                                   <p:stCondLst>
                                     <p:cond delay="0"/>
                                   </p:stCondLst>
                                   <p:childTnLst>
-                                    <p:animEffect transition="out" filter="wipe(left)">
+                                    <p:animEffect transition="out" filter="wipe(down)">
                                       <p:cBhvr>
                                         <p:cTn id="841" dur="20"/>
                                         <p:tgtEl>
-                                          <p:spTgt spid="323"/>
+                                          <p:spTgt spid="321"/>
                                         </p:tgtEl>
                                       </p:cBhvr>
                                     </p:animEffect>
@@ -24891,7 +24978,7 @@
                                           </p:stCondLst>
                                         </p:cTn>
                                         <p:tgtEl>
-                                          <p:spTgt spid="323"/>
+                                          <p:spTgt spid="321"/>
                                         </p:tgtEl>
                                         <p:attrNameLst>
                                           <p:attrName>style.visibility</p:attrName>
@@ -24914,16 +25001,16 @@
                             </p:stCondLst>
                             <p:childTnLst>
                               <p:par>
-                                <p:cTn id="844" presetID="22" presetClass="exit" presetSubtype="1" fill="hold" nodeType="afterEffect">
+                                <p:cTn id="844" presetID="22" presetClass="exit" presetSubtype="8" fill="hold" nodeType="afterEffect">
                                   <p:stCondLst>
                                     <p:cond delay="0"/>
                                   </p:stCondLst>
                                   <p:childTnLst>
-                                    <p:animEffect transition="out" filter="wipe(up)">
+                                    <p:animEffect transition="out" filter="wipe(left)">
                                       <p:cBhvr>
                                         <p:cTn id="845" dur="20"/>
                                         <p:tgtEl>
-                                          <p:spTgt spid="325"/>
+                                          <p:spTgt spid="323"/>
                                         </p:tgtEl>
                                       </p:cBhvr>
                                     </p:animEffect>
@@ -24935,7 +25022,7 @@
                                           </p:stCondLst>
                                         </p:cTn>
                                         <p:tgtEl>
-                                          <p:spTgt spid="325"/>
+                                          <p:spTgt spid="323"/>
                                         </p:tgtEl>
                                         <p:attrNameLst>
                                           <p:attrName>style.visibility</p:attrName>
@@ -24958,16 +25045,16 @@
                             </p:stCondLst>
                             <p:childTnLst>
                               <p:par>
-                                <p:cTn id="848" presetID="22" presetClass="exit" presetSubtype="2" fill="hold" nodeType="afterEffect">
+                                <p:cTn id="848" presetID="22" presetClass="exit" presetSubtype="1" fill="hold" nodeType="afterEffect">
                                   <p:stCondLst>
                                     <p:cond delay="0"/>
                                   </p:stCondLst>
                                   <p:childTnLst>
-                                    <p:animEffect transition="out" filter="wipe(right)">
+                                    <p:animEffect transition="out" filter="wipe(up)">
                                       <p:cBhvr>
                                         <p:cTn id="849" dur="20"/>
                                         <p:tgtEl>
-                                          <p:spTgt spid="326"/>
+                                          <p:spTgt spid="325"/>
                                         </p:tgtEl>
                                       </p:cBhvr>
                                     </p:animEffect>
@@ -24979,7 +25066,7 @@
                                           </p:stCondLst>
                                         </p:cTn>
                                         <p:tgtEl>
-                                          <p:spTgt spid="326"/>
+                                          <p:spTgt spid="325"/>
                                         </p:tgtEl>
                                         <p:attrNameLst>
                                           <p:attrName>style.visibility</p:attrName>
@@ -25011,7 +25098,7 @@
                                       <p:cBhvr>
                                         <p:cTn id="853" dur="20"/>
                                         <p:tgtEl>
-                                          <p:spTgt spid="328"/>
+                                          <p:spTgt spid="326"/>
                                         </p:tgtEl>
                                       </p:cBhvr>
                                     </p:animEffect>
@@ -25023,7 +25110,7 @@
                                           </p:stCondLst>
                                         </p:cTn>
                                         <p:tgtEl>
-                                          <p:spTgt spid="328"/>
+                                          <p:spTgt spid="326"/>
                                         </p:tgtEl>
                                         <p:attrNameLst>
                                           <p:attrName>style.visibility</p:attrName>
@@ -25046,16 +25133,16 @@
                             </p:stCondLst>
                             <p:childTnLst>
                               <p:par>
-                                <p:cTn id="856" presetID="22" presetClass="exit" presetSubtype="1" fill="hold" nodeType="afterEffect">
+                                <p:cTn id="856" presetID="22" presetClass="exit" presetSubtype="2" fill="hold" nodeType="afterEffect">
                                   <p:stCondLst>
                                     <p:cond delay="0"/>
                                   </p:stCondLst>
                                   <p:childTnLst>
-                                    <p:animEffect transition="out" filter="wipe(up)">
+                                    <p:animEffect transition="out" filter="wipe(right)">
                                       <p:cBhvr>
                                         <p:cTn id="857" dur="20"/>
                                         <p:tgtEl>
-                                          <p:spTgt spid="330"/>
+                                          <p:spTgt spid="328"/>
                                         </p:tgtEl>
                                       </p:cBhvr>
                                     </p:animEffect>
@@ -25067,7 +25154,7 @@
                                           </p:stCondLst>
                                         </p:cTn>
                                         <p:tgtEl>
-                                          <p:spTgt spid="330"/>
+                                          <p:spTgt spid="328"/>
                                         </p:tgtEl>
                                         <p:attrNameLst>
                                           <p:attrName>style.visibility</p:attrName>
@@ -25090,16 +25177,16 @@
                             </p:stCondLst>
                             <p:childTnLst>
                               <p:par>
-                                <p:cTn id="860" presetID="22" presetClass="exit" presetSubtype="8" fill="hold" nodeType="afterEffect">
+                                <p:cTn id="860" presetID="22" presetClass="exit" presetSubtype="1" fill="hold" nodeType="afterEffect">
                                   <p:stCondLst>
                                     <p:cond delay="0"/>
                                   </p:stCondLst>
                                   <p:childTnLst>
-                                    <p:animEffect transition="out" filter="wipe(left)">
+                                    <p:animEffect transition="out" filter="wipe(up)">
                                       <p:cBhvr>
                                         <p:cTn id="861" dur="20"/>
                                         <p:tgtEl>
-                                          <p:spTgt spid="331"/>
+                                          <p:spTgt spid="330"/>
                                         </p:tgtEl>
                                       </p:cBhvr>
                                     </p:animEffect>
@@ -25111,7 +25198,7 @@
                                           </p:stCondLst>
                                         </p:cTn>
                                         <p:tgtEl>
-                                          <p:spTgt spid="331"/>
+                                          <p:spTgt spid="330"/>
                                         </p:tgtEl>
                                         <p:attrNameLst>
                                           <p:attrName>style.visibility</p:attrName>
@@ -25134,16 +25221,16 @@
                             </p:stCondLst>
                             <p:childTnLst>
                               <p:par>
-                                <p:cTn id="864" presetID="22" presetClass="exit" presetSubtype="4" fill="hold" nodeType="afterEffect">
+                                <p:cTn id="864" presetID="22" presetClass="exit" presetSubtype="8" fill="hold" nodeType="afterEffect">
                                   <p:stCondLst>
                                     <p:cond delay="0"/>
                                   </p:stCondLst>
                                   <p:childTnLst>
-                                    <p:animEffect transition="out" filter="wipe(down)">
+                                    <p:animEffect transition="out" filter="wipe(left)">
                                       <p:cBhvr>
                                         <p:cTn id="865" dur="20"/>
                                         <p:tgtEl>
-                                          <p:spTgt spid="332"/>
+                                          <p:spTgt spid="331"/>
                                         </p:tgtEl>
                                       </p:cBhvr>
                                     </p:animEffect>
@@ -25155,7 +25242,7 @@
                                           </p:stCondLst>
                                         </p:cTn>
                                         <p:tgtEl>
-                                          <p:spTgt spid="332"/>
+                                          <p:spTgt spid="331"/>
                                         </p:tgtEl>
                                         <p:attrNameLst>
                                           <p:attrName>style.visibility</p:attrName>
@@ -25178,16 +25265,16 @@
                             </p:stCondLst>
                             <p:childTnLst>
                               <p:par>
-                                <p:cTn id="868" presetID="22" presetClass="exit" presetSubtype="8" fill="hold" nodeType="afterEffect">
+                                <p:cTn id="868" presetID="22" presetClass="exit" presetSubtype="4" fill="hold" nodeType="afterEffect">
                                   <p:stCondLst>
                                     <p:cond delay="0"/>
                                   </p:stCondLst>
                                   <p:childTnLst>
-                                    <p:animEffect transition="out" filter="wipe(left)">
+                                    <p:animEffect transition="out" filter="wipe(down)">
                                       <p:cBhvr>
                                         <p:cTn id="869" dur="20"/>
                                         <p:tgtEl>
-                                          <p:spTgt spid="333"/>
+                                          <p:spTgt spid="332"/>
                                         </p:tgtEl>
                                       </p:cBhvr>
                                     </p:animEffect>
@@ -25199,7 +25286,7 @@
                                           </p:stCondLst>
                                         </p:cTn>
                                         <p:tgtEl>
-                                          <p:spTgt spid="333"/>
+                                          <p:spTgt spid="332"/>
                                         </p:tgtEl>
                                         <p:attrNameLst>
                                           <p:attrName>style.visibility</p:attrName>
@@ -25222,16 +25309,16 @@
                             </p:stCondLst>
                             <p:childTnLst>
                               <p:par>
-                                <p:cTn id="872" presetID="22" presetClass="exit" presetSubtype="4" fill="hold" nodeType="afterEffect">
+                                <p:cTn id="872" presetID="22" presetClass="exit" presetSubtype="8" fill="hold" nodeType="afterEffect">
                                   <p:stCondLst>
                                     <p:cond delay="0"/>
                                   </p:stCondLst>
                                   <p:childTnLst>
-                                    <p:animEffect transition="out" filter="wipe(down)">
+                                    <p:animEffect transition="out" filter="wipe(left)">
                                       <p:cBhvr>
                                         <p:cTn id="873" dur="20"/>
                                         <p:tgtEl>
-                                          <p:spTgt spid="335"/>
+                                          <p:spTgt spid="333"/>
                                         </p:tgtEl>
                                       </p:cBhvr>
                                     </p:animEffect>
@@ -25243,7 +25330,7 @@
                                           </p:stCondLst>
                                         </p:cTn>
                                         <p:tgtEl>
-                                          <p:spTgt spid="335"/>
+                                          <p:spTgt spid="333"/>
                                         </p:tgtEl>
                                         <p:attrNameLst>
                                           <p:attrName>style.visibility</p:attrName>
@@ -25266,16 +25353,16 @@
                             </p:stCondLst>
                             <p:childTnLst>
                               <p:par>
-                                <p:cTn id="876" presetID="22" presetClass="exit" presetSubtype="8" fill="hold" nodeType="afterEffect">
+                                <p:cTn id="876" presetID="22" presetClass="exit" presetSubtype="4" fill="hold" nodeType="afterEffect">
                                   <p:stCondLst>
                                     <p:cond delay="0"/>
                                   </p:stCondLst>
                                   <p:childTnLst>
-                                    <p:animEffect transition="out" filter="wipe(left)">
+                                    <p:animEffect transition="out" filter="wipe(down)">
                                       <p:cBhvr>
                                         <p:cTn id="877" dur="20"/>
                                         <p:tgtEl>
-                                          <p:spTgt spid="337"/>
+                                          <p:spTgt spid="335"/>
                                         </p:tgtEl>
                                       </p:cBhvr>
                                     </p:animEffect>
@@ -25287,7 +25374,7 @@
                                           </p:stCondLst>
                                         </p:cTn>
                                         <p:tgtEl>
-                                          <p:spTgt spid="337"/>
+                                          <p:spTgt spid="335"/>
                                         </p:tgtEl>
                                         <p:attrNameLst>
                                           <p:attrName>style.visibility</p:attrName>
@@ -25310,16 +25397,16 @@
                             </p:stCondLst>
                             <p:childTnLst>
                               <p:par>
-                                <p:cTn id="880" presetID="22" presetClass="exit" presetSubtype="1" fill="hold" nodeType="afterEffect">
+                                <p:cTn id="880" presetID="22" presetClass="exit" presetSubtype="8" fill="hold" nodeType="afterEffect">
                                   <p:stCondLst>
                                     <p:cond delay="0"/>
                                   </p:stCondLst>
                                   <p:childTnLst>
-                                    <p:animEffect transition="out" filter="wipe(up)">
+                                    <p:animEffect transition="out" filter="wipe(left)">
                                       <p:cBhvr>
                                         <p:cTn id="881" dur="20"/>
                                         <p:tgtEl>
-                                          <p:spTgt spid="339"/>
+                                          <p:spTgt spid="337"/>
                                         </p:tgtEl>
                                       </p:cBhvr>
                                     </p:animEffect>
@@ -25331,7 +25418,7 @@
                                           </p:stCondLst>
                                         </p:cTn>
                                         <p:tgtEl>
-                                          <p:spTgt spid="339"/>
+                                          <p:spTgt spid="337"/>
                                         </p:tgtEl>
                                         <p:attrNameLst>
                                           <p:attrName>style.visibility</p:attrName>
@@ -25354,16 +25441,16 @@
                             </p:stCondLst>
                             <p:childTnLst>
                               <p:par>
-                                <p:cTn id="884" presetID="22" presetClass="exit" presetSubtype="8" fill="hold" nodeType="afterEffect">
+                                <p:cTn id="884" presetID="22" presetClass="exit" presetSubtype="1" fill="hold" nodeType="afterEffect">
                                   <p:stCondLst>
                                     <p:cond delay="0"/>
                                   </p:stCondLst>
                                   <p:childTnLst>
-                                    <p:animEffect transition="out" filter="wipe(left)">
+                                    <p:animEffect transition="out" filter="wipe(up)">
                                       <p:cBhvr>
                                         <p:cTn id="885" dur="20"/>
                                         <p:tgtEl>
-                                          <p:spTgt spid="341"/>
+                                          <p:spTgt spid="339"/>
                                         </p:tgtEl>
                                       </p:cBhvr>
                                     </p:animEffect>
@@ -25375,7 +25462,7 @@
                                           </p:stCondLst>
                                         </p:cTn>
                                         <p:tgtEl>
-                                          <p:spTgt spid="341"/>
+                                          <p:spTgt spid="339"/>
                                         </p:tgtEl>
                                         <p:attrNameLst>
                                           <p:attrName>style.visibility</p:attrName>
@@ -25407,7 +25494,7 @@
                                       <p:cBhvr>
                                         <p:cTn id="889" dur="20"/>
                                         <p:tgtEl>
-                                          <p:spTgt spid="343"/>
+                                          <p:spTgt spid="341"/>
                                         </p:tgtEl>
                                       </p:cBhvr>
                                     </p:animEffect>
@@ -25419,7 +25506,7 @@
                                           </p:stCondLst>
                                         </p:cTn>
                                         <p:tgtEl>
-                                          <p:spTgt spid="343"/>
+                                          <p:spTgt spid="341"/>
                                         </p:tgtEl>
                                         <p:attrNameLst>
                                           <p:attrName>style.visibility</p:attrName>
@@ -25451,7 +25538,7 @@
                                       <p:cBhvr>
                                         <p:cTn id="893" dur="20"/>
                                         <p:tgtEl>
-                                          <p:spTgt spid="344"/>
+                                          <p:spTgt spid="343"/>
                                         </p:tgtEl>
                                       </p:cBhvr>
                                     </p:animEffect>
@@ -25463,7 +25550,7 @@
                                           </p:stCondLst>
                                         </p:cTn>
                                         <p:tgtEl>
-                                          <p:spTgt spid="344"/>
+                                          <p:spTgt spid="343"/>
                                         </p:tgtEl>
                                         <p:attrNameLst>
                                           <p:attrName>style.visibility</p:attrName>
@@ -25486,16 +25573,16 @@
                             </p:stCondLst>
                             <p:childTnLst>
                               <p:par>
-                                <p:cTn id="896" presetID="22" presetClass="exit" presetSubtype="4" fill="hold" nodeType="afterEffect">
+                                <p:cTn id="896" presetID="22" presetClass="exit" presetSubtype="8" fill="hold" nodeType="afterEffect">
                                   <p:stCondLst>
                                     <p:cond delay="0"/>
                                   </p:stCondLst>
                                   <p:childTnLst>
-                                    <p:animEffect transition="out" filter="wipe(down)">
+                                    <p:animEffect transition="out" filter="wipe(left)">
                                       <p:cBhvr>
                                         <p:cTn id="897" dur="20"/>
                                         <p:tgtEl>
-                                          <p:spTgt spid="346"/>
+                                          <p:spTgt spid="344"/>
                                         </p:tgtEl>
                                       </p:cBhvr>
                                     </p:animEffect>
@@ -25507,7 +25594,7 @@
                                           </p:stCondLst>
                                         </p:cTn>
                                         <p:tgtEl>
-                                          <p:spTgt spid="346"/>
+                                          <p:spTgt spid="344"/>
                                         </p:tgtEl>
                                         <p:attrNameLst>
                                           <p:attrName>style.visibility</p:attrName>
@@ -25530,16 +25617,16 @@
                             </p:stCondLst>
                             <p:childTnLst>
                               <p:par>
-                                <p:cTn id="900" presetID="22" presetClass="exit" presetSubtype="8" fill="hold" nodeType="afterEffect">
+                                <p:cTn id="900" presetID="22" presetClass="exit" presetSubtype="4" fill="hold" nodeType="afterEffect">
                                   <p:stCondLst>
                                     <p:cond delay="0"/>
                                   </p:stCondLst>
                                   <p:childTnLst>
-                                    <p:animEffect transition="out" filter="wipe(left)">
+                                    <p:animEffect transition="out" filter="wipe(down)">
                                       <p:cBhvr>
                                         <p:cTn id="901" dur="20"/>
                                         <p:tgtEl>
-                                          <p:spTgt spid="348"/>
+                                          <p:spTgt spid="346"/>
                                         </p:tgtEl>
                                       </p:cBhvr>
                                     </p:animEffect>
@@ -25551,7 +25638,7 @@
                                           </p:stCondLst>
                                         </p:cTn>
                                         <p:tgtEl>
-                                          <p:spTgt spid="348"/>
+                                          <p:spTgt spid="346"/>
                                         </p:tgtEl>
                                         <p:attrNameLst>
                                           <p:attrName>style.visibility</p:attrName>
@@ -25574,16 +25661,16 @@
                             </p:stCondLst>
                             <p:childTnLst>
                               <p:par>
-                                <p:cTn id="904" presetID="22" presetClass="exit" presetSubtype="4" fill="hold" nodeType="afterEffect">
+                                <p:cTn id="904" presetID="22" presetClass="exit" presetSubtype="8" fill="hold" nodeType="afterEffect">
                                   <p:stCondLst>
                                     <p:cond delay="0"/>
                                   </p:stCondLst>
                                   <p:childTnLst>
-                                    <p:animEffect transition="out" filter="wipe(down)">
+                                    <p:animEffect transition="out" filter="wipe(left)">
                                       <p:cBhvr>
                                         <p:cTn id="905" dur="20"/>
                                         <p:tgtEl>
-                                          <p:spTgt spid="352"/>
+                                          <p:spTgt spid="348"/>
                                         </p:tgtEl>
                                       </p:cBhvr>
                                     </p:animEffect>
@@ -25595,7 +25682,7 @@
                                           </p:stCondLst>
                                         </p:cTn>
                                         <p:tgtEl>
-                                          <p:spTgt spid="352"/>
+                                          <p:spTgt spid="348"/>
                                         </p:tgtEl>
                                         <p:attrNameLst>
                                           <p:attrName>style.visibility</p:attrName>
@@ -25618,16 +25705,16 @@
                             </p:stCondLst>
                             <p:childTnLst>
                               <p:par>
-                                <p:cTn id="908" presetID="22" presetClass="exit" presetSubtype="1" fill="hold" nodeType="afterEffect">
+                                <p:cTn id="908" presetID="22" presetClass="exit" presetSubtype="4" fill="hold" nodeType="afterEffect">
                                   <p:stCondLst>
                                     <p:cond delay="0"/>
                                   </p:stCondLst>
                                   <p:childTnLst>
-                                    <p:animEffect transition="out" filter="wipe(up)">
+                                    <p:animEffect transition="out" filter="wipe(down)">
                                       <p:cBhvr>
                                         <p:cTn id="909" dur="20"/>
                                         <p:tgtEl>
-                                          <p:spTgt spid="354"/>
+                                          <p:spTgt spid="352"/>
                                         </p:tgtEl>
                                       </p:cBhvr>
                                     </p:animEffect>
@@ -25639,7 +25726,7 @@
                                           </p:stCondLst>
                                         </p:cTn>
                                         <p:tgtEl>
-                                          <p:spTgt spid="354"/>
+                                          <p:spTgt spid="352"/>
                                         </p:tgtEl>
                                         <p:attrNameLst>
                                           <p:attrName>style.visibility</p:attrName>
@@ -25662,16 +25749,16 @@
                             </p:stCondLst>
                             <p:childTnLst>
                               <p:par>
-                                <p:cTn id="912" presetID="22" presetClass="exit" presetSubtype="4" fill="hold" nodeType="afterEffect">
+                                <p:cTn id="912" presetID="22" presetClass="exit" presetSubtype="1" fill="hold" nodeType="afterEffect">
                                   <p:stCondLst>
                                     <p:cond delay="0"/>
                                   </p:stCondLst>
                                   <p:childTnLst>
-                                    <p:animEffect transition="out" filter="wipe(down)">
+                                    <p:animEffect transition="out" filter="wipe(up)">
                                       <p:cBhvr>
                                         <p:cTn id="913" dur="20"/>
                                         <p:tgtEl>
-                                          <p:spTgt spid="355"/>
+                                          <p:spTgt spid="354"/>
                                         </p:tgtEl>
                                       </p:cBhvr>
                                     </p:animEffect>
@@ -25683,7 +25770,7 @@
                                           </p:stCondLst>
                                         </p:cTn>
                                         <p:tgtEl>
-                                          <p:spTgt spid="355"/>
+                                          <p:spTgt spid="354"/>
                                         </p:tgtEl>
                                         <p:attrNameLst>
                                           <p:attrName>style.visibility</p:attrName>
@@ -25706,16 +25793,16 @@
                             </p:stCondLst>
                             <p:childTnLst>
                               <p:par>
-                                <p:cTn id="916" presetID="22" presetClass="exit" presetSubtype="1" fill="hold" nodeType="afterEffect">
+                                <p:cTn id="916" presetID="22" presetClass="exit" presetSubtype="4" fill="hold" nodeType="afterEffect">
                                   <p:stCondLst>
                                     <p:cond delay="0"/>
                                   </p:stCondLst>
                                   <p:childTnLst>
-                                    <p:animEffect transition="out" filter="wipe(up)">
+                                    <p:animEffect transition="out" filter="wipe(down)">
                                       <p:cBhvr>
                                         <p:cTn id="917" dur="20"/>
                                         <p:tgtEl>
-                                          <p:spTgt spid="356"/>
+                                          <p:spTgt spid="355"/>
                                         </p:tgtEl>
                                       </p:cBhvr>
                                     </p:animEffect>
@@ -25727,7 +25814,7 @@
                                           </p:stCondLst>
                                         </p:cTn>
                                         <p:tgtEl>
-                                          <p:spTgt spid="356"/>
+                                          <p:spTgt spid="355"/>
                                         </p:tgtEl>
                                         <p:attrNameLst>
                                           <p:attrName>style.visibility</p:attrName>
@@ -25750,16 +25837,16 @@
                             </p:stCondLst>
                             <p:childTnLst>
                               <p:par>
-                                <p:cTn id="920" presetID="22" presetClass="exit" presetSubtype="4" fill="hold" nodeType="afterEffect">
+                                <p:cTn id="920" presetID="22" presetClass="exit" presetSubtype="1" fill="hold" nodeType="afterEffect">
                                   <p:stCondLst>
                                     <p:cond delay="0"/>
                                   </p:stCondLst>
                                   <p:childTnLst>
-                                    <p:animEffect transition="out" filter="wipe(down)">
+                                    <p:animEffect transition="out" filter="wipe(up)">
                                       <p:cBhvr>
                                         <p:cTn id="921" dur="20"/>
                                         <p:tgtEl>
-                                          <p:spTgt spid="357"/>
+                                          <p:spTgt spid="356"/>
                                         </p:tgtEl>
                                       </p:cBhvr>
                                     </p:animEffect>
@@ -25771,7 +25858,7 @@
                                           </p:stCondLst>
                                         </p:cTn>
                                         <p:tgtEl>
-                                          <p:spTgt spid="357"/>
+                                          <p:spTgt spid="356"/>
                                         </p:tgtEl>
                                         <p:attrNameLst>
                                           <p:attrName>style.visibility</p:attrName>
@@ -25794,16 +25881,16 @@
                             </p:stCondLst>
                             <p:childTnLst>
                               <p:par>
-                                <p:cTn id="924" presetID="22" presetClass="exit" presetSubtype="8" fill="hold" nodeType="afterEffect">
+                                <p:cTn id="924" presetID="22" presetClass="exit" presetSubtype="4" fill="hold" nodeType="afterEffect">
                                   <p:stCondLst>
                                     <p:cond delay="0"/>
                                   </p:stCondLst>
                                   <p:childTnLst>
-                                    <p:animEffect transition="out" filter="wipe(left)">
+                                    <p:animEffect transition="out" filter="wipe(down)">
                                       <p:cBhvr>
                                         <p:cTn id="925" dur="20"/>
                                         <p:tgtEl>
-                                          <p:spTgt spid="358"/>
+                                          <p:spTgt spid="357"/>
                                         </p:tgtEl>
                                       </p:cBhvr>
                                     </p:animEffect>
@@ -25815,7 +25902,7 @@
                                           </p:stCondLst>
                                         </p:cTn>
                                         <p:tgtEl>
-                                          <p:spTgt spid="358"/>
+                                          <p:spTgt spid="357"/>
                                         </p:tgtEl>
                                         <p:attrNameLst>
                                           <p:attrName>style.visibility</p:attrName>
@@ -25838,16 +25925,16 @@
                             </p:stCondLst>
                             <p:childTnLst>
                               <p:par>
-                                <p:cTn id="928" presetID="22" presetClass="exit" presetSubtype="4" fill="hold" nodeType="afterEffect">
+                                <p:cTn id="928" presetID="22" presetClass="exit" presetSubtype="8" fill="hold" nodeType="afterEffect">
                                   <p:stCondLst>
                                     <p:cond delay="0"/>
                                   </p:stCondLst>
                                   <p:childTnLst>
-                                    <p:animEffect transition="out" filter="wipe(down)">
+                                    <p:animEffect transition="out" filter="wipe(left)">
                                       <p:cBhvr>
                                         <p:cTn id="929" dur="20"/>
                                         <p:tgtEl>
-                                          <p:spTgt spid="359"/>
+                                          <p:spTgt spid="358"/>
                                         </p:tgtEl>
                                       </p:cBhvr>
                                     </p:animEffect>
@@ -25859,7 +25946,7 @@
                                           </p:stCondLst>
                                         </p:cTn>
                                         <p:tgtEl>
-                                          <p:spTgt spid="359"/>
+                                          <p:spTgt spid="358"/>
                                         </p:tgtEl>
                                         <p:attrNameLst>
                                           <p:attrName>style.visibility</p:attrName>
@@ -25891,7 +25978,7 @@
                                       <p:cBhvr>
                                         <p:cTn id="933" dur="20"/>
                                         <p:tgtEl>
-                                          <p:spTgt spid="361"/>
+                                          <p:spTgt spid="359"/>
                                         </p:tgtEl>
                                       </p:cBhvr>
                                     </p:animEffect>
@@ -25903,7 +25990,7 @@
                                           </p:stCondLst>
                                         </p:cTn>
                                         <p:tgtEl>
-                                          <p:spTgt spid="361"/>
+                                          <p:spTgt spid="359"/>
                                         </p:tgtEl>
                                         <p:attrNameLst>
                                           <p:attrName>style.visibility</p:attrName>
@@ -25926,16 +26013,16 @@
                             </p:stCondLst>
                             <p:childTnLst>
                               <p:par>
-                                <p:cTn id="936" presetID="21" presetClass="exit" presetSubtype="1" fill="hold" grpId="0" nodeType="afterEffect">
+                                <p:cTn id="936" presetID="22" presetClass="exit" presetSubtype="4" fill="hold" nodeType="afterEffect">
                                   <p:stCondLst>
                                     <p:cond delay="0"/>
                                   </p:stCondLst>
                                   <p:childTnLst>
-                                    <p:animEffect transition="out" filter="wheel(1)">
+                                    <p:animEffect transition="out" filter="wipe(down)">
                                       <p:cBhvr>
                                         <p:cTn id="937" dur="20"/>
                                         <p:tgtEl>
-                                          <p:spTgt spid="364"/>
+                                          <p:spTgt spid="361"/>
                                         </p:tgtEl>
                                       </p:cBhvr>
                                     </p:animEffect>
@@ -25947,7 +26034,7 @@
                                           </p:stCondLst>
                                         </p:cTn>
                                         <p:tgtEl>
-                                          <p:spTgt spid="364"/>
+                                          <p:spTgt spid="361"/>
                                         </p:tgtEl>
                                         <p:attrNameLst>
                                           <p:attrName>style.visibility</p:attrName>
@@ -25970,16 +26057,16 @@
                             </p:stCondLst>
                             <p:childTnLst>
                               <p:par>
-                                <p:cTn id="940" presetID="22" presetClass="exit" presetSubtype="8" fill="hold" nodeType="afterEffect">
+                                <p:cTn id="940" presetID="21" presetClass="exit" presetSubtype="1" fill="hold" grpId="0" nodeType="afterEffect">
                                   <p:stCondLst>
                                     <p:cond delay="0"/>
                                   </p:stCondLst>
                                   <p:childTnLst>
-                                    <p:animEffect transition="out" filter="wipe(left)">
+                                    <p:animEffect transition="out" filter="wheel(1)">
                                       <p:cBhvr>
                                         <p:cTn id="941" dur="20"/>
                                         <p:tgtEl>
-                                          <p:spTgt spid="365"/>
+                                          <p:spTgt spid="364"/>
                                         </p:tgtEl>
                                       </p:cBhvr>
                                     </p:animEffect>
@@ -25991,7 +26078,7 @@
                                           </p:stCondLst>
                                         </p:cTn>
                                         <p:tgtEl>
-                                          <p:spTgt spid="365"/>
+                                          <p:spTgt spid="364"/>
                                         </p:tgtEl>
                                         <p:attrNameLst>
                                           <p:attrName>style.visibility</p:attrName>
@@ -26023,7 +26110,7 @@
                                       <p:cBhvr>
                                         <p:cTn id="945" dur="20"/>
                                         <p:tgtEl>
-                                          <p:spTgt spid="367"/>
+                                          <p:spTgt spid="365"/>
                                         </p:tgtEl>
                                       </p:cBhvr>
                                     </p:animEffect>
@@ -26035,7 +26122,7 @@
                                           </p:stCondLst>
                                         </p:cTn>
                                         <p:tgtEl>
-                                          <p:spTgt spid="367"/>
+                                          <p:spTgt spid="365"/>
                                         </p:tgtEl>
                                         <p:attrNameLst>
                                           <p:attrName>style.visibility</p:attrName>
@@ -26058,16 +26145,16 @@
                             </p:stCondLst>
                             <p:childTnLst>
                               <p:par>
-                                <p:cTn id="948" presetID="22" presetClass="exit" presetSubtype="1" fill="hold" nodeType="afterEffect">
+                                <p:cTn id="948" presetID="22" presetClass="exit" presetSubtype="8" fill="hold" nodeType="afterEffect">
                                   <p:stCondLst>
                                     <p:cond delay="0"/>
                                   </p:stCondLst>
                                   <p:childTnLst>
-                                    <p:animEffect transition="out" filter="wipe(up)">
+                                    <p:animEffect transition="out" filter="wipe(left)">
                                       <p:cBhvr>
                                         <p:cTn id="949" dur="20"/>
                                         <p:tgtEl>
-                                          <p:spTgt spid="384"/>
+                                          <p:spTgt spid="367"/>
                                         </p:tgtEl>
                                       </p:cBhvr>
                                     </p:animEffect>
@@ -26079,7 +26166,7 @@
                                           </p:stCondLst>
                                         </p:cTn>
                                         <p:tgtEl>
-                                          <p:spTgt spid="384"/>
+                                          <p:spTgt spid="367"/>
                                         </p:tgtEl>
                                         <p:attrNameLst>
                                           <p:attrName>style.visibility</p:attrName>
@@ -26102,16 +26189,16 @@
                             </p:stCondLst>
                             <p:childTnLst>
                               <p:par>
-                                <p:cTn id="952" presetID="22" presetClass="exit" presetSubtype="4" fill="hold" nodeType="afterEffect">
+                                <p:cTn id="952" presetID="22" presetClass="exit" presetSubtype="1" fill="hold" nodeType="afterEffect">
                                   <p:stCondLst>
                                     <p:cond delay="0"/>
                                   </p:stCondLst>
                                   <p:childTnLst>
-                                    <p:animEffect transition="out" filter="wipe(down)">
+                                    <p:animEffect transition="out" filter="wipe(up)">
                                       <p:cBhvr>
                                         <p:cTn id="953" dur="20"/>
                                         <p:tgtEl>
-                                          <p:spTgt spid="385"/>
+                                          <p:spTgt spid="384"/>
                                         </p:tgtEl>
                                       </p:cBhvr>
                                     </p:animEffect>
@@ -26123,7 +26210,7 @@
                                           </p:stCondLst>
                                         </p:cTn>
                                         <p:tgtEl>
-                                          <p:spTgt spid="385"/>
+                                          <p:spTgt spid="384"/>
                                         </p:tgtEl>
                                         <p:attrNameLst>
                                           <p:attrName>style.visibility</p:attrName>
@@ -26146,16 +26233,16 @@
                             </p:stCondLst>
                             <p:childTnLst>
                               <p:par>
-                                <p:cTn id="956" presetID="22" presetClass="exit" presetSubtype="1" fill="hold" nodeType="afterEffect">
+                                <p:cTn id="956" presetID="22" presetClass="exit" presetSubtype="4" fill="hold" nodeType="afterEffect">
                                   <p:stCondLst>
                                     <p:cond delay="0"/>
                                   </p:stCondLst>
                                   <p:childTnLst>
-                                    <p:animEffect transition="out" filter="wipe(up)">
+                                    <p:animEffect transition="out" filter="wipe(down)">
                                       <p:cBhvr>
                                         <p:cTn id="957" dur="20"/>
                                         <p:tgtEl>
-                                          <p:spTgt spid="386"/>
+                                          <p:spTgt spid="385"/>
                                         </p:tgtEl>
                                       </p:cBhvr>
                                     </p:animEffect>
@@ -26167,7 +26254,7 @@
                                           </p:stCondLst>
                                         </p:cTn>
                                         <p:tgtEl>
-                                          <p:spTgt spid="386"/>
+                                          <p:spTgt spid="385"/>
                                         </p:tgtEl>
                                         <p:attrNameLst>
                                           <p:attrName>style.visibility</p:attrName>
@@ -26190,16 +26277,16 @@
                             </p:stCondLst>
                             <p:childTnLst>
                               <p:par>
-                                <p:cTn id="960" presetID="22" presetClass="exit" presetSubtype="4" fill="hold" nodeType="afterEffect">
+                                <p:cTn id="960" presetID="22" presetClass="exit" presetSubtype="1" fill="hold" nodeType="afterEffect">
                                   <p:stCondLst>
                                     <p:cond delay="0"/>
                                   </p:stCondLst>
                                   <p:childTnLst>
-                                    <p:animEffect transition="out" filter="wipe(down)">
+                                    <p:animEffect transition="out" filter="wipe(up)">
                                       <p:cBhvr>
                                         <p:cTn id="961" dur="20"/>
                                         <p:tgtEl>
-                                          <p:spTgt spid="387"/>
+                                          <p:spTgt spid="386"/>
                                         </p:tgtEl>
                                       </p:cBhvr>
                                     </p:animEffect>
@@ -26211,7 +26298,7 @@
                                           </p:stCondLst>
                                         </p:cTn>
                                         <p:tgtEl>
-                                          <p:spTgt spid="387"/>
+                                          <p:spTgt spid="386"/>
                                         </p:tgtEl>
                                         <p:attrNameLst>
                                           <p:attrName>style.visibility</p:attrName>
@@ -26234,16 +26321,16 @@
                             </p:stCondLst>
                             <p:childTnLst>
                               <p:par>
-                                <p:cTn id="964" presetID="22" presetClass="exit" presetSubtype="1" fill="hold" nodeType="afterEffect">
+                                <p:cTn id="964" presetID="22" presetClass="exit" presetSubtype="4" fill="hold" nodeType="afterEffect">
                                   <p:stCondLst>
                                     <p:cond delay="0"/>
                                   </p:stCondLst>
                                   <p:childTnLst>
-                                    <p:animEffect transition="out" filter="wipe(up)">
+                                    <p:animEffect transition="out" filter="wipe(down)">
                                       <p:cBhvr>
                                         <p:cTn id="965" dur="20"/>
                                         <p:tgtEl>
-                                          <p:spTgt spid="388"/>
+                                          <p:spTgt spid="387"/>
                                         </p:tgtEl>
                                       </p:cBhvr>
                                     </p:animEffect>
@@ -26255,7 +26342,7 @@
                                           </p:stCondLst>
                                         </p:cTn>
                                         <p:tgtEl>
-                                          <p:spTgt spid="388"/>
+                                          <p:spTgt spid="387"/>
                                         </p:tgtEl>
                                         <p:attrNameLst>
                                           <p:attrName>style.visibility</p:attrName>
@@ -26278,16 +26365,16 @@
                             </p:stCondLst>
                             <p:childTnLst>
                               <p:par>
-                                <p:cTn id="968" presetID="22" presetClass="exit" presetSubtype="4" fill="hold" nodeType="afterEffect">
+                                <p:cTn id="968" presetID="22" presetClass="exit" presetSubtype="1" fill="hold" nodeType="afterEffect">
                                   <p:stCondLst>
                                     <p:cond delay="0"/>
                                   </p:stCondLst>
                                   <p:childTnLst>
-                                    <p:animEffect transition="out" filter="wipe(down)">
+                                    <p:animEffect transition="out" filter="wipe(up)">
                                       <p:cBhvr>
                                         <p:cTn id="969" dur="20"/>
                                         <p:tgtEl>
-                                          <p:spTgt spid="389"/>
+                                          <p:spTgt spid="388"/>
                                         </p:tgtEl>
                                       </p:cBhvr>
                                     </p:animEffect>
@@ -26299,7 +26386,7 @@
                                           </p:stCondLst>
                                         </p:cTn>
                                         <p:tgtEl>
-                                          <p:spTgt spid="389"/>
+                                          <p:spTgt spid="388"/>
                                         </p:tgtEl>
                                         <p:attrNameLst>
                                           <p:attrName>style.visibility</p:attrName>
@@ -26322,16 +26409,16 @@
                             </p:stCondLst>
                             <p:childTnLst>
                               <p:par>
-                                <p:cTn id="972" presetID="22" presetClass="exit" presetSubtype="8" fill="hold" nodeType="afterEffect">
+                                <p:cTn id="972" presetID="22" presetClass="exit" presetSubtype="4" fill="hold" nodeType="afterEffect">
                                   <p:stCondLst>
                                     <p:cond delay="0"/>
                                   </p:stCondLst>
                                   <p:childTnLst>
-                                    <p:animEffect transition="out" filter="wipe(left)">
+                                    <p:animEffect transition="out" filter="wipe(down)">
                                       <p:cBhvr>
                                         <p:cTn id="973" dur="20"/>
                                         <p:tgtEl>
-                                          <p:spTgt spid="390"/>
+                                          <p:spTgt spid="389"/>
                                         </p:tgtEl>
                                       </p:cBhvr>
                                     </p:animEffect>
@@ -26343,7 +26430,7 @@
                                           </p:stCondLst>
                                         </p:cTn>
                                         <p:tgtEl>
-                                          <p:spTgt spid="390"/>
+                                          <p:spTgt spid="389"/>
                                         </p:tgtEl>
                                         <p:attrNameLst>
                                           <p:attrName>style.visibility</p:attrName>
@@ -26375,7 +26462,7 @@
                                       <p:cBhvr>
                                         <p:cTn id="977" dur="20"/>
                                         <p:tgtEl>
-                                          <p:spTgt spid="391"/>
+                                          <p:spTgt spid="390"/>
                                         </p:tgtEl>
                                       </p:cBhvr>
                                     </p:animEffect>
@@ -26387,7 +26474,7 @@
                                           </p:stCondLst>
                                         </p:cTn>
                                         <p:tgtEl>
-                                          <p:spTgt spid="391"/>
+                                          <p:spTgt spid="390"/>
                                         </p:tgtEl>
                                         <p:attrNameLst>
                                           <p:attrName>style.visibility</p:attrName>
@@ -26410,16 +26497,16 @@
                             </p:stCondLst>
                             <p:childTnLst>
                               <p:par>
-                                <p:cTn id="980" presetID="22" presetClass="exit" presetSubtype="4" fill="hold" nodeType="afterEffect">
+                                <p:cTn id="980" presetID="22" presetClass="exit" presetSubtype="8" fill="hold" nodeType="afterEffect">
                                   <p:stCondLst>
                                     <p:cond delay="0"/>
                                   </p:stCondLst>
                                   <p:childTnLst>
-                                    <p:animEffect transition="out" filter="wipe(down)">
+                                    <p:animEffect transition="out" filter="wipe(left)">
                                       <p:cBhvr>
                                         <p:cTn id="981" dur="20"/>
                                         <p:tgtEl>
-                                          <p:spTgt spid="395"/>
+                                          <p:spTgt spid="391"/>
                                         </p:tgtEl>
                                       </p:cBhvr>
                                     </p:animEffect>
@@ -26431,7 +26518,7 @@
                                           </p:stCondLst>
                                         </p:cTn>
                                         <p:tgtEl>
-                                          <p:spTgt spid="395"/>
+                                          <p:spTgt spid="391"/>
                                         </p:tgtEl>
                                         <p:attrNameLst>
                                           <p:attrName>style.visibility</p:attrName>
@@ -26454,16 +26541,16 @@
                             </p:stCondLst>
                             <p:childTnLst>
                               <p:par>
-                                <p:cTn id="984" presetID="22" presetClass="exit" presetSubtype="1" fill="hold" nodeType="afterEffect">
+                                <p:cTn id="984" presetID="22" presetClass="exit" presetSubtype="4" fill="hold" nodeType="afterEffect">
                                   <p:stCondLst>
                                     <p:cond delay="0"/>
                                   </p:stCondLst>
                                   <p:childTnLst>
-                                    <p:animEffect transition="out" filter="wipe(up)">
+                                    <p:animEffect transition="out" filter="wipe(down)">
                                       <p:cBhvr>
                                         <p:cTn id="985" dur="20"/>
                                         <p:tgtEl>
-                                          <p:spTgt spid="397"/>
+                                          <p:spTgt spid="395"/>
                                         </p:tgtEl>
                                       </p:cBhvr>
                                     </p:animEffect>
@@ -26475,7 +26562,7 @@
                                           </p:stCondLst>
                                         </p:cTn>
                                         <p:tgtEl>
-                                          <p:spTgt spid="397"/>
+                                          <p:spTgt spid="395"/>
                                         </p:tgtEl>
                                         <p:attrNameLst>
                                           <p:attrName>style.visibility</p:attrName>
@@ -26498,16 +26585,16 @@
                             </p:stCondLst>
                             <p:childTnLst>
                               <p:par>
-                                <p:cTn id="988" presetID="22" presetClass="exit" presetSubtype="4" fill="hold" nodeType="afterEffect">
+                                <p:cTn id="988" presetID="22" presetClass="exit" presetSubtype="1" fill="hold" nodeType="afterEffect">
                                   <p:stCondLst>
                                     <p:cond delay="0"/>
                                   </p:stCondLst>
                                   <p:childTnLst>
-                                    <p:animEffect transition="out" filter="wipe(down)">
+                                    <p:animEffect transition="out" filter="wipe(up)">
                                       <p:cBhvr>
                                         <p:cTn id="989" dur="20"/>
                                         <p:tgtEl>
-                                          <p:spTgt spid="399"/>
+                                          <p:spTgt spid="397"/>
                                         </p:tgtEl>
                                       </p:cBhvr>
                                     </p:animEffect>
@@ -26519,7 +26606,7 @@
                                           </p:stCondLst>
                                         </p:cTn>
                                         <p:tgtEl>
-                                          <p:spTgt spid="399"/>
+                                          <p:spTgt spid="397"/>
                                         </p:tgtEl>
                                         <p:attrNameLst>
                                           <p:attrName>style.visibility</p:attrName>
@@ -26551,7 +26638,7 @@
                                       <p:cBhvr>
                                         <p:cTn id="993" dur="20"/>
                                         <p:tgtEl>
-                                          <p:spTgt spid="401"/>
+                                          <p:spTgt spid="399"/>
                                         </p:tgtEl>
                                       </p:cBhvr>
                                     </p:animEffect>
@@ -26563,7 +26650,7 @@
                                           </p:stCondLst>
                                         </p:cTn>
                                         <p:tgtEl>
-                                          <p:spTgt spid="401"/>
+                                          <p:spTgt spid="399"/>
                                         </p:tgtEl>
                                         <p:attrNameLst>
                                           <p:attrName>style.visibility</p:attrName>
@@ -26586,16 +26673,16 @@
                             </p:stCondLst>
                             <p:childTnLst>
                               <p:par>
-                                <p:cTn id="996" presetID="22" presetClass="exit" presetSubtype="8" fill="hold" nodeType="afterEffect">
+                                <p:cTn id="996" presetID="22" presetClass="exit" presetSubtype="4" fill="hold" nodeType="afterEffect">
                                   <p:stCondLst>
                                     <p:cond delay="0"/>
                                   </p:stCondLst>
                                   <p:childTnLst>
-                                    <p:animEffect transition="out" filter="wipe(left)">
+                                    <p:animEffect transition="out" filter="wipe(down)">
                                       <p:cBhvr>
                                         <p:cTn id="997" dur="20"/>
                                         <p:tgtEl>
-                                          <p:spTgt spid="404"/>
+                                          <p:spTgt spid="401"/>
                                         </p:tgtEl>
                                       </p:cBhvr>
                                     </p:animEffect>
@@ -26607,7 +26694,7 @@
                                           </p:stCondLst>
                                         </p:cTn>
                                         <p:tgtEl>
-                                          <p:spTgt spid="404"/>
+                                          <p:spTgt spid="401"/>
                                         </p:tgtEl>
                                         <p:attrNameLst>
                                           <p:attrName>style.visibility</p:attrName>
@@ -26630,16 +26717,16 @@
                             </p:stCondLst>
                             <p:childTnLst>
                               <p:par>
-                                <p:cTn id="1000" presetID="22" presetClass="exit" presetSubtype="1" fill="hold" nodeType="afterEffect">
+                                <p:cTn id="1000" presetID="22" presetClass="exit" presetSubtype="8" fill="hold" nodeType="afterEffect">
                                   <p:stCondLst>
                                     <p:cond delay="0"/>
                                   </p:stCondLst>
                                   <p:childTnLst>
-                                    <p:animEffect transition="out" filter="wipe(up)">
+                                    <p:animEffect transition="out" filter="wipe(left)">
                                       <p:cBhvr>
                                         <p:cTn id="1001" dur="20"/>
                                         <p:tgtEl>
-                                          <p:spTgt spid="406"/>
+                                          <p:spTgt spid="404"/>
                                         </p:tgtEl>
                                       </p:cBhvr>
                                     </p:animEffect>
@@ -26651,7 +26738,7 @@
                                           </p:stCondLst>
                                         </p:cTn>
                                         <p:tgtEl>
-                                          <p:spTgt spid="406"/>
+                                          <p:spTgt spid="404"/>
                                         </p:tgtEl>
                                         <p:attrNameLst>
                                           <p:attrName>style.visibility</p:attrName>
@@ -26674,16 +26761,16 @@
                             </p:stCondLst>
                             <p:childTnLst>
                               <p:par>
-                                <p:cTn id="1004" presetID="22" presetClass="exit" presetSubtype="8" fill="hold" nodeType="afterEffect">
+                                <p:cTn id="1004" presetID="22" presetClass="exit" presetSubtype="1" fill="hold" nodeType="afterEffect">
                                   <p:stCondLst>
                                     <p:cond delay="0"/>
                                   </p:stCondLst>
                                   <p:childTnLst>
-                                    <p:animEffect transition="out" filter="wipe(left)">
+                                    <p:animEffect transition="out" filter="wipe(up)">
                                       <p:cBhvr>
                                         <p:cTn id="1005" dur="20"/>
                                         <p:tgtEl>
-                                          <p:spTgt spid="410"/>
+                                          <p:spTgt spid="406"/>
                                         </p:tgtEl>
                                       </p:cBhvr>
                                     </p:animEffect>
@@ -26695,7 +26782,7 @@
                                           </p:stCondLst>
                                         </p:cTn>
                                         <p:tgtEl>
-                                          <p:spTgt spid="410"/>
+                                          <p:spTgt spid="406"/>
                                         </p:tgtEl>
                                         <p:attrNameLst>
                                           <p:attrName>style.visibility</p:attrName>
@@ -26718,16 +26805,16 @@
                             </p:stCondLst>
                             <p:childTnLst>
                               <p:par>
-                                <p:cTn id="1008" presetID="22" presetClass="exit" presetSubtype="1" fill="hold" nodeType="afterEffect">
+                                <p:cTn id="1008" presetID="22" presetClass="exit" presetSubtype="8" fill="hold" nodeType="afterEffect">
                                   <p:stCondLst>
                                     <p:cond delay="0"/>
                                   </p:stCondLst>
                                   <p:childTnLst>
-                                    <p:animEffect transition="out" filter="wipe(up)">
+                                    <p:animEffect transition="out" filter="wipe(left)">
                                       <p:cBhvr>
                                         <p:cTn id="1009" dur="20"/>
                                         <p:tgtEl>
-                                          <p:spTgt spid="412"/>
+                                          <p:spTgt spid="410"/>
                                         </p:tgtEl>
                                       </p:cBhvr>
                                     </p:animEffect>
@@ -26739,7 +26826,7 @@
                                           </p:stCondLst>
                                         </p:cTn>
                                         <p:tgtEl>
-                                          <p:spTgt spid="412"/>
+                                          <p:spTgt spid="410"/>
                                         </p:tgtEl>
                                         <p:attrNameLst>
                                           <p:attrName>style.visibility</p:attrName>
@@ -26762,16 +26849,16 @@
                             </p:stCondLst>
                             <p:childTnLst>
                               <p:par>
-                                <p:cTn id="1012" presetID="22" presetClass="exit" presetSubtype="8" fill="hold" nodeType="afterEffect">
+                                <p:cTn id="1012" presetID="22" presetClass="exit" presetSubtype="1" fill="hold" nodeType="afterEffect">
                                   <p:stCondLst>
                                     <p:cond delay="0"/>
                                   </p:stCondLst>
                                   <p:childTnLst>
-                                    <p:animEffect transition="out" filter="wipe(left)">
+                                    <p:animEffect transition="out" filter="wipe(up)">
                                       <p:cBhvr>
                                         <p:cTn id="1013" dur="20"/>
                                         <p:tgtEl>
-                                          <p:spTgt spid="414"/>
+                                          <p:spTgt spid="412"/>
                                         </p:tgtEl>
                                       </p:cBhvr>
                                     </p:animEffect>
@@ -26783,7 +26870,7 @@
                                           </p:stCondLst>
                                         </p:cTn>
                                         <p:tgtEl>
-                                          <p:spTgt spid="414"/>
+                                          <p:spTgt spid="412"/>
                                         </p:tgtEl>
                                         <p:attrNameLst>
                                           <p:attrName>style.visibility</p:attrName>
@@ -26815,7 +26902,7 @@
                                       <p:cBhvr>
                                         <p:cTn id="1017" dur="20"/>
                                         <p:tgtEl>
-                                          <p:spTgt spid="416"/>
+                                          <p:spTgt spid="414"/>
                                         </p:tgtEl>
                                       </p:cBhvr>
                                     </p:animEffect>
@@ -26827,7 +26914,7 @@
                                           </p:stCondLst>
                                         </p:cTn>
                                         <p:tgtEl>
-                                          <p:spTgt spid="416"/>
+                                          <p:spTgt spid="414"/>
                                         </p:tgtEl>
                                         <p:attrNameLst>
                                           <p:attrName>style.visibility</p:attrName>
@@ -26850,16 +26937,16 @@
                             </p:stCondLst>
                             <p:childTnLst>
                               <p:par>
-                                <p:cTn id="1020" presetID="22" presetClass="exit" presetSubtype="1" fill="hold" nodeType="afterEffect">
+                                <p:cTn id="1020" presetID="22" presetClass="exit" presetSubtype="8" fill="hold" nodeType="afterEffect">
                                   <p:stCondLst>
                                     <p:cond delay="0"/>
                                   </p:stCondLst>
                                   <p:childTnLst>
-                                    <p:animEffect transition="out" filter="wipe(up)">
+                                    <p:animEffect transition="out" filter="wipe(left)">
                                       <p:cBhvr>
                                         <p:cTn id="1021" dur="20"/>
                                         <p:tgtEl>
-                                          <p:spTgt spid="418"/>
+                                          <p:spTgt spid="416"/>
                                         </p:tgtEl>
                                       </p:cBhvr>
                                     </p:animEffect>
@@ -26871,7 +26958,7 @@
                                           </p:stCondLst>
                                         </p:cTn>
                                         <p:tgtEl>
-                                          <p:spTgt spid="418"/>
+                                          <p:spTgt spid="416"/>
                                         </p:tgtEl>
                                         <p:attrNameLst>
                                           <p:attrName>style.visibility</p:attrName>
@@ -26894,16 +26981,16 @@
                             </p:stCondLst>
                             <p:childTnLst>
                               <p:par>
-                                <p:cTn id="1024" presetID="22" presetClass="exit" presetSubtype="2" fill="hold" nodeType="afterEffect">
+                                <p:cTn id="1024" presetID="22" presetClass="exit" presetSubtype="1" fill="hold" nodeType="afterEffect">
                                   <p:stCondLst>
                                     <p:cond delay="0"/>
                                   </p:stCondLst>
                                   <p:childTnLst>
-                                    <p:animEffect transition="out" filter="wipe(right)">
+                                    <p:animEffect transition="out" filter="wipe(up)">
                                       <p:cBhvr>
                                         <p:cTn id="1025" dur="20"/>
                                         <p:tgtEl>
-                                          <p:spTgt spid="421"/>
+                                          <p:spTgt spid="418"/>
                                         </p:tgtEl>
                                       </p:cBhvr>
                                     </p:animEffect>
@@ -26915,7 +27002,7 @@
                                           </p:stCondLst>
                                         </p:cTn>
                                         <p:tgtEl>
-                                          <p:spTgt spid="421"/>
+                                          <p:spTgt spid="418"/>
                                         </p:tgtEl>
                                         <p:attrNameLst>
                                           <p:attrName>style.visibility</p:attrName>
@@ -26938,16 +27025,16 @@
                             </p:stCondLst>
                             <p:childTnLst>
                               <p:par>
-                                <p:cTn id="1028" presetID="21" presetClass="exit" presetSubtype="1" fill="hold" grpId="0" nodeType="afterEffect">
+                                <p:cTn id="1028" presetID="22" presetClass="exit" presetSubtype="2" fill="hold" nodeType="afterEffect">
                                   <p:stCondLst>
                                     <p:cond delay="0"/>
                                   </p:stCondLst>
                                   <p:childTnLst>
-                                    <p:animEffect transition="out" filter="wheel(1)">
+                                    <p:animEffect transition="out" filter="wipe(right)">
                                       <p:cBhvr>
                                         <p:cTn id="1029" dur="20"/>
                                         <p:tgtEl>
-                                          <p:spTgt spid="423"/>
+                                          <p:spTgt spid="421"/>
                                         </p:tgtEl>
                                       </p:cBhvr>
                                     </p:animEffect>
@@ -26959,7 +27046,7 @@
                                           </p:stCondLst>
                                         </p:cTn>
                                         <p:tgtEl>
-                                          <p:spTgt spid="423"/>
+                                          <p:spTgt spid="421"/>
                                         </p:tgtEl>
                                         <p:attrNameLst>
                                           <p:attrName>style.visibility</p:attrName>
@@ -26982,16 +27069,16 @@
                             </p:stCondLst>
                             <p:childTnLst>
                               <p:par>
-                                <p:cTn id="1032" presetID="22" presetClass="exit" presetSubtype="8" fill="hold" nodeType="afterEffect">
+                                <p:cTn id="1032" presetID="21" presetClass="exit" presetSubtype="1" fill="hold" grpId="0" nodeType="afterEffect">
                                   <p:stCondLst>
                                     <p:cond delay="0"/>
                                   </p:stCondLst>
                                   <p:childTnLst>
-                                    <p:animEffect transition="out" filter="wipe(left)">
+                                    <p:animEffect transition="out" filter="wheel(1)">
                                       <p:cBhvr>
                                         <p:cTn id="1033" dur="20"/>
                                         <p:tgtEl>
-                                          <p:spTgt spid="424"/>
+                                          <p:spTgt spid="423"/>
                                         </p:tgtEl>
                                       </p:cBhvr>
                                     </p:animEffect>
@@ -27003,7 +27090,7 @@
                                           </p:stCondLst>
                                         </p:cTn>
                                         <p:tgtEl>
-                                          <p:spTgt spid="424"/>
+                                          <p:spTgt spid="423"/>
                                         </p:tgtEl>
                                         <p:attrNameLst>
                                           <p:attrName>style.visibility</p:attrName>
@@ -27026,16 +27113,16 @@
                             </p:stCondLst>
                             <p:childTnLst>
                               <p:par>
-                                <p:cTn id="1036" presetID="22" presetClass="exit" presetSubtype="4" fill="hold" nodeType="afterEffect">
+                                <p:cTn id="1036" presetID="22" presetClass="exit" presetSubtype="8" fill="hold" nodeType="afterEffect">
                                   <p:stCondLst>
                                     <p:cond delay="0"/>
                                   </p:stCondLst>
                                   <p:childTnLst>
-                                    <p:animEffect transition="out" filter="wipe(down)">
+                                    <p:animEffect transition="out" filter="wipe(left)">
                                       <p:cBhvr>
                                         <p:cTn id="1037" dur="20"/>
                                         <p:tgtEl>
-                                          <p:spTgt spid="425"/>
+                                          <p:spTgt spid="424"/>
                                         </p:tgtEl>
                                       </p:cBhvr>
                                     </p:animEffect>
@@ -27047,7 +27134,7 @@
                                           </p:stCondLst>
                                         </p:cTn>
                                         <p:tgtEl>
-                                          <p:spTgt spid="425"/>
+                                          <p:spTgt spid="424"/>
                                         </p:tgtEl>
                                         <p:attrNameLst>
                                           <p:attrName>style.visibility</p:attrName>
@@ -27070,16 +27157,16 @@
                             </p:stCondLst>
                             <p:childTnLst>
                               <p:par>
-                                <p:cTn id="1040" presetID="22" presetClass="exit" presetSubtype="8" fill="hold" nodeType="afterEffect">
+                                <p:cTn id="1040" presetID="22" presetClass="exit" presetSubtype="4" fill="hold" nodeType="afterEffect">
                                   <p:stCondLst>
                                     <p:cond delay="0"/>
                                   </p:stCondLst>
                                   <p:childTnLst>
-                                    <p:animEffect transition="out" filter="wipe(left)">
+                                    <p:animEffect transition="out" filter="wipe(down)">
                                       <p:cBhvr>
                                         <p:cTn id="1041" dur="20"/>
                                         <p:tgtEl>
-                                          <p:spTgt spid="428"/>
+                                          <p:spTgt spid="425"/>
                                         </p:tgtEl>
                                       </p:cBhvr>
                                     </p:animEffect>
@@ -27091,7 +27178,7 @@
                                           </p:stCondLst>
                                         </p:cTn>
                                         <p:tgtEl>
-                                          <p:spTgt spid="428"/>
+                                          <p:spTgt spid="425"/>
                                         </p:tgtEl>
                                         <p:attrNameLst>
                                           <p:attrName>style.visibility</p:attrName>
@@ -27114,16 +27201,16 @@
                             </p:stCondLst>
                             <p:childTnLst>
                               <p:par>
-                                <p:cTn id="1044" presetID="22" presetClass="exit" presetSubtype="1" fill="hold" nodeType="afterEffect">
+                                <p:cTn id="1044" presetID="22" presetClass="exit" presetSubtype="8" fill="hold" nodeType="afterEffect">
                                   <p:stCondLst>
                                     <p:cond delay="0"/>
                                   </p:stCondLst>
                                   <p:childTnLst>
-                                    <p:animEffect transition="out" filter="wipe(up)">
+                                    <p:animEffect transition="out" filter="wipe(left)">
                                       <p:cBhvr>
                                         <p:cTn id="1045" dur="20"/>
                                         <p:tgtEl>
-                                          <p:spTgt spid="430"/>
+                                          <p:spTgt spid="428"/>
                                         </p:tgtEl>
                                       </p:cBhvr>
                                     </p:animEffect>
@@ -27135,7 +27222,7 @@
                                           </p:stCondLst>
                                         </p:cTn>
                                         <p:tgtEl>
-                                          <p:spTgt spid="430"/>
+                                          <p:spTgt spid="428"/>
                                         </p:tgtEl>
                                         <p:attrNameLst>
                                           <p:attrName>style.visibility</p:attrName>
@@ -27158,16 +27245,16 @@
                             </p:stCondLst>
                             <p:childTnLst>
                               <p:par>
-                                <p:cTn id="1048" presetID="22" presetClass="exit" presetSubtype="8" fill="hold" nodeType="afterEffect">
+                                <p:cTn id="1048" presetID="22" presetClass="exit" presetSubtype="1" fill="hold" nodeType="afterEffect">
                                   <p:stCondLst>
                                     <p:cond delay="0"/>
                                   </p:stCondLst>
                                   <p:childTnLst>
-                                    <p:animEffect transition="out" filter="wipe(left)">
+                                    <p:animEffect transition="out" filter="wipe(up)">
                                       <p:cBhvr>
                                         <p:cTn id="1049" dur="20"/>
                                         <p:tgtEl>
-                                          <p:spTgt spid="433"/>
+                                          <p:spTgt spid="430"/>
                                         </p:tgtEl>
                                       </p:cBhvr>
                                     </p:animEffect>
@@ -27179,7 +27266,7 @@
                                           </p:stCondLst>
                                         </p:cTn>
                                         <p:tgtEl>
-                                          <p:spTgt spid="433"/>
+                                          <p:spTgt spid="430"/>
                                         </p:tgtEl>
                                         <p:attrNameLst>
                                           <p:attrName>style.visibility</p:attrName>
@@ -27211,7 +27298,7 @@
                                       <p:cBhvr>
                                         <p:cTn id="1053" dur="20"/>
                                         <p:tgtEl>
-                                          <p:spTgt spid="436"/>
+                                          <p:spTgt spid="433"/>
                                         </p:tgtEl>
                                       </p:cBhvr>
                                     </p:animEffect>
@@ -27223,7 +27310,7 @@
                                           </p:stCondLst>
                                         </p:cTn>
                                         <p:tgtEl>
-                                          <p:spTgt spid="436"/>
+                                          <p:spTgt spid="433"/>
                                         </p:tgtEl>
                                         <p:attrNameLst>
                                           <p:attrName>style.visibility</p:attrName>
@@ -27246,16 +27333,16 @@
                             </p:stCondLst>
                             <p:childTnLst>
                               <p:par>
-                                <p:cTn id="1056" presetID="22" presetClass="exit" presetSubtype="2" fill="hold" nodeType="afterEffect">
+                                <p:cTn id="1056" presetID="22" presetClass="exit" presetSubtype="8" fill="hold" nodeType="afterEffect">
                                   <p:stCondLst>
                                     <p:cond delay="0"/>
                                   </p:stCondLst>
                                   <p:childTnLst>
-                                    <p:animEffect transition="out" filter="wipe(right)">
+                                    <p:animEffect transition="out" filter="wipe(left)">
                                       <p:cBhvr>
                                         <p:cTn id="1057" dur="20"/>
                                         <p:tgtEl>
-                                          <p:spTgt spid="439"/>
+                                          <p:spTgt spid="436"/>
                                         </p:tgtEl>
                                       </p:cBhvr>
                                     </p:animEffect>
@@ -27267,7 +27354,7 @@
                                           </p:stCondLst>
                                         </p:cTn>
                                         <p:tgtEl>
-                                          <p:spTgt spid="439"/>
+                                          <p:spTgt spid="436"/>
                                         </p:tgtEl>
                                         <p:attrNameLst>
                                           <p:attrName>style.visibility</p:attrName>
@@ -27290,16 +27377,16 @@
                             </p:stCondLst>
                             <p:childTnLst>
                               <p:par>
-                                <p:cTn id="1060" presetID="22" presetClass="exit" presetSubtype="1" fill="hold" nodeType="afterEffect">
+                                <p:cTn id="1060" presetID="22" presetClass="exit" presetSubtype="2" fill="hold" nodeType="afterEffect">
                                   <p:stCondLst>
                                     <p:cond delay="0"/>
                                   </p:stCondLst>
                                   <p:childTnLst>
-                                    <p:animEffect transition="out" filter="wipe(up)">
+                                    <p:animEffect transition="out" filter="wipe(right)">
                                       <p:cBhvr>
                                         <p:cTn id="1061" dur="20"/>
                                         <p:tgtEl>
-                                          <p:spTgt spid="440"/>
+                                          <p:spTgt spid="439"/>
                                         </p:tgtEl>
                                       </p:cBhvr>
                                     </p:animEffect>
@@ -27311,7 +27398,7 @@
                                           </p:stCondLst>
                                         </p:cTn>
                                         <p:tgtEl>
-                                          <p:spTgt spid="440"/>
+                                          <p:spTgt spid="439"/>
                                         </p:tgtEl>
                                         <p:attrNameLst>
                                           <p:attrName>style.visibility</p:attrName>
@@ -27334,16 +27421,16 @@
                             </p:stCondLst>
                             <p:childTnLst>
                               <p:par>
-                                <p:cTn id="1064" presetID="22" presetClass="exit" presetSubtype="8" fill="hold" nodeType="afterEffect">
+                                <p:cTn id="1064" presetID="22" presetClass="exit" presetSubtype="1" fill="hold" nodeType="afterEffect">
                                   <p:stCondLst>
                                     <p:cond delay="0"/>
                                   </p:stCondLst>
                                   <p:childTnLst>
-                                    <p:animEffect transition="out" filter="wipe(left)">
+                                    <p:animEffect transition="out" filter="wipe(up)">
                                       <p:cBhvr>
                                         <p:cTn id="1065" dur="20"/>
                                         <p:tgtEl>
-                                          <p:spTgt spid="442"/>
+                                          <p:spTgt spid="440"/>
                                         </p:tgtEl>
                                       </p:cBhvr>
                                     </p:animEffect>
@@ -27355,7 +27442,7 @@
                                           </p:stCondLst>
                                         </p:cTn>
                                         <p:tgtEl>
-                                          <p:spTgt spid="442"/>
+                                          <p:spTgt spid="440"/>
                                         </p:tgtEl>
                                         <p:attrNameLst>
                                           <p:attrName>style.visibility</p:attrName>
@@ -27378,16 +27465,16 @@
                             </p:stCondLst>
                             <p:childTnLst>
                               <p:par>
-                                <p:cTn id="1068" presetID="22" presetClass="exit" presetSubtype="4" fill="hold" nodeType="afterEffect">
+                                <p:cTn id="1068" presetID="22" presetClass="exit" presetSubtype="8" fill="hold" nodeType="afterEffect">
                                   <p:stCondLst>
                                     <p:cond delay="0"/>
                                   </p:stCondLst>
                                   <p:childTnLst>
-                                    <p:animEffect transition="out" filter="wipe(down)">
+                                    <p:animEffect transition="out" filter="wipe(left)">
                                       <p:cBhvr>
                                         <p:cTn id="1069" dur="20"/>
                                         <p:tgtEl>
-                                          <p:spTgt spid="444"/>
+                                          <p:spTgt spid="442"/>
                                         </p:tgtEl>
                                       </p:cBhvr>
                                     </p:animEffect>
@@ -27399,7 +27486,7 @@
                                           </p:stCondLst>
                                         </p:cTn>
                                         <p:tgtEl>
-                                          <p:spTgt spid="444"/>
+                                          <p:spTgt spid="442"/>
                                         </p:tgtEl>
                                         <p:attrNameLst>
                                           <p:attrName>style.visibility</p:attrName>
@@ -27422,16 +27509,16 @@
                             </p:stCondLst>
                             <p:childTnLst>
                               <p:par>
-                                <p:cTn id="1072" presetID="22" presetClass="exit" presetSubtype="1" fill="hold" nodeType="afterEffect">
+                                <p:cTn id="1072" presetID="22" presetClass="exit" presetSubtype="4" fill="hold" nodeType="afterEffect">
                                   <p:stCondLst>
                                     <p:cond delay="0"/>
                                   </p:stCondLst>
                                   <p:childTnLst>
-                                    <p:animEffect transition="out" filter="wipe(up)">
+                                    <p:animEffect transition="out" filter="wipe(down)">
                                       <p:cBhvr>
                                         <p:cTn id="1073" dur="20"/>
                                         <p:tgtEl>
-                                          <p:spTgt spid="446"/>
+                                          <p:spTgt spid="444"/>
                                         </p:tgtEl>
                                       </p:cBhvr>
                                     </p:animEffect>
@@ -27443,7 +27530,7 @@
                                           </p:stCondLst>
                                         </p:cTn>
                                         <p:tgtEl>
-                                          <p:spTgt spid="446"/>
+                                          <p:spTgt spid="444"/>
                                         </p:tgtEl>
                                         <p:attrNameLst>
                                           <p:attrName>style.visibility</p:attrName>
@@ -27466,16 +27553,16 @@
                             </p:stCondLst>
                             <p:childTnLst>
                               <p:par>
-                                <p:cTn id="1076" presetID="22" presetClass="exit" presetSubtype="8" fill="hold" nodeType="afterEffect">
+                                <p:cTn id="1076" presetID="22" presetClass="exit" presetSubtype="1" fill="hold" nodeType="afterEffect">
                                   <p:stCondLst>
                                     <p:cond delay="0"/>
                                   </p:stCondLst>
                                   <p:childTnLst>
-                                    <p:animEffect transition="out" filter="wipe(left)">
+                                    <p:animEffect transition="out" filter="wipe(up)">
                                       <p:cBhvr>
                                         <p:cTn id="1077" dur="20"/>
                                         <p:tgtEl>
-                                          <p:spTgt spid="448"/>
+                                          <p:spTgt spid="446"/>
                                         </p:tgtEl>
                                       </p:cBhvr>
                                     </p:animEffect>
@@ -27487,7 +27574,7 @@
                                           </p:stCondLst>
                                         </p:cTn>
                                         <p:tgtEl>
-                                          <p:spTgt spid="448"/>
+                                          <p:spTgt spid="446"/>
                                         </p:tgtEl>
                                         <p:attrNameLst>
                                           <p:attrName>style.visibility</p:attrName>
@@ -27510,16 +27597,16 @@
                             </p:stCondLst>
                             <p:childTnLst>
                               <p:par>
-                                <p:cTn id="1080" presetID="22" presetClass="exit" presetSubtype="1" fill="hold" nodeType="afterEffect">
+                                <p:cTn id="1080" presetID="22" presetClass="exit" presetSubtype="8" fill="hold" nodeType="afterEffect">
                                   <p:stCondLst>
                                     <p:cond delay="0"/>
                                   </p:stCondLst>
                                   <p:childTnLst>
-                                    <p:animEffect transition="out" filter="wipe(up)">
+                                    <p:animEffect transition="out" filter="wipe(left)">
                                       <p:cBhvr>
                                         <p:cTn id="1081" dur="20"/>
                                         <p:tgtEl>
-                                          <p:spTgt spid="450"/>
+                                          <p:spTgt spid="448"/>
                                         </p:tgtEl>
                                       </p:cBhvr>
                                     </p:animEffect>
@@ -27531,7 +27618,7 @@
                                           </p:stCondLst>
                                         </p:cTn>
                                         <p:tgtEl>
-                                          <p:spTgt spid="450"/>
+                                          <p:spTgt spid="448"/>
                                         </p:tgtEl>
                                         <p:attrNameLst>
                                           <p:attrName>style.visibility</p:attrName>
@@ -27554,16 +27641,16 @@
                             </p:stCondLst>
                             <p:childTnLst>
                               <p:par>
-                                <p:cTn id="1084" presetID="22" presetClass="exit" presetSubtype="4" fill="hold" nodeType="afterEffect">
+                                <p:cTn id="1084" presetID="22" presetClass="exit" presetSubtype="1" fill="hold" nodeType="afterEffect">
                                   <p:stCondLst>
                                     <p:cond delay="0"/>
                                   </p:stCondLst>
                                   <p:childTnLst>
-                                    <p:animEffect transition="out" filter="wipe(down)">
+                                    <p:animEffect transition="out" filter="wipe(up)">
                                       <p:cBhvr>
                                         <p:cTn id="1085" dur="20"/>
                                         <p:tgtEl>
-                                          <p:spTgt spid="452"/>
+                                          <p:spTgt spid="450"/>
                                         </p:tgtEl>
                                       </p:cBhvr>
                                     </p:animEffect>
@@ -27575,7 +27662,7 @@
                                           </p:stCondLst>
                                         </p:cTn>
                                         <p:tgtEl>
-                                          <p:spTgt spid="452"/>
+                                          <p:spTgt spid="450"/>
                                         </p:tgtEl>
                                         <p:attrNameLst>
                                           <p:attrName>style.visibility</p:attrName>
@@ -27598,16 +27685,16 @@
                             </p:stCondLst>
                             <p:childTnLst>
                               <p:par>
-                                <p:cTn id="1088" presetID="22" presetClass="exit" presetSubtype="8" fill="hold" nodeType="afterEffect">
+                                <p:cTn id="1088" presetID="22" presetClass="exit" presetSubtype="4" fill="hold" nodeType="afterEffect">
                                   <p:stCondLst>
                                     <p:cond delay="0"/>
                                   </p:stCondLst>
                                   <p:childTnLst>
-                                    <p:animEffect transition="out" filter="wipe(left)">
+                                    <p:animEffect transition="out" filter="wipe(down)">
                                       <p:cBhvr>
                                         <p:cTn id="1089" dur="20"/>
                                         <p:tgtEl>
-                                          <p:spTgt spid="454"/>
+                                          <p:spTgt spid="452"/>
                                         </p:tgtEl>
                                       </p:cBhvr>
                                     </p:animEffect>
@@ -27619,7 +27706,7 @@
                                           </p:stCondLst>
                                         </p:cTn>
                                         <p:tgtEl>
-                                          <p:spTgt spid="454"/>
+                                          <p:spTgt spid="452"/>
                                         </p:tgtEl>
                                         <p:attrNameLst>
                                           <p:attrName>style.visibility</p:attrName>
@@ -27642,16 +27729,16 @@
                             </p:stCondLst>
                             <p:childTnLst>
                               <p:par>
-                                <p:cTn id="1092" presetID="22" presetClass="exit" presetSubtype="4" fill="hold" nodeType="afterEffect">
+                                <p:cTn id="1092" presetID="22" presetClass="exit" presetSubtype="8" fill="hold" nodeType="afterEffect">
                                   <p:stCondLst>
                                     <p:cond delay="0"/>
                                   </p:stCondLst>
                                   <p:childTnLst>
-                                    <p:animEffect transition="out" filter="wipe(down)">
+                                    <p:animEffect transition="out" filter="wipe(left)">
                                       <p:cBhvr>
                                         <p:cTn id="1093" dur="20"/>
                                         <p:tgtEl>
-                                          <p:spTgt spid="456"/>
+                                          <p:spTgt spid="454"/>
                                         </p:tgtEl>
                                       </p:cBhvr>
                                     </p:animEffect>
@@ -27663,7 +27750,7 @@
                                           </p:stCondLst>
                                         </p:cTn>
                                         <p:tgtEl>
-                                          <p:spTgt spid="456"/>
+                                          <p:spTgt spid="454"/>
                                         </p:tgtEl>
                                         <p:attrNameLst>
                                           <p:attrName>style.visibility</p:attrName>
@@ -27686,14 +27773,58 @@
                             </p:stCondLst>
                             <p:childTnLst>
                               <p:par>
-                                <p:cTn id="1096" presetID="22" presetClass="exit" presetSubtype="8" fill="hold" nodeType="afterEffect">
+                                <p:cTn id="1096" presetID="22" presetClass="exit" presetSubtype="4" fill="hold" nodeType="afterEffect">
+                                  <p:stCondLst>
+                                    <p:cond delay="0"/>
+                                  </p:stCondLst>
+                                  <p:childTnLst>
+                                    <p:animEffect transition="out" filter="wipe(down)">
+                                      <p:cBhvr>
+                                        <p:cTn id="1097" dur="20"/>
+                                        <p:tgtEl>
+                                          <p:spTgt spid="456"/>
+                                        </p:tgtEl>
+                                      </p:cBhvr>
+                                    </p:animEffect>
+                                    <p:set>
+                                      <p:cBhvr>
+                                        <p:cTn id="1098" dur="1" fill="hold">
+                                          <p:stCondLst>
+                                            <p:cond delay="19"/>
+                                          </p:stCondLst>
+                                        </p:cTn>
+                                        <p:tgtEl>
+                                          <p:spTgt spid="456"/>
+                                        </p:tgtEl>
+                                        <p:attrNameLst>
+                                          <p:attrName>style.visibility</p:attrName>
+                                        </p:attrNameLst>
+                                      </p:cBhvr>
+                                      <p:to>
+                                        <p:strVal val="hidden"/>
+                                      </p:to>
+                                    </p:set>
+                                  </p:childTnLst>
+                                </p:cTn>
+                              </p:par>
+                            </p:childTnLst>
+                          </p:cTn>
+                        </p:par>
+                        <p:par>
+                          <p:cTn id="1099" fill="hold">
+                            <p:stCondLst>
+                              <p:cond delay="5960"/>
+                            </p:stCondLst>
+                            <p:childTnLst>
+                              <p:par>
+                                <p:cTn id="1100" presetID="22" presetClass="exit" presetSubtype="8" fill="hold" nodeType="afterEffect">
                                   <p:stCondLst>
                                     <p:cond delay="0"/>
                                   </p:stCondLst>
                                   <p:childTnLst>
                                     <p:animEffect transition="out" filter="wipe(left)">
                                       <p:cBhvr>
-                                        <p:cTn id="1097" dur="20"/>
+                                        <p:cTn id="1101" dur="20"/>
                                         <p:tgtEl>
                                           <p:spTgt spid="457"/>
                                         </p:tgtEl>
@@ -27701,7 +27832,7 @@
                                     </p:animEffect>
                                     <p:set>
                                       <p:cBhvr>
-                                        <p:cTn id="1098" dur="1" fill="hold">
+                                        <p:cTn id="1102" dur="1" fill="hold">
                                           <p:stCondLst>
                                             <p:cond delay="19"/>
                                           </p:stCondLst>
